--- a/Presentation/MainPresentation.pptx
+++ b/Presentation/MainPresentation.pptx
@@ -3,32 +3,35 @@
 <p:presentation xmlns:a="http://schemas.openxmlformats.org/drawingml/2006/main" xmlns:r="http://schemas.openxmlformats.org/officeDocument/2006/relationships" xmlns:p="http://schemas.openxmlformats.org/presentationml/2006/main" saveSubsetFonts="1">
   <p:sldMasterIdLst>
     <p:sldMasterId id="2147483648" r:id="rId1"/>
+    <p:sldMasterId id="2147483660" r:id="rId2"/>
+    <p:sldMasterId id="2147483662" r:id="rId3"/>
   </p:sldMasterIdLst>
   <p:sldIdLst>
-    <p:sldId id="256" r:id="rId2"/>
-    <p:sldId id="257" r:id="rId3"/>
-    <p:sldId id="258" r:id="rId4"/>
-    <p:sldId id="259" r:id="rId5"/>
-    <p:sldId id="260" r:id="rId6"/>
-    <p:sldId id="261" r:id="rId7"/>
-    <p:sldId id="262" r:id="rId8"/>
-    <p:sldId id="263" r:id="rId9"/>
-    <p:sldId id="264" r:id="rId10"/>
-    <p:sldId id="265" r:id="rId11"/>
-    <p:sldId id="266" r:id="rId12"/>
-    <p:sldId id="267" r:id="rId13"/>
-    <p:sldId id="268" r:id="rId14"/>
-    <p:sldId id="269" r:id="rId15"/>
-    <p:sldId id="270" r:id="rId16"/>
-    <p:sldId id="271" r:id="rId17"/>
-    <p:sldId id="272" r:id="rId18"/>
-    <p:sldId id="273" r:id="rId19"/>
-    <p:sldId id="279" r:id="rId20"/>
-    <p:sldId id="274" r:id="rId21"/>
-    <p:sldId id="275" r:id="rId22"/>
-    <p:sldId id="276" r:id="rId23"/>
-    <p:sldId id="277" r:id="rId24"/>
-    <p:sldId id="278" r:id="rId25"/>
+    <p:sldId id="256" r:id="rId4"/>
+    <p:sldId id="257" r:id="rId5"/>
+    <p:sldId id="258" r:id="rId6"/>
+    <p:sldId id="259" r:id="rId7"/>
+    <p:sldId id="260" r:id="rId8"/>
+    <p:sldId id="261" r:id="rId9"/>
+    <p:sldId id="262" r:id="rId10"/>
+    <p:sldId id="263" r:id="rId11"/>
+    <p:sldId id="264" r:id="rId12"/>
+    <p:sldId id="265" r:id="rId13"/>
+    <p:sldId id="266" r:id="rId14"/>
+    <p:sldId id="267" r:id="rId15"/>
+    <p:sldId id="268" r:id="rId16"/>
+    <p:sldId id="269" r:id="rId17"/>
+    <p:sldId id="270" r:id="rId18"/>
+    <p:sldId id="271" r:id="rId19"/>
+    <p:sldId id="272" r:id="rId20"/>
+    <p:sldId id="273" r:id="rId21"/>
+    <p:sldId id="274" r:id="rId22"/>
+    <p:sldId id="275" r:id="rId23"/>
+    <p:sldId id="276" r:id="rId24"/>
+    <p:sldId id="277" r:id="rId25"/>
+    <p:sldId id="278" r:id="rId26"/>
+    <p:sldId id="279" r:id="rId27"/>
+    <p:sldId id="280" r:id="rId28"/>
   </p:sldIdLst>
   <p:sldSz cx="12192000" cy="6858000"/>
   <p:notesSz cx="6858000" cy="9144000"/>
@@ -288,7 +291,7 @@
           <a:p>
             <a:fld id="{01BD2B85-2C61-40CD-87E6-DD50E69E4D21}" type="datetimeFigureOut">
               <a:rPr lang="en-GB" smtClean="0"/>
-              <a:t>09/11/2017</a:t>
+              <a:t>10/11/2017</a:t>
             </a:fld>
             <a:endParaRPr lang="en-GB"/>
           </a:p>
@@ -488,7 +491,7 @@
           <a:p>
             <a:fld id="{01BD2B85-2C61-40CD-87E6-DD50E69E4D21}" type="datetimeFigureOut">
               <a:rPr lang="en-GB" smtClean="0"/>
-              <a:t>09/11/2017</a:t>
+              <a:t>10/11/2017</a:t>
             </a:fld>
             <a:endParaRPr lang="en-GB"/>
           </a:p>
@@ -698,7 +701,7 @@
           <a:p>
             <a:fld id="{01BD2B85-2C61-40CD-87E6-DD50E69E4D21}" type="datetimeFigureOut">
               <a:rPr lang="en-GB" smtClean="0"/>
-              <a:t>09/11/2017</a:t>
+              <a:t>10/11/2017</a:t>
             </a:fld>
             <a:endParaRPr lang="en-GB"/>
           </a:p>
@@ -762,6 +765,1135 @@
     <p:extLst>
       <p:ext uri="{BB962C8B-B14F-4D97-AF65-F5344CB8AC3E}">
         <p14:creationId xmlns:p14="http://schemas.microsoft.com/office/powerpoint/2010/main" val="933671485"/>
+      </p:ext>
+    </p:extLst>
+  </p:cSld>
+  <p:clrMapOvr>
+    <a:masterClrMapping/>
+  </p:clrMapOvr>
+</p:sldLayout>
+</file>
+
+<file path=ppt/slideLayouts/slideLayout12.xml><?xml version="1.0" encoding="utf-8"?>
+<p:sldLayout xmlns:a="http://schemas.openxmlformats.org/drawingml/2006/main" xmlns:r="http://schemas.openxmlformats.org/officeDocument/2006/relationships" xmlns:p="http://schemas.openxmlformats.org/presentationml/2006/main" type="twoObj">
+  <p:cSld name="Två delar">
+    <p:spTree>
+      <p:nvGrpSpPr>
+        <p:cNvPr id="1" name=""/>
+        <p:cNvGrpSpPr/>
+        <p:nvPr/>
+      </p:nvGrpSpPr>
+      <p:grpSpPr>
+        <a:xfrm>
+          <a:off x="0" y="0"/>
+          <a:ext cx="0" cy="0"/>
+          <a:chOff x="0" y="0"/>
+          <a:chExt cx="0" cy="0"/>
+        </a:xfrm>
+      </p:grpSpPr>
+      <p:sp>
+        <p:nvSpPr>
+          <p:cNvPr id="2" name="Rubrik 1">
+            <a:extLst>
+              <a:ext uri="{FF2B5EF4-FFF2-40B4-BE49-F238E27FC236}">
+                <a16:creationId xmlns:a16="http://schemas.microsoft.com/office/drawing/2014/main" id="{B73CD3F8-91DA-4765-A76D-117FD6C8BD68}"/>
+              </a:ext>
+            </a:extLst>
+          </p:cNvPr>
+          <p:cNvSpPr>
+            <a:spLocks noGrp="1"/>
+          </p:cNvSpPr>
+          <p:nvPr>
+            <p:ph type="title"/>
+          </p:nvPr>
+        </p:nvSpPr>
+        <p:spPr/>
+        <p:txBody>
+          <a:bodyPr/>
+          <a:lstStyle/>
+          <a:p>
+            <a:r>
+              <a:rPr lang="sv-SE"/>
+              <a:t>Klicka här för att ändra format</a:t>
+            </a:r>
+          </a:p>
+        </p:txBody>
+      </p:sp>
+      <p:sp>
+        <p:nvSpPr>
+          <p:cNvPr id="3" name="Platshållare för innehåll 2">
+            <a:extLst>
+              <a:ext uri="{FF2B5EF4-FFF2-40B4-BE49-F238E27FC236}">
+                <a16:creationId xmlns:a16="http://schemas.microsoft.com/office/drawing/2014/main" id="{651C10F6-B555-4CB7-B074-F7059590EED4}"/>
+              </a:ext>
+            </a:extLst>
+          </p:cNvPr>
+          <p:cNvSpPr>
+            <a:spLocks noGrp="1"/>
+          </p:cNvSpPr>
+          <p:nvPr>
+            <p:ph sz="half" idx="1"/>
+          </p:nvPr>
+        </p:nvSpPr>
+        <p:spPr>
+          <a:xfrm>
+            <a:off x="838200" y="1825625"/>
+            <a:ext cx="5181600" cy="4351338"/>
+          </a:xfrm>
+        </p:spPr>
+        <p:txBody>
+          <a:bodyPr/>
+          <a:lstStyle/>
+          <a:p>
+            <a:pPr lvl="0"/>
+            <a:r>
+              <a:rPr lang="sv-SE"/>
+              <a:t>Redigera format för bakgrundstext</a:t>
+            </a:r>
+          </a:p>
+          <a:p>
+            <a:pPr lvl="1"/>
+            <a:r>
+              <a:rPr lang="sv-SE"/>
+              <a:t>Nivå två</a:t>
+            </a:r>
+          </a:p>
+          <a:p>
+            <a:pPr lvl="2"/>
+            <a:r>
+              <a:rPr lang="sv-SE"/>
+              <a:t>Nivå tre</a:t>
+            </a:r>
+          </a:p>
+          <a:p>
+            <a:pPr lvl="3"/>
+            <a:r>
+              <a:rPr lang="sv-SE"/>
+              <a:t>Nivå fyra</a:t>
+            </a:r>
+          </a:p>
+          <a:p>
+            <a:pPr lvl="4"/>
+            <a:r>
+              <a:rPr lang="sv-SE"/>
+              <a:t>Nivå fem</a:t>
+            </a:r>
+          </a:p>
+        </p:txBody>
+      </p:sp>
+      <p:sp>
+        <p:nvSpPr>
+          <p:cNvPr id="4" name="Platshållare för innehåll 3">
+            <a:extLst>
+              <a:ext uri="{FF2B5EF4-FFF2-40B4-BE49-F238E27FC236}">
+                <a16:creationId xmlns:a16="http://schemas.microsoft.com/office/drawing/2014/main" id="{CCAFA47D-65A6-4E55-A89C-798DE3DF5A6C}"/>
+              </a:ext>
+            </a:extLst>
+          </p:cNvPr>
+          <p:cNvSpPr>
+            <a:spLocks noGrp="1"/>
+          </p:cNvSpPr>
+          <p:nvPr>
+            <p:ph sz="half" idx="2"/>
+          </p:nvPr>
+        </p:nvSpPr>
+        <p:spPr>
+          <a:xfrm>
+            <a:off x="6172200" y="1825625"/>
+            <a:ext cx="5181600" cy="4351338"/>
+          </a:xfrm>
+        </p:spPr>
+        <p:txBody>
+          <a:bodyPr/>
+          <a:lstStyle/>
+          <a:p>
+            <a:pPr lvl="0"/>
+            <a:r>
+              <a:rPr lang="sv-SE"/>
+              <a:t>Redigera format för bakgrundstext</a:t>
+            </a:r>
+          </a:p>
+          <a:p>
+            <a:pPr lvl="1"/>
+            <a:r>
+              <a:rPr lang="sv-SE"/>
+              <a:t>Nivå två</a:t>
+            </a:r>
+          </a:p>
+          <a:p>
+            <a:pPr lvl="2"/>
+            <a:r>
+              <a:rPr lang="sv-SE"/>
+              <a:t>Nivå tre</a:t>
+            </a:r>
+          </a:p>
+          <a:p>
+            <a:pPr lvl="3"/>
+            <a:r>
+              <a:rPr lang="sv-SE"/>
+              <a:t>Nivå fyra</a:t>
+            </a:r>
+          </a:p>
+          <a:p>
+            <a:pPr lvl="4"/>
+            <a:r>
+              <a:rPr lang="sv-SE"/>
+              <a:t>Nivå fem</a:t>
+            </a:r>
+          </a:p>
+        </p:txBody>
+      </p:sp>
+      <p:sp>
+        <p:nvSpPr>
+          <p:cNvPr id="5" name="Platshållare för datum 4">
+            <a:extLst>
+              <a:ext uri="{FF2B5EF4-FFF2-40B4-BE49-F238E27FC236}">
+                <a16:creationId xmlns:a16="http://schemas.microsoft.com/office/drawing/2014/main" id="{A6E46A99-7188-45BA-A6BC-0BFCAB533B92}"/>
+              </a:ext>
+            </a:extLst>
+          </p:cNvPr>
+          <p:cNvSpPr>
+            <a:spLocks noGrp="1"/>
+          </p:cNvSpPr>
+          <p:nvPr>
+            <p:ph type="dt" sz="half" idx="10"/>
+          </p:nvPr>
+        </p:nvSpPr>
+        <p:spPr/>
+        <p:txBody>
+          <a:bodyPr/>
+          <a:lstStyle/>
+          <a:p>
+            <a:pPr marL="0" marR="0" lvl="0" indent="0" algn="l" defTabSz="914400" rtl="0" eaLnBrk="1" fontAlgn="auto" latinLnBrk="0" hangingPunct="1">
+              <a:lnSpc>
+                <a:spcPct val="100000"/>
+              </a:lnSpc>
+              <a:spcBef>
+                <a:spcPts val="0"/>
+              </a:spcBef>
+              <a:spcAft>
+                <a:spcPts val="0"/>
+              </a:spcAft>
+              <a:buClrTx/>
+              <a:buSzTx/>
+              <a:buFontTx/>
+              <a:buNone/>
+              <a:tabLst/>
+              <a:defRPr/>
+            </a:pPr>
+            <a:fld id="{DAA52547-3D57-4300-850C-8C5ED669F084}" type="datetimeFigureOut">
+              <a:rPr kumimoji="0" lang="sv-SE" sz="1200" b="0" i="0" u="none" strike="noStrike" kern="1200" cap="none" spc="0" normalizeH="0" baseline="0" noProof="0" smtClean="0">
+                <a:ln>
+                  <a:noFill/>
+                </a:ln>
+                <a:solidFill>
+                  <a:prstClr val="black">
+                    <a:tint val="75000"/>
+                  </a:prstClr>
+                </a:solidFill>
+                <a:effectLst/>
+                <a:uLnTx/>
+                <a:uFillTx/>
+                <a:latin typeface="Calibri" panose="020F0502020204030204"/>
+                <a:ea typeface="+mn-ea"/>
+                <a:cs typeface="+mn-cs"/>
+              </a:rPr>
+              <a:pPr marL="0" marR="0" lvl="0" indent="0" algn="l" defTabSz="914400" rtl="0" eaLnBrk="1" fontAlgn="auto" latinLnBrk="0" hangingPunct="1">
+                <a:lnSpc>
+                  <a:spcPct val="100000"/>
+                </a:lnSpc>
+                <a:spcBef>
+                  <a:spcPts val="0"/>
+                </a:spcBef>
+                <a:spcAft>
+                  <a:spcPts val="0"/>
+                </a:spcAft>
+                <a:buClrTx/>
+                <a:buSzTx/>
+                <a:buFontTx/>
+                <a:buNone/>
+                <a:tabLst/>
+                <a:defRPr/>
+              </a:pPr>
+              <a:t>2017-11-10</a:t>
+            </a:fld>
+            <a:endParaRPr kumimoji="0" lang="sv-SE" sz="1200" b="0" i="0" u="none" strike="noStrike" kern="1200" cap="none" spc="0" normalizeH="0" baseline="0" noProof="0">
+              <a:ln>
+                <a:noFill/>
+              </a:ln>
+              <a:solidFill>
+                <a:prstClr val="black">
+                  <a:tint val="75000"/>
+                </a:prstClr>
+              </a:solidFill>
+              <a:effectLst/>
+              <a:uLnTx/>
+              <a:uFillTx/>
+              <a:latin typeface="Calibri" panose="020F0502020204030204"/>
+              <a:ea typeface="+mn-ea"/>
+              <a:cs typeface="+mn-cs"/>
+            </a:endParaRPr>
+          </a:p>
+        </p:txBody>
+      </p:sp>
+      <p:sp>
+        <p:nvSpPr>
+          <p:cNvPr id="6" name="Platshållare för sidfot 5">
+            <a:extLst>
+              <a:ext uri="{FF2B5EF4-FFF2-40B4-BE49-F238E27FC236}">
+                <a16:creationId xmlns:a16="http://schemas.microsoft.com/office/drawing/2014/main" id="{BDA542E3-265F-455E-A312-9682EA57161C}"/>
+              </a:ext>
+            </a:extLst>
+          </p:cNvPr>
+          <p:cNvSpPr>
+            <a:spLocks noGrp="1"/>
+          </p:cNvSpPr>
+          <p:nvPr>
+            <p:ph type="ftr" sz="quarter" idx="11"/>
+          </p:nvPr>
+        </p:nvSpPr>
+        <p:spPr/>
+        <p:txBody>
+          <a:bodyPr/>
+          <a:lstStyle/>
+          <a:p>
+            <a:pPr marL="0" marR="0" lvl="0" indent="0" algn="ctr" defTabSz="914400" rtl="0" eaLnBrk="1" fontAlgn="auto" latinLnBrk="0" hangingPunct="1">
+              <a:lnSpc>
+                <a:spcPct val="100000"/>
+              </a:lnSpc>
+              <a:spcBef>
+                <a:spcPts val="0"/>
+              </a:spcBef>
+              <a:spcAft>
+                <a:spcPts val="0"/>
+              </a:spcAft>
+              <a:buClrTx/>
+              <a:buSzTx/>
+              <a:buFontTx/>
+              <a:buNone/>
+              <a:tabLst/>
+              <a:defRPr/>
+            </a:pPr>
+            <a:endParaRPr kumimoji="0" lang="sv-SE" sz="1200" b="0" i="0" u="none" strike="noStrike" kern="1200" cap="none" spc="0" normalizeH="0" baseline="0" noProof="0">
+              <a:ln>
+                <a:noFill/>
+              </a:ln>
+              <a:solidFill>
+                <a:prstClr val="black">
+                  <a:tint val="75000"/>
+                </a:prstClr>
+              </a:solidFill>
+              <a:effectLst/>
+              <a:uLnTx/>
+              <a:uFillTx/>
+              <a:latin typeface="Calibri" panose="020F0502020204030204"/>
+              <a:ea typeface="+mn-ea"/>
+              <a:cs typeface="+mn-cs"/>
+            </a:endParaRPr>
+          </a:p>
+        </p:txBody>
+      </p:sp>
+      <p:sp>
+        <p:nvSpPr>
+          <p:cNvPr id="7" name="Platshållare för bildnummer 6">
+            <a:extLst>
+              <a:ext uri="{FF2B5EF4-FFF2-40B4-BE49-F238E27FC236}">
+                <a16:creationId xmlns:a16="http://schemas.microsoft.com/office/drawing/2014/main" id="{D2DC9A57-1EE8-423A-A444-C9B543E117A9}"/>
+              </a:ext>
+            </a:extLst>
+          </p:cNvPr>
+          <p:cNvSpPr>
+            <a:spLocks noGrp="1"/>
+          </p:cNvSpPr>
+          <p:nvPr>
+            <p:ph type="sldNum" sz="quarter" idx="12"/>
+          </p:nvPr>
+        </p:nvSpPr>
+        <p:spPr/>
+        <p:txBody>
+          <a:bodyPr/>
+          <a:lstStyle/>
+          <a:p>
+            <a:pPr marL="0" marR="0" lvl="0" indent="0" algn="r" defTabSz="914400" rtl="0" eaLnBrk="1" fontAlgn="auto" latinLnBrk="0" hangingPunct="1">
+              <a:lnSpc>
+                <a:spcPct val="100000"/>
+              </a:lnSpc>
+              <a:spcBef>
+                <a:spcPts val="0"/>
+              </a:spcBef>
+              <a:spcAft>
+                <a:spcPts val="0"/>
+              </a:spcAft>
+              <a:buClrTx/>
+              <a:buSzTx/>
+              <a:buFontTx/>
+              <a:buNone/>
+              <a:tabLst/>
+              <a:defRPr/>
+            </a:pPr>
+            <a:fld id="{A9C05581-0AF1-4C69-815E-05142D7093C5}" type="slidenum">
+              <a:rPr kumimoji="0" lang="sv-SE" sz="1200" b="0" i="0" u="none" strike="noStrike" kern="1200" cap="none" spc="0" normalizeH="0" baseline="0" noProof="0" smtClean="0">
+                <a:ln>
+                  <a:noFill/>
+                </a:ln>
+                <a:solidFill>
+                  <a:prstClr val="black">
+                    <a:tint val="75000"/>
+                  </a:prstClr>
+                </a:solidFill>
+                <a:effectLst/>
+                <a:uLnTx/>
+                <a:uFillTx/>
+                <a:latin typeface="Calibri" panose="020F0502020204030204"/>
+                <a:ea typeface="+mn-ea"/>
+                <a:cs typeface="+mn-cs"/>
+              </a:rPr>
+              <a:pPr marL="0" marR="0" lvl="0" indent="0" algn="r" defTabSz="914400" rtl="0" eaLnBrk="1" fontAlgn="auto" latinLnBrk="0" hangingPunct="1">
+                <a:lnSpc>
+                  <a:spcPct val="100000"/>
+                </a:lnSpc>
+                <a:spcBef>
+                  <a:spcPts val="0"/>
+                </a:spcBef>
+                <a:spcAft>
+                  <a:spcPts val="0"/>
+                </a:spcAft>
+                <a:buClrTx/>
+                <a:buSzTx/>
+                <a:buFontTx/>
+                <a:buNone/>
+                <a:tabLst/>
+                <a:defRPr/>
+              </a:pPr>
+              <a:t>‹#›</a:t>
+            </a:fld>
+            <a:endParaRPr kumimoji="0" lang="sv-SE" sz="1200" b="0" i="0" u="none" strike="noStrike" kern="1200" cap="none" spc="0" normalizeH="0" baseline="0" noProof="0">
+              <a:ln>
+                <a:noFill/>
+              </a:ln>
+              <a:solidFill>
+                <a:prstClr val="black">
+                  <a:tint val="75000"/>
+                </a:prstClr>
+              </a:solidFill>
+              <a:effectLst/>
+              <a:uLnTx/>
+              <a:uFillTx/>
+              <a:latin typeface="Calibri" panose="020F0502020204030204"/>
+              <a:ea typeface="+mn-ea"/>
+              <a:cs typeface="+mn-cs"/>
+            </a:endParaRPr>
+          </a:p>
+        </p:txBody>
+      </p:sp>
+    </p:spTree>
+    <p:extLst>
+      <p:ext uri="{BB962C8B-B14F-4D97-AF65-F5344CB8AC3E}">
+        <p14:creationId xmlns:p14="http://schemas.microsoft.com/office/powerpoint/2010/main" val="4020661154"/>
+      </p:ext>
+    </p:extLst>
+  </p:cSld>
+  <p:clrMapOvr>
+    <a:masterClrMapping/>
+  </p:clrMapOvr>
+</p:sldLayout>
+</file>
+
+<file path=ppt/slideLayouts/slideLayout13.xml><?xml version="1.0" encoding="utf-8"?>
+<p:sldLayout xmlns:a="http://schemas.openxmlformats.org/drawingml/2006/main" xmlns:r="http://schemas.openxmlformats.org/officeDocument/2006/relationships" xmlns:p="http://schemas.openxmlformats.org/presentationml/2006/main" type="title">
+  <p:cSld name="Rubrikbild">
+    <p:spTree>
+      <p:nvGrpSpPr>
+        <p:cNvPr id="1" name=""/>
+        <p:cNvGrpSpPr/>
+        <p:nvPr/>
+      </p:nvGrpSpPr>
+      <p:grpSpPr>
+        <a:xfrm>
+          <a:off x="0" y="0"/>
+          <a:ext cx="0" cy="0"/>
+          <a:chOff x="0" y="0"/>
+          <a:chExt cx="0" cy="0"/>
+        </a:xfrm>
+      </p:grpSpPr>
+      <p:sp>
+        <p:nvSpPr>
+          <p:cNvPr id="2" name="Rubrik 1">
+            <a:extLst>
+              <a:ext uri="{FF2B5EF4-FFF2-40B4-BE49-F238E27FC236}">
+                <a16:creationId xmlns:a16="http://schemas.microsoft.com/office/drawing/2014/main" id="{F97525A9-1EA1-42DD-876D-E3519001FC88}"/>
+              </a:ext>
+            </a:extLst>
+          </p:cNvPr>
+          <p:cNvSpPr>
+            <a:spLocks noGrp="1"/>
+          </p:cNvSpPr>
+          <p:nvPr>
+            <p:ph type="ctrTitle"/>
+          </p:nvPr>
+        </p:nvSpPr>
+        <p:spPr>
+          <a:xfrm>
+            <a:off x="1524000" y="1122363"/>
+            <a:ext cx="9144000" cy="2387600"/>
+          </a:xfrm>
+        </p:spPr>
+        <p:txBody>
+          <a:bodyPr anchor="b"/>
+          <a:lstStyle>
+            <a:lvl1pPr algn="ctr">
+              <a:defRPr sz="6000"/>
+            </a:lvl1pPr>
+          </a:lstStyle>
+          <a:p>
+            <a:r>
+              <a:rPr lang="sv-SE"/>
+              <a:t>Klicka här för att ändra format</a:t>
+            </a:r>
+          </a:p>
+        </p:txBody>
+      </p:sp>
+      <p:sp>
+        <p:nvSpPr>
+          <p:cNvPr id="3" name="Underrubrik 2">
+            <a:extLst>
+              <a:ext uri="{FF2B5EF4-FFF2-40B4-BE49-F238E27FC236}">
+                <a16:creationId xmlns:a16="http://schemas.microsoft.com/office/drawing/2014/main" id="{5546EBE3-A919-485C-9B97-631501E5267E}"/>
+              </a:ext>
+            </a:extLst>
+          </p:cNvPr>
+          <p:cNvSpPr>
+            <a:spLocks noGrp="1"/>
+          </p:cNvSpPr>
+          <p:nvPr>
+            <p:ph type="subTitle" idx="1"/>
+          </p:nvPr>
+        </p:nvSpPr>
+        <p:spPr>
+          <a:xfrm>
+            <a:off x="1524000" y="3602038"/>
+            <a:ext cx="9144000" cy="1655762"/>
+          </a:xfrm>
+        </p:spPr>
+        <p:txBody>
+          <a:bodyPr/>
+          <a:lstStyle>
+            <a:lvl1pPr marL="0" indent="0" algn="ctr">
+              <a:buNone/>
+              <a:defRPr sz="2400"/>
+            </a:lvl1pPr>
+            <a:lvl2pPr marL="457200" indent="0" algn="ctr">
+              <a:buNone/>
+              <a:defRPr sz="2000"/>
+            </a:lvl2pPr>
+            <a:lvl3pPr marL="914400" indent="0" algn="ctr">
+              <a:buNone/>
+              <a:defRPr sz="1800"/>
+            </a:lvl3pPr>
+            <a:lvl4pPr marL="1371600" indent="0" algn="ctr">
+              <a:buNone/>
+              <a:defRPr sz="1600"/>
+            </a:lvl4pPr>
+            <a:lvl5pPr marL="1828800" indent="0" algn="ctr">
+              <a:buNone/>
+              <a:defRPr sz="1600"/>
+            </a:lvl5pPr>
+            <a:lvl6pPr marL="2286000" indent="0" algn="ctr">
+              <a:buNone/>
+              <a:defRPr sz="1600"/>
+            </a:lvl6pPr>
+            <a:lvl7pPr marL="2743200" indent="0" algn="ctr">
+              <a:buNone/>
+              <a:defRPr sz="1600"/>
+            </a:lvl7pPr>
+            <a:lvl8pPr marL="3200400" indent="0" algn="ctr">
+              <a:buNone/>
+              <a:defRPr sz="1600"/>
+            </a:lvl8pPr>
+            <a:lvl9pPr marL="3657600" indent="0" algn="ctr">
+              <a:buNone/>
+              <a:defRPr sz="1600"/>
+            </a:lvl9pPr>
+          </a:lstStyle>
+          <a:p>
+            <a:r>
+              <a:rPr lang="sv-SE"/>
+              <a:t>Klicka om du vill redigera mall för underrubrikformat</a:t>
+            </a:r>
+          </a:p>
+        </p:txBody>
+      </p:sp>
+      <p:sp>
+        <p:nvSpPr>
+          <p:cNvPr id="4" name="Platshållare för datum 3">
+            <a:extLst>
+              <a:ext uri="{FF2B5EF4-FFF2-40B4-BE49-F238E27FC236}">
+                <a16:creationId xmlns:a16="http://schemas.microsoft.com/office/drawing/2014/main" id="{67DF9182-2BE6-43EC-AF9B-B7F0C9519F49}"/>
+              </a:ext>
+            </a:extLst>
+          </p:cNvPr>
+          <p:cNvSpPr>
+            <a:spLocks noGrp="1"/>
+          </p:cNvSpPr>
+          <p:nvPr>
+            <p:ph type="dt" sz="half" idx="10"/>
+          </p:nvPr>
+        </p:nvSpPr>
+        <p:spPr/>
+        <p:txBody>
+          <a:bodyPr/>
+          <a:lstStyle/>
+          <a:p>
+            <a:pPr marL="0" marR="0" lvl="0" indent="0" algn="l" defTabSz="914400" rtl="0" eaLnBrk="1" fontAlgn="auto" latinLnBrk="0" hangingPunct="1">
+              <a:lnSpc>
+                <a:spcPct val="100000"/>
+              </a:lnSpc>
+              <a:spcBef>
+                <a:spcPts val="0"/>
+              </a:spcBef>
+              <a:spcAft>
+                <a:spcPts val="0"/>
+              </a:spcAft>
+              <a:buClrTx/>
+              <a:buSzTx/>
+              <a:buFontTx/>
+              <a:buNone/>
+              <a:tabLst/>
+              <a:defRPr/>
+            </a:pPr>
+            <a:fld id="{DAA52547-3D57-4300-850C-8C5ED669F084}" type="datetimeFigureOut">
+              <a:rPr kumimoji="0" lang="sv-SE" sz="1200" b="0" i="0" u="none" strike="noStrike" kern="1200" cap="none" spc="0" normalizeH="0" baseline="0" noProof="0" smtClean="0">
+                <a:ln>
+                  <a:noFill/>
+                </a:ln>
+                <a:solidFill>
+                  <a:prstClr val="black">
+                    <a:tint val="75000"/>
+                  </a:prstClr>
+                </a:solidFill>
+                <a:effectLst/>
+                <a:uLnTx/>
+                <a:uFillTx/>
+                <a:latin typeface="Calibri" panose="020F0502020204030204"/>
+                <a:ea typeface="+mn-ea"/>
+                <a:cs typeface="+mn-cs"/>
+              </a:rPr>
+              <a:pPr marL="0" marR="0" lvl="0" indent="0" algn="l" defTabSz="914400" rtl="0" eaLnBrk="1" fontAlgn="auto" latinLnBrk="0" hangingPunct="1">
+                <a:lnSpc>
+                  <a:spcPct val="100000"/>
+                </a:lnSpc>
+                <a:spcBef>
+                  <a:spcPts val="0"/>
+                </a:spcBef>
+                <a:spcAft>
+                  <a:spcPts val="0"/>
+                </a:spcAft>
+                <a:buClrTx/>
+                <a:buSzTx/>
+                <a:buFontTx/>
+                <a:buNone/>
+                <a:tabLst/>
+                <a:defRPr/>
+              </a:pPr>
+              <a:t>2017-11-10</a:t>
+            </a:fld>
+            <a:endParaRPr kumimoji="0" lang="sv-SE" sz="1200" b="0" i="0" u="none" strike="noStrike" kern="1200" cap="none" spc="0" normalizeH="0" baseline="0" noProof="0">
+              <a:ln>
+                <a:noFill/>
+              </a:ln>
+              <a:solidFill>
+                <a:prstClr val="black">
+                  <a:tint val="75000"/>
+                </a:prstClr>
+              </a:solidFill>
+              <a:effectLst/>
+              <a:uLnTx/>
+              <a:uFillTx/>
+              <a:latin typeface="Calibri" panose="020F0502020204030204"/>
+              <a:ea typeface="+mn-ea"/>
+              <a:cs typeface="+mn-cs"/>
+            </a:endParaRPr>
+          </a:p>
+        </p:txBody>
+      </p:sp>
+      <p:sp>
+        <p:nvSpPr>
+          <p:cNvPr id="5" name="Platshållare för sidfot 4">
+            <a:extLst>
+              <a:ext uri="{FF2B5EF4-FFF2-40B4-BE49-F238E27FC236}">
+                <a16:creationId xmlns:a16="http://schemas.microsoft.com/office/drawing/2014/main" id="{76D330C2-2112-4A94-9A63-BC0ED69EB608}"/>
+              </a:ext>
+            </a:extLst>
+          </p:cNvPr>
+          <p:cNvSpPr>
+            <a:spLocks noGrp="1"/>
+          </p:cNvSpPr>
+          <p:nvPr>
+            <p:ph type="ftr" sz="quarter" idx="11"/>
+          </p:nvPr>
+        </p:nvSpPr>
+        <p:spPr/>
+        <p:txBody>
+          <a:bodyPr/>
+          <a:lstStyle/>
+          <a:p>
+            <a:pPr marL="0" marR="0" lvl="0" indent="0" algn="ctr" defTabSz="914400" rtl="0" eaLnBrk="1" fontAlgn="auto" latinLnBrk="0" hangingPunct="1">
+              <a:lnSpc>
+                <a:spcPct val="100000"/>
+              </a:lnSpc>
+              <a:spcBef>
+                <a:spcPts val="0"/>
+              </a:spcBef>
+              <a:spcAft>
+                <a:spcPts val="0"/>
+              </a:spcAft>
+              <a:buClrTx/>
+              <a:buSzTx/>
+              <a:buFontTx/>
+              <a:buNone/>
+              <a:tabLst/>
+              <a:defRPr/>
+            </a:pPr>
+            <a:endParaRPr kumimoji="0" lang="sv-SE" sz="1200" b="0" i="0" u="none" strike="noStrike" kern="1200" cap="none" spc="0" normalizeH="0" baseline="0" noProof="0">
+              <a:ln>
+                <a:noFill/>
+              </a:ln>
+              <a:solidFill>
+                <a:prstClr val="black">
+                  <a:tint val="75000"/>
+                </a:prstClr>
+              </a:solidFill>
+              <a:effectLst/>
+              <a:uLnTx/>
+              <a:uFillTx/>
+              <a:latin typeface="Calibri" panose="020F0502020204030204"/>
+              <a:ea typeface="+mn-ea"/>
+              <a:cs typeface="+mn-cs"/>
+            </a:endParaRPr>
+          </a:p>
+        </p:txBody>
+      </p:sp>
+      <p:sp>
+        <p:nvSpPr>
+          <p:cNvPr id="6" name="Platshållare för bildnummer 5">
+            <a:extLst>
+              <a:ext uri="{FF2B5EF4-FFF2-40B4-BE49-F238E27FC236}">
+                <a16:creationId xmlns:a16="http://schemas.microsoft.com/office/drawing/2014/main" id="{73D35D17-727F-4A0D-8133-9835504DF024}"/>
+              </a:ext>
+            </a:extLst>
+          </p:cNvPr>
+          <p:cNvSpPr>
+            <a:spLocks noGrp="1"/>
+          </p:cNvSpPr>
+          <p:nvPr>
+            <p:ph type="sldNum" sz="quarter" idx="12"/>
+          </p:nvPr>
+        </p:nvSpPr>
+        <p:spPr/>
+        <p:txBody>
+          <a:bodyPr/>
+          <a:lstStyle/>
+          <a:p>
+            <a:pPr marL="0" marR="0" lvl="0" indent="0" algn="r" defTabSz="914400" rtl="0" eaLnBrk="1" fontAlgn="auto" latinLnBrk="0" hangingPunct="1">
+              <a:lnSpc>
+                <a:spcPct val="100000"/>
+              </a:lnSpc>
+              <a:spcBef>
+                <a:spcPts val="0"/>
+              </a:spcBef>
+              <a:spcAft>
+                <a:spcPts val="0"/>
+              </a:spcAft>
+              <a:buClrTx/>
+              <a:buSzTx/>
+              <a:buFontTx/>
+              <a:buNone/>
+              <a:tabLst/>
+              <a:defRPr/>
+            </a:pPr>
+            <a:fld id="{A9C05581-0AF1-4C69-815E-05142D7093C5}" type="slidenum">
+              <a:rPr kumimoji="0" lang="sv-SE" sz="1200" b="0" i="0" u="none" strike="noStrike" kern="1200" cap="none" spc="0" normalizeH="0" baseline="0" noProof="0" smtClean="0">
+                <a:ln>
+                  <a:noFill/>
+                </a:ln>
+                <a:solidFill>
+                  <a:prstClr val="black">
+                    <a:tint val="75000"/>
+                  </a:prstClr>
+                </a:solidFill>
+                <a:effectLst/>
+                <a:uLnTx/>
+                <a:uFillTx/>
+                <a:latin typeface="Calibri" panose="020F0502020204030204"/>
+                <a:ea typeface="+mn-ea"/>
+                <a:cs typeface="+mn-cs"/>
+              </a:rPr>
+              <a:pPr marL="0" marR="0" lvl="0" indent="0" algn="r" defTabSz="914400" rtl="0" eaLnBrk="1" fontAlgn="auto" latinLnBrk="0" hangingPunct="1">
+                <a:lnSpc>
+                  <a:spcPct val="100000"/>
+                </a:lnSpc>
+                <a:spcBef>
+                  <a:spcPts val="0"/>
+                </a:spcBef>
+                <a:spcAft>
+                  <a:spcPts val="0"/>
+                </a:spcAft>
+                <a:buClrTx/>
+                <a:buSzTx/>
+                <a:buFontTx/>
+                <a:buNone/>
+                <a:tabLst/>
+                <a:defRPr/>
+              </a:pPr>
+              <a:t>‹#›</a:t>
+            </a:fld>
+            <a:endParaRPr kumimoji="0" lang="sv-SE" sz="1200" b="0" i="0" u="none" strike="noStrike" kern="1200" cap="none" spc="0" normalizeH="0" baseline="0" noProof="0">
+              <a:ln>
+                <a:noFill/>
+              </a:ln>
+              <a:solidFill>
+                <a:prstClr val="black">
+                  <a:tint val="75000"/>
+                </a:prstClr>
+              </a:solidFill>
+              <a:effectLst/>
+              <a:uLnTx/>
+              <a:uFillTx/>
+              <a:latin typeface="Calibri" panose="020F0502020204030204"/>
+              <a:ea typeface="+mn-ea"/>
+              <a:cs typeface="+mn-cs"/>
+            </a:endParaRPr>
+          </a:p>
+        </p:txBody>
+      </p:sp>
+    </p:spTree>
+    <p:extLst>
+      <p:ext uri="{BB962C8B-B14F-4D97-AF65-F5344CB8AC3E}">
+        <p14:creationId xmlns:p14="http://schemas.microsoft.com/office/powerpoint/2010/main" val="1684104995"/>
+      </p:ext>
+    </p:extLst>
+  </p:cSld>
+  <p:clrMapOvr>
+    <a:masterClrMapping/>
+  </p:clrMapOvr>
+</p:sldLayout>
+</file>
+
+<file path=ppt/slideLayouts/slideLayout14.xml><?xml version="1.0" encoding="utf-8"?>
+<p:sldLayout xmlns:a="http://schemas.openxmlformats.org/drawingml/2006/main" xmlns:r="http://schemas.openxmlformats.org/officeDocument/2006/relationships" xmlns:p="http://schemas.openxmlformats.org/presentationml/2006/main" type="obj">
+  <p:cSld name="Rubrik och innehåll">
+    <p:spTree>
+      <p:nvGrpSpPr>
+        <p:cNvPr id="1" name=""/>
+        <p:cNvGrpSpPr/>
+        <p:nvPr/>
+      </p:nvGrpSpPr>
+      <p:grpSpPr>
+        <a:xfrm>
+          <a:off x="0" y="0"/>
+          <a:ext cx="0" cy="0"/>
+          <a:chOff x="0" y="0"/>
+          <a:chExt cx="0" cy="0"/>
+        </a:xfrm>
+      </p:grpSpPr>
+      <p:sp>
+        <p:nvSpPr>
+          <p:cNvPr id="2" name="Title 1"/>
+          <p:cNvSpPr>
+            <a:spLocks noGrp="1"/>
+          </p:cNvSpPr>
+          <p:nvPr>
+            <p:ph type="title"/>
+          </p:nvPr>
+        </p:nvSpPr>
+        <p:spPr/>
+        <p:txBody>
+          <a:bodyPr/>
+          <a:lstStyle>
+            <a:lvl1pPr marL="0">
+              <a:defRPr/>
+            </a:lvl1pPr>
+          </a:lstStyle>
+          <a:p>
+            <a:r>
+              <a:rPr lang="sv-SE"/>
+              <a:t>Klicka här för att ändra format</a:t>
+            </a:r>
+            <a:endParaRPr lang="en-US" dirty="0"/>
+          </a:p>
+        </p:txBody>
+      </p:sp>
+      <p:sp>
+        <p:nvSpPr>
+          <p:cNvPr id="3" name="Content Placeholder 2"/>
+          <p:cNvSpPr>
+            <a:spLocks noGrp="1"/>
+          </p:cNvSpPr>
+          <p:nvPr>
+            <p:ph idx="1"/>
+          </p:nvPr>
+        </p:nvSpPr>
+        <p:spPr/>
+        <p:txBody>
+          <a:bodyPr/>
+          <a:lstStyle/>
+          <a:p>
+            <a:pPr lvl="0"/>
+            <a:r>
+              <a:rPr lang="sv-SE"/>
+              <a:t>Redigera format för bakgrundstext</a:t>
+            </a:r>
+          </a:p>
+          <a:p>
+            <a:pPr lvl="1"/>
+            <a:r>
+              <a:rPr lang="sv-SE"/>
+              <a:t>Nivå två</a:t>
+            </a:r>
+          </a:p>
+          <a:p>
+            <a:pPr lvl="2"/>
+            <a:r>
+              <a:rPr lang="sv-SE"/>
+              <a:t>Nivå tre</a:t>
+            </a:r>
+          </a:p>
+          <a:p>
+            <a:pPr lvl="3"/>
+            <a:r>
+              <a:rPr lang="sv-SE"/>
+              <a:t>Nivå fyra</a:t>
+            </a:r>
+          </a:p>
+          <a:p>
+            <a:pPr lvl="4"/>
+            <a:r>
+              <a:rPr lang="sv-SE"/>
+              <a:t>Nivå fem</a:t>
+            </a:r>
+            <a:endParaRPr lang="en-US" dirty="0"/>
+          </a:p>
+        </p:txBody>
+      </p:sp>
+      <p:sp>
+        <p:nvSpPr>
+          <p:cNvPr id="4" name="Date Placeholder 3"/>
+          <p:cNvSpPr>
+            <a:spLocks noGrp="1"/>
+          </p:cNvSpPr>
+          <p:nvPr>
+            <p:ph type="dt" sz="half" idx="10"/>
+          </p:nvPr>
+        </p:nvSpPr>
+        <p:spPr/>
+        <p:txBody>
+          <a:bodyPr/>
+          <a:lstStyle/>
+          <a:p>
+            <a:pPr marL="0" marR="0" lvl="0" indent="0" algn="l" defTabSz="914400" rtl="0" eaLnBrk="1" fontAlgn="auto" latinLnBrk="0" hangingPunct="1">
+              <a:lnSpc>
+                <a:spcPct val="100000"/>
+              </a:lnSpc>
+              <a:spcBef>
+                <a:spcPts val="0"/>
+              </a:spcBef>
+              <a:spcAft>
+                <a:spcPts val="0"/>
+              </a:spcAft>
+              <a:buClrTx/>
+              <a:buSzTx/>
+              <a:buFontTx/>
+              <a:buNone/>
+              <a:tabLst/>
+              <a:defRPr/>
+            </a:pPr>
+            <a:fld id="{DAA52547-3D57-4300-850C-8C5ED669F084}" type="datetimeFigureOut">
+              <a:rPr kumimoji="0" lang="sv-SE" sz="900" b="0" i="0" u="none" strike="noStrike" kern="1200" cap="none" spc="0" normalizeH="0" baseline="0" noProof="0" smtClean="0">
+                <a:ln>
+                  <a:noFill/>
+                </a:ln>
+                <a:solidFill>
+                  <a:srgbClr val="FFFFFF"/>
+                </a:solidFill>
+                <a:effectLst/>
+                <a:uLnTx/>
+                <a:uFillTx/>
+                <a:latin typeface="Calibri" panose="020F0502020204030204"/>
+                <a:ea typeface="+mn-ea"/>
+                <a:cs typeface="+mn-cs"/>
+              </a:rPr>
+              <a:pPr marL="0" marR="0" lvl="0" indent="0" algn="l" defTabSz="914400" rtl="0" eaLnBrk="1" fontAlgn="auto" latinLnBrk="0" hangingPunct="1">
+                <a:lnSpc>
+                  <a:spcPct val="100000"/>
+                </a:lnSpc>
+                <a:spcBef>
+                  <a:spcPts val="0"/>
+                </a:spcBef>
+                <a:spcAft>
+                  <a:spcPts val="0"/>
+                </a:spcAft>
+                <a:buClrTx/>
+                <a:buSzTx/>
+                <a:buFontTx/>
+                <a:buNone/>
+                <a:tabLst/>
+                <a:defRPr/>
+              </a:pPr>
+              <a:t>2017-11-10</a:t>
+            </a:fld>
+            <a:endParaRPr kumimoji="0" lang="sv-SE" sz="900" b="0" i="0" u="none" strike="noStrike" kern="1200" cap="none" spc="0" normalizeH="0" baseline="0" noProof="0">
+              <a:ln>
+                <a:noFill/>
+              </a:ln>
+              <a:solidFill>
+                <a:srgbClr val="FFFFFF"/>
+              </a:solidFill>
+              <a:effectLst/>
+              <a:uLnTx/>
+              <a:uFillTx/>
+              <a:latin typeface="Calibri" panose="020F0502020204030204"/>
+              <a:ea typeface="+mn-ea"/>
+              <a:cs typeface="+mn-cs"/>
+            </a:endParaRPr>
+          </a:p>
+        </p:txBody>
+      </p:sp>
+      <p:sp>
+        <p:nvSpPr>
+          <p:cNvPr id="5" name="Footer Placeholder 4"/>
+          <p:cNvSpPr>
+            <a:spLocks noGrp="1"/>
+          </p:cNvSpPr>
+          <p:nvPr>
+            <p:ph type="ftr" sz="quarter" idx="11"/>
+          </p:nvPr>
+        </p:nvSpPr>
+        <p:spPr/>
+        <p:txBody>
+          <a:bodyPr/>
+          <a:lstStyle/>
+          <a:p>
+            <a:pPr marL="0" marR="0" lvl="0" indent="0" algn="ctr" defTabSz="914400" rtl="0" eaLnBrk="1" fontAlgn="auto" latinLnBrk="0" hangingPunct="1">
+              <a:lnSpc>
+                <a:spcPct val="100000"/>
+              </a:lnSpc>
+              <a:spcBef>
+                <a:spcPts val="0"/>
+              </a:spcBef>
+              <a:spcAft>
+                <a:spcPts val="0"/>
+              </a:spcAft>
+              <a:buClrTx/>
+              <a:buSzTx/>
+              <a:buFontTx/>
+              <a:buNone/>
+              <a:tabLst/>
+              <a:defRPr/>
+            </a:pPr>
+            <a:endParaRPr kumimoji="0" lang="sv-SE" sz="900" b="0" i="0" u="none" strike="noStrike" kern="1200" cap="all" spc="0" normalizeH="0" baseline="0" noProof="0">
+              <a:ln>
+                <a:noFill/>
+              </a:ln>
+              <a:solidFill>
+                <a:srgbClr val="FFFFFF"/>
+              </a:solidFill>
+              <a:effectLst/>
+              <a:uLnTx/>
+              <a:uFillTx/>
+              <a:latin typeface="Calibri" panose="020F0502020204030204"/>
+              <a:ea typeface="+mn-ea"/>
+              <a:cs typeface="+mn-cs"/>
+            </a:endParaRPr>
+          </a:p>
+        </p:txBody>
+      </p:sp>
+      <p:sp>
+        <p:nvSpPr>
+          <p:cNvPr id="6" name="Slide Number Placeholder 5"/>
+          <p:cNvSpPr>
+            <a:spLocks noGrp="1"/>
+          </p:cNvSpPr>
+          <p:nvPr>
+            <p:ph type="sldNum" sz="quarter" idx="12"/>
+          </p:nvPr>
+        </p:nvSpPr>
+        <p:spPr/>
+        <p:txBody>
+          <a:bodyPr/>
+          <a:lstStyle/>
+          <a:p>
+            <a:pPr marL="0" marR="0" lvl="0" indent="0" algn="r" defTabSz="914400" rtl="0" eaLnBrk="1" fontAlgn="auto" latinLnBrk="0" hangingPunct="1">
+              <a:lnSpc>
+                <a:spcPct val="100000"/>
+              </a:lnSpc>
+              <a:spcBef>
+                <a:spcPts val="0"/>
+              </a:spcBef>
+              <a:spcAft>
+                <a:spcPts val="0"/>
+              </a:spcAft>
+              <a:buClrTx/>
+              <a:buSzTx/>
+              <a:buFontTx/>
+              <a:buNone/>
+              <a:tabLst/>
+              <a:defRPr/>
+            </a:pPr>
+            <a:fld id="{A9C05581-0AF1-4C69-815E-05142D7093C5}" type="slidenum">
+              <a:rPr kumimoji="0" lang="sv-SE" sz="1050" b="0" i="0" u="none" strike="noStrike" kern="1200" cap="none" spc="0" normalizeH="0" baseline="0" noProof="0" smtClean="0">
+                <a:ln>
+                  <a:noFill/>
+                </a:ln>
+                <a:solidFill>
+                  <a:srgbClr val="FFFFFF"/>
+                </a:solidFill>
+                <a:effectLst/>
+                <a:uLnTx/>
+                <a:uFillTx/>
+                <a:latin typeface="Calibri" panose="020F0502020204030204"/>
+                <a:ea typeface="+mn-ea"/>
+                <a:cs typeface="+mn-cs"/>
+              </a:rPr>
+              <a:pPr marL="0" marR="0" lvl="0" indent="0" algn="r" defTabSz="914400" rtl="0" eaLnBrk="1" fontAlgn="auto" latinLnBrk="0" hangingPunct="1">
+                <a:lnSpc>
+                  <a:spcPct val="100000"/>
+                </a:lnSpc>
+                <a:spcBef>
+                  <a:spcPts val="0"/>
+                </a:spcBef>
+                <a:spcAft>
+                  <a:spcPts val="0"/>
+                </a:spcAft>
+                <a:buClrTx/>
+                <a:buSzTx/>
+                <a:buFontTx/>
+                <a:buNone/>
+                <a:tabLst/>
+                <a:defRPr/>
+              </a:pPr>
+              <a:t>‹#›</a:t>
+            </a:fld>
+            <a:endParaRPr kumimoji="0" lang="sv-SE" sz="1050" b="0" i="0" u="none" strike="noStrike" kern="1200" cap="none" spc="0" normalizeH="0" baseline="0" noProof="0">
+              <a:ln>
+                <a:noFill/>
+              </a:ln>
+              <a:solidFill>
+                <a:srgbClr val="FFFFFF"/>
+              </a:solidFill>
+              <a:effectLst/>
+              <a:uLnTx/>
+              <a:uFillTx/>
+              <a:latin typeface="Calibri" panose="020F0502020204030204"/>
+              <a:ea typeface="+mn-ea"/>
+              <a:cs typeface="+mn-cs"/>
+            </a:endParaRPr>
+          </a:p>
+        </p:txBody>
+      </p:sp>
+    </p:spTree>
+    <p:extLst>
+      <p:ext uri="{BB962C8B-B14F-4D97-AF65-F5344CB8AC3E}">
+        <p14:creationId xmlns:p14="http://schemas.microsoft.com/office/powerpoint/2010/main" val="2287651695"/>
       </p:ext>
     </p:extLst>
   </p:cSld>
@@ -898,7 +2030,7 @@
           <a:p>
             <a:fld id="{01BD2B85-2C61-40CD-87E6-DD50E69E4D21}" type="datetimeFigureOut">
               <a:rPr lang="en-GB" smtClean="0"/>
-              <a:t>09/11/2017</a:t>
+              <a:t>10/11/2017</a:t>
             </a:fld>
             <a:endParaRPr lang="en-GB"/>
           </a:p>
@@ -1174,7 +2306,7 @@
           <a:p>
             <a:fld id="{01BD2B85-2C61-40CD-87E6-DD50E69E4D21}" type="datetimeFigureOut">
               <a:rPr lang="en-GB" smtClean="0"/>
-              <a:t>09/11/2017</a:t>
+              <a:t>10/11/2017</a:t>
             </a:fld>
             <a:endParaRPr lang="en-GB"/>
           </a:p>
@@ -1442,7 +2574,7 @@
           <a:p>
             <a:fld id="{01BD2B85-2C61-40CD-87E6-DD50E69E4D21}" type="datetimeFigureOut">
               <a:rPr lang="en-GB" smtClean="0"/>
-              <a:t>09/11/2017</a:t>
+              <a:t>10/11/2017</a:t>
             </a:fld>
             <a:endParaRPr lang="en-GB"/>
           </a:p>
@@ -1857,7 +2989,7 @@
           <a:p>
             <a:fld id="{01BD2B85-2C61-40CD-87E6-DD50E69E4D21}" type="datetimeFigureOut">
               <a:rPr lang="en-GB" smtClean="0"/>
-              <a:t>09/11/2017</a:t>
+              <a:t>10/11/2017</a:t>
             </a:fld>
             <a:endParaRPr lang="en-GB"/>
           </a:p>
@@ -1999,7 +3131,7 @@
           <a:p>
             <a:fld id="{01BD2B85-2C61-40CD-87E6-DD50E69E4D21}" type="datetimeFigureOut">
               <a:rPr lang="en-GB" smtClean="0"/>
-              <a:t>09/11/2017</a:t>
+              <a:t>10/11/2017</a:t>
             </a:fld>
             <a:endParaRPr lang="en-GB"/>
           </a:p>
@@ -2112,7 +3244,7 @@
           <a:p>
             <a:fld id="{01BD2B85-2C61-40CD-87E6-DD50E69E4D21}" type="datetimeFigureOut">
               <a:rPr lang="en-GB" smtClean="0"/>
-              <a:t>09/11/2017</a:t>
+              <a:t>10/11/2017</a:t>
             </a:fld>
             <a:endParaRPr lang="en-GB"/>
           </a:p>
@@ -2425,7 +3557,7 @@
           <a:p>
             <a:fld id="{01BD2B85-2C61-40CD-87E6-DD50E69E4D21}" type="datetimeFigureOut">
               <a:rPr lang="en-GB" smtClean="0"/>
-              <a:t>09/11/2017</a:t>
+              <a:t>10/11/2017</a:t>
             </a:fld>
             <a:endParaRPr lang="en-GB"/>
           </a:p>
@@ -2714,7 +3846,7 @@
           <a:p>
             <a:fld id="{01BD2B85-2C61-40CD-87E6-DD50E69E4D21}" type="datetimeFigureOut">
               <a:rPr lang="en-GB" smtClean="0"/>
-              <a:t>09/11/2017</a:t>
+              <a:t>10/11/2017</a:t>
             </a:fld>
             <a:endParaRPr lang="en-GB"/>
           </a:p>
@@ -2957,7 +4089,7 @@
           <a:p>
             <a:fld id="{01BD2B85-2C61-40CD-87E6-DD50E69E4D21}" type="datetimeFigureOut">
               <a:rPr lang="en-GB" smtClean="0"/>
-              <a:t>09/11/2017</a:t>
+              <a:t>10/11/2017</a:t>
             </a:fld>
             <a:endParaRPr lang="en-GB"/>
           </a:p>
@@ -3357,6 +4489,1318 @@
 </p:sldMaster>
 </file>
 
+<file path=ppt/slideMasters/slideMaster2.xml><?xml version="1.0" encoding="utf-8"?>
+<p:sldMaster xmlns:a="http://schemas.openxmlformats.org/drawingml/2006/main" xmlns:r="http://schemas.openxmlformats.org/officeDocument/2006/relationships" xmlns:p="http://schemas.openxmlformats.org/presentationml/2006/main">
+  <p:cSld>
+    <p:bg>
+      <p:bgPr>
+        <a:gradFill flip="none" rotWithShape="1">
+          <a:gsLst>
+            <a:gs pos="0">
+              <a:schemeClr val="accent1">
+                <a:lumMod val="5000"/>
+                <a:lumOff val="95000"/>
+              </a:schemeClr>
+            </a:gs>
+            <a:gs pos="100000">
+              <a:schemeClr val="accent1">
+                <a:lumMod val="45000"/>
+                <a:lumOff val="55000"/>
+              </a:schemeClr>
+            </a:gs>
+            <a:gs pos="88000">
+              <a:schemeClr val="accent1">
+                <a:lumMod val="0"/>
+                <a:lumOff val="100000"/>
+              </a:schemeClr>
+            </a:gs>
+            <a:gs pos="100000">
+              <a:schemeClr val="accent1">
+                <a:lumMod val="72000"/>
+                <a:lumOff val="28000"/>
+              </a:schemeClr>
+            </a:gs>
+          </a:gsLst>
+          <a:lin ang="5400000" scaled="1"/>
+          <a:tileRect/>
+        </a:gradFill>
+        <a:effectLst/>
+      </p:bgPr>
+    </p:bg>
+    <p:spTree>
+      <p:nvGrpSpPr>
+        <p:cNvPr id="1" name=""/>
+        <p:cNvGrpSpPr/>
+        <p:nvPr/>
+      </p:nvGrpSpPr>
+      <p:grpSpPr>
+        <a:xfrm>
+          <a:off x="0" y="0"/>
+          <a:ext cx="0" cy="0"/>
+          <a:chOff x="0" y="0"/>
+          <a:chExt cx="0" cy="0"/>
+        </a:xfrm>
+      </p:grpSpPr>
+      <p:sp>
+        <p:nvSpPr>
+          <p:cNvPr id="2" name="Platshållare för rubrik 1">
+            <a:extLst>
+              <a:ext uri="{FF2B5EF4-FFF2-40B4-BE49-F238E27FC236}">
+                <a16:creationId xmlns:a16="http://schemas.microsoft.com/office/drawing/2014/main" id="{E94C85A0-33BF-446B-A319-5963EF865800}"/>
+              </a:ext>
+            </a:extLst>
+          </p:cNvPr>
+          <p:cNvSpPr>
+            <a:spLocks noGrp="1"/>
+          </p:cNvSpPr>
+          <p:nvPr>
+            <p:ph type="title"/>
+          </p:nvPr>
+        </p:nvSpPr>
+        <p:spPr>
+          <a:xfrm>
+            <a:off x="838200" y="365125"/>
+            <a:ext cx="10515600" cy="1325563"/>
+          </a:xfrm>
+          <a:prstGeom prst="rect">
+            <a:avLst/>
+          </a:prstGeom>
+        </p:spPr>
+        <p:txBody>
+          <a:bodyPr vert="horz" lIns="91440" tIns="45720" rIns="91440" bIns="45720" rtlCol="0" anchor="ctr">
+            <a:normAutofit/>
+          </a:bodyPr>
+          <a:lstStyle/>
+          <a:p>
+            <a:r>
+              <a:rPr lang="sv-SE"/>
+              <a:t>Klicka här för att ändra format</a:t>
+            </a:r>
+          </a:p>
+        </p:txBody>
+      </p:sp>
+      <p:sp>
+        <p:nvSpPr>
+          <p:cNvPr id="3" name="Platshållare för text 2">
+            <a:extLst>
+              <a:ext uri="{FF2B5EF4-FFF2-40B4-BE49-F238E27FC236}">
+                <a16:creationId xmlns:a16="http://schemas.microsoft.com/office/drawing/2014/main" id="{2512FB11-E4CD-4384-8C48-75FF724C0B3A}"/>
+              </a:ext>
+            </a:extLst>
+          </p:cNvPr>
+          <p:cNvSpPr>
+            <a:spLocks noGrp="1"/>
+          </p:cNvSpPr>
+          <p:nvPr>
+            <p:ph type="body" idx="1"/>
+          </p:nvPr>
+        </p:nvSpPr>
+        <p:spPr>
+          <a:xfrm>
+            <a:off x="838200" y="1825625"/>
+            <a:ext cx="10515600" cy="4351338"/>
+          </a:xfrm>
+          <a:prstGeom prst="rect">
+            <a:avLst/>
+          </a:prstGeom>
+        </p:spPr>
+        <p:txBody>
+          <a:bodyPr vert="horz" lIns="91440" tIns="45720" rIns="91440" bIns="45720" rtlCol="0">
+            <a:normAutofit/>
+          </a:bodyPr>
+          <a:lstStyle/>
+          <a:p>
+            <a:pPr lvl="0"/>
+            <a:r>
+              <a:rPr lang="sv-SE"/>
+              <a:t>Redigera format för bakgrundstext</a:t>
+            </a:r>
+          </a:p>
+          <a:p>
+            <a:pPr lvl="1"/>
+            <a:r>
+              <a:rPr lang="sv-SE"/>
+              <a:t>Nivå två</a:t>
+            </a:r>
+          </a:p>
+          <a:p>
+            <a:pPr lvl="2"/>
+            <a:r>
+              <a:rPr lang="sv-SE"/>
+              <a:t>Nivå tre</a:t>
+            </a:r>
+          </a:p>
+          <a:p>
+            <a:pPr lvl="3"/>
+            <a:r>
+              <a:rPr lang="sv-SE"/>
+              <a:t>Nivå fyra</a:t>
+            </a:r>
+          </a:p>
+          <a:p>
+            <a:pPr lvl="4"/>
+            <a:r>
+              <a:rPr lang="sv-SE"/>
+              <a:t>Nivå fem</a:t>
+            </a:r>
+          </a:p>
+        </p:txBody>
+      </p:sp>
+      <p:sp>
+        <p:nvSpPr>
+          <p:cNvPr id="4" name="Platshållare för datum 3">
+            <a:extLst>
+              <a:ext uri="{FF2B5EF4-FFF2-40B4-BE49-F238E27FC236}">
+                <a16:creationId xmlns:a16="http://schemas.microsoft.com/office/drawing/2014/main" id="{5B87965D-48F6-4D7E-8598-43BF7784089A}"/>
+              </a:ext>
+            </a:extLst>
+          </p:cNvPr>
+          <p:cNvSpPr>
+            <a:spLocks noGrp="1"/>
+          </p:cNvSpPr>
+          <p:nvPr>
+            <p:ph type="dt" sz="half" idx="2"/>
+          </p:nvPr>
+        </p:nvSpPr>
+        <p:spPr>
+          <a:xfrm>
+            <a:off x="838200" y="6356350"/>
+            <a:ext cx="2743200" cy="365125"/>
+          </a:xfrm>
+          <a:prstGeom prst="rect">
+            <a:avLst/>
+          </a:prstGeom>
+        </p:spPr>
+        <p:txBody>
+          <a:bodyPr vert="horz" lIns="91440" tIns="45720" rIns="91440" bIns="45720" rtlCol="0" anchor="ctr"/>
+          <a:lstStyle>
+            <a:lvl1pPr algn="l">
+              <a:defRPr sz="1200">
+                <a:solidFill>
+                  <a:schemeClr val="tx1">
+                    <a:tint val="75000"/>
+                  </a:schemeClr>
+                </a:solidFill>
+              </a:defRPr>
+            </a:lvl1pPr>
+          </a:lstStyle>
+          <a:p>
+            <a:fld id="{DAA52547-3D57-4300-850C-8C5ED669F084}" type="datetimeFigureOut">
+              <a:rPr lang="sv-SE" smtClean="0"/>
+              <a:t>2017-11-10</a:t>
+            </a:fld>
+            <a:endParaRPr lang="sv-SE"/>
+          </a:p>
+        </p:txBody>
+      </p:sp>
+      <p:sp>
+        <p:nvSpPr>
+          <p:cNvPr id="5" name="Platshållare för sidfot 4">
+            <a:extLst>
+              <a:ext uri="{FF2B5EF4-FFF2-40B4-BE49-F238E27FC236}">
+                <a16:creationId xmlns:a16="http://schemas.microsoft.com/office/drawing/2014/main" id="{1BF973F8-C2A2-444C-AA01-8202B20484CE}"/>
+              </a:ext>
+            </a:extLst>
+          </p:cNvPr>
+          <p:cNvSpPr>
+            <a:spLocks noGrp="1"/>
+          </p:cNvSpPr>
+          <p:nvPr>
+            <p:ph type="ftr" sz="quarter" idx="3"/>
+          </p:nvPr>
+        </p:nvSpPr>
+        <p:spPr>
+          <a:xfrm>
+            <a:off x="4038600" y="6356350"/>
+            <a:ext cx="4114800" cy="365125"/>
+          </a:xfrm>
+          <a:prstGeom prst="rect">
+            <a:avLst/>
+          </a:prstGeom>
+        </p:spPr>
+        <p:txBody>
+          <a:bodyPr vert="horz" lIns="91440" tIns="45720" rIns="91440" bIns="45720" rtlCol="0" anchor="ctr"/>
+          <a:lstStyle>
+            <a:lvl1pPr algn="ctr">
+              <a:defRPr sz="1200">
+                <a:solidFill>
+                  <a:schemeClr val="tx1">
+                    <a:tint val="75000"/>
+                  </a:schemeClr>
+                </a:solidFill>
+              </a:defRPr>
+            </a:lvl1pPr>
+          </a:lstStyle>
+          <a:p>
+            <a:endParaRPr lang="sv-SE"/>
+          </a:p>
+        </p:txBody>
+      </p:sp>
+      <p:sp>
+        <p:nvSpPr>
+          <p:cNvPr id="6" name="Platshållare för bildnummer 5">
+            <a:extLst>
+              <a:ext uri="{FF2B5EF4-FFF2-40B4-BE49-F238E27FC236}">
+                <a16:creationId xmlns:a16="http://schemas.microsoft.com/office/drawing/2014/main" id="{F2B7B598-A98E-4073-8ED0-CC22B32C0AC0}"/>
+              </a:ext>
+            </a:extLst>
+          </p:cNvPr>
+          <p:cNvSpPr>
+            <a:spLocks noGrp="1"/>
+          </p:cNvSpPr>
+          <p:nvPr>
+            <p:ph type="sldNum" sz="quarter" idx="4"/>
+          </p:nvPr>
+        </p:nvSpPr>
+        <p:spPr>
+          <a:xfrm>
+            <a:off x="8610600" y="6356350"/>
+            <a:ext cx="2743200" cy="365125"/>
+          </a:xfrm>
+          <a:prstGeom prst="rect">
+            <a:avLst/>
+          </a:prstGeom>
+        </p:spPr>
+        <p:txBody>
+          <a:bodyPr vert="horz" lIns="91440" tIns="45720" rIns="91440" bIns="45720" rtlCol="0" anchor="ctr"/>
+          <a:lstStyle>
+            <a:lvl1pPr algn="r">
+              <a:defRPr sz="1200">
+                <a:solidFill>
+                  <a:schemeClr val="tx1">
+                    <a:tint val="75000"/>
+                  </a:schemeClr>
+                </a:solidFill>
+              </a:defRPr>
+            </a:lvl1pPr>
+          </a:lstStyle>
+          <a:p>
+            <a:fld id="{A9C05581-0AF1-4C69-815E-05142D7093C5}" type="slidenum">
+              <a:rPr lang="sv-SE" smtClean="0"/>
+              <a:t>‹#›</a:t>
+            </a:fld>
+            <a:endParaRPr lang="sv-SE"/>
+          </a:p>
+        </p:txBody>
+      </p:sp>
+    </p:spTree>
+    <p:extLst>
+      <p:ext uri="{BB962C8B-B14F-4D97-AF65-F5344CB8AC3E}">
+        <p14:creationId xmlns:p14="http://schemas.microsoft.com/office/powerpoint/2010/main" val="2247149340"/>
+      </p:ext>
+    </p:extLst>
+  </p:cSld>
+  <p:clrMap bg1="lt1" tx1="dk1" bg2="lt2" tx2="dk2" accent1="accent1" accent2="accent2" accent3="accent3" accent4="accent4" accent5="accent5" accent6="accent6" hlink="hlink" folHlink="folHlink"/>
+  <p:sldLayoutIdLst>
+    <p:sldLayoutId id="2147483661" r:id="rId1"/>
+    <p:sldLayoutId id="2147483664" r:id="rId2"/>
+  </p:sldLayoutIdLst>
+  <p:txStyles>
+    <p:titleStyle>
+      <a:lvl1pPr algn="l" defTabSz="914400" rtl="0" eaLnBrk="1" latinLnBrk="0" hangingPunct="1">
+        <a:lnSpc>
+          <a:spcPct val="90000"/>
+        </a:lnSpc>
+        <a:spcBef>
+          <a:spcPct val="0"/>
+        </a:spcBef>
+        <a:buNone/>
+        <a:defRPr sz="4400" kern="1200">
+          <a:solidFill>
+            <a:schemeClr val="tx1"/>
+          </a:solidFill>
+          <a:latin typeface="+mj-lt"/>
+          <a:ea typeface="+mj-ea"/>
+          <a:cs typeface="+mj-cs"/>
+        </a:defRPr>
+      </a:lvl1pPr>
+    </p:titleStyle>
+    <p:bodyStyle>
+      <a:lvl1pPr marL="228600" indent="-228600" algn="l" defTabSz="914400" rtl="0" eaLnBrk="1" latinLnBrk="0" hangingPunct="1">
+        <a:lnSpc>
+          <a:spcPct val="90000"/>
+        </a:lnSpc>
+        <a:spcBef>
+          <a:spcPts val="1000"/>
+        </a:spcBef>
+        <a:buFont typeface="Arial" panose="020B0604020202020204" pitchFamily="34" charset="0"/>
+        <a:buChar char="•"/>
+        <a:defRPr sz="2800" kern="1200">
+          <a:solidFill>
+            <a:schemeClr val="tx1"/>
+          </a:solidFill>
+          <a:latin typeface="+mn-lt"/>
+          <a:ea typeface="+mn-ea"/>
+          <a:cs typeface="+mn-cs"/>
+        </a:defRPr>
+      </a:lvl1pPr>
+      <a:lvl2pPr marL="685800" indent="-228600" algn="l" defTabSz="914400" rtl="0" eaLnBrk="1" latinLnBrk="0" hangingPunct="1">
+        <a:lnSpc>
+          <a:spcPct val="90000"/>
+        </a:lnSpc>
+        <a:spcBef>
+          <a:spcPts val="500"/>
+        </a:spcBef>
+        <a:buFont typeface="Arial" panose="020B0604020202020204" pitchFamily="34" charset="0"/>
+        <a:buChar char="•"/>
+        <a:defRPr sz="2400" kern="1200">
+          <a:solidFill>
+            <a:schemeClr val="tx1"/>
+          </a:solidFill>
+          <a:latin typeface="+mn-lt"/>
+          <a:ea typeface="+mn-ea"/>
+          <a:cs typeface="+mn-cs"/>
+        </a:defRPr>
+      </a:lvl2pPr>
+      <a:lvl3pPr marL="1143000" indent="-228600" algn="l" defTabSz="914400" rtl="0" eaLnBrk="1" latinLnBrk="0" hangingPunct="1">
+        <a:lnSpc>
+          <a:spcPct val="90000"/>
+        </a:lnSpc>
+        <a:spcBef>
+          <a:spcPts val="500"/>
+        </a:spcBef>
+        <a:buFont typeface="Arial" panose="020B0604020202020204" pitchFamily="34" charset="0"/>
+        <a:buChar char="•"/>
+        <a:defRPr sz="2000" kern="1200">
+          <a:solidFill>
+            <a:schemeClr val="tx1"/>
+          </a:solidFill>
+          <a:latin typeface="+mn-lt"/>
+          <a:ea typeface="+mn-ea"/>
+          <a:cs typeface="+mn-cs"/>
+        </a:defRPr>
+      </a:lvl3pPr>
+      <a:lvl4pPr marL="1600200" indent="-228600" algn="l" defTabSz="914400" rtl="0" eaLnBrk="1" latinLnBrk="0" hangingPunct="1">
+        <a:lnSpc>
+          <a:spcPct val="90000"/>
+        </a:lnSpc>
+        <a:spcBef>
+          <a:spcPts val="500"/>
+        </a:spcBef>
+        <a:buFont typeface="Arial" panose="020B0604020202020204" pitchFamily="34" charset="0"/>
+        <a:buChar char="•"/>
+        <a:defRPr sz="1800" kern="1200">
+          <a:solidFill>
+            <a:schemeClr val="tx1"/>
+          </a:solidFill>
+          <a:latin typeface="+mn-lt"/>
+          <a:ea typeface="+mn-ea"/>
+          <a:cs typeface="+mn-cs"/>
+        </a:defRPr>
+      </a:lvl4pPr>
+      <a:lvl5pPr marL="2057400" indent="-228600" algn="l" defTabSz="914400" rtl="0" eaLnBrk="1" latinLnBrk="0" hangingPunct="1">
+        <a:lnSpc>
+          <a:spcPct val="90000"/>
+        </a:lnSpc>
+        <a:spcBef>
+          <a:spcPts val="500"/>
+        </a:spcBef>
+        <a:buFont typeface="Arial" panose="020B0604020202020204" pitchFamily="34" charset="0"/>
+        <a:buChar char="•"/>
+        <a:defRPr sz="1800" kern="1200">
+          <a:solidFill>
+            <a:schemeClr val="tx1"/>
+          </a:solidFill>
+          <a:latin typeface="+mn-lt"/>
+          <a:ea typeface="+mn-ea"/>
+          <a:cs typeface="+mn-cs"/>
+        </a:defRPr>
+      </a:lvl5pPr>
+      <a:lvl6pPr marL="2514600" indent="-228600" algn="l" defTabSz="914400" rtl="0" eaLnBrk="1" latinLnBrk="0" hangingPunct="1">
+        <a:lnSpc>
+          <a:spcPct val="90000"/>
+        </a:lnSpc>
+        <a:spcBef>
+          <a:spcPts val="500"/>
+        </a:spcBef>
+        <a:buFont typeface="Arial" panose="020B0604020202020204" pitchFamily="34" charset="0"/>
+        <a:buChar char="•"/>
+        <a:defRPr sz="1800" kern="1200">
+          <a:solidFill>
+            <a:schemeClr val="tx1"/>
+          </a:solidFill>
+          <a:latin typeface="+mn-lt"/>
+          <a:ea typeface="+mn-ea"/>
+          <a:cs typeface="+mn-cs"/>
+        </a:defRPr>
+      </a:lvl6pPr>
+      <a:lvl7pPr marL="2971800" indent="-228600" algn="l" defTabSz="914400" rtl="0" eaLnBrk="1" latinLnBrk="0" hangingPunct="1">
+        <a:lnSpc>
+          <a:spcPct val="90000"/>
+        </a:lnSpc>
+        <a:spcBef>
+          <a:spcPts val="500"/>
+        </a:spcBef>
+        <a:buFont typeface="Arial" panose="020B0604020202020204" pitchFamily="34" charset="0"/>
+        <a:buChar char="•"/>
+        <a:defRPr sz="1800" kern="1200">
+          <a:solidFill>
+            <a:schemeClr val="tx1"/>
+          </a:solidFill>
+          <a:latin typeface="+mn-lt"/>
+          <a:ea typeface="+mn-ea"/>
+          <a:cs typeface="+mn-cs"/>
+        </a:defRPr>
+      </a:lvl7pPr>
+      <a:lvl8pPr marL="3429000" indent="-228600" algn="l" defTabSz="914400" rtl="0" eaLnBrk="1" latinLnBrk="0" hangingPunct="1">
+        <a:lnSpc>
+          <a:spcPct val="90000"/>
+        </a:lnSpc>
+        <a:spcBef>
+          <a:spcPts val="500"/>
+        </a:spcBef>
+        <a:buFont typeface="Arial" panose="020B0604020202020204" pitchFamily="34" charset="0"/>
+        <a:buChar char="•"/>
+        <a:defRPr sz="1800" kern="1200">
+          <a:solidFill>
+            <a:schemeClr val="tx1"/>
+          </a:solidFill>
+          <a:latin typeface="+mn-lt"/>
+          <a:ea typeface="+mn-ea"/>
+          <a:cs typeface="+mn-cs"/>
+        </a:defRPr>
+      </a:lvl8pPr>
+      <a:lvl9pPr marL="3886200" indent="-228600" algn="l" defTabSz="914400" rtl="0" eaLnBrk="1" latinLnBrk="0" hangingPunct="1">
+        <a:lnSpc>
+          <a:spcPct val="90000"/>
+        </a:lnSpc>
+        <a:spcBef>
+          <a:spcPts val="500"/>
+        </a:spcBef>
+        <a:buFont typeface="Arial" panose="020B0604020202020204" pitchFamily="34" charset="0"/>
+        <a:buChar char="•"/>
+        <a:defRPr sz="1800" kern="1200">
+          <a:solidFill>
+            <a:schemeClr val="tx1"/>
+          </a:solidFill>
+          <a:latin typeface="+mn-lt"/>
+          <a:ea typeface="+mn-ea"/>
+          <a:cs typeface="+mn-cs"/>
+        </a:defRPr>
+      </a:lvl9pPr>
+    </p:bodyStyle>
+    <p:otherStyle>
+      <a:defPPr>
+        <a:defRPr lang="sv-SE"/>
+      </a:defPPr>
+      <a:lvl1pPr marL="0" algn="l" defTabSz="914400" rtl="0" eaLnBrk="1" latinLnBrk="0" hangingPunct="1">
+        <a:defRPr sz="1800" kern="1200">
+          <a:solidFill>
+            <a:schemeClr val="tx1"/>
+          </a:solidFill>
+          <a:latin typeface="+mn-lt"/>
+          <a:ea typeface="+mn-ea"/>
+          <a:cs typeface="+mn-cs"/>
+        </a:defRPr>
+      </a:lvl1pPr>
+      <a:lvl2pPr marL="457200" algn="l" defTabSz="914400" rtl="0" eaLnBrk="1" latinLnBrk="0" hangingPunct="1">
+        <a:defRPr sz="1800" kern="1200">
+          <a:solidFill>
+            <a:schemeClr val="tx1"/>
+          </a:solidFill>
+          <a:latin typeface="+mn-lt"/>
+          <a:ea typeface="+mn-ea"/>
+          <a:cs typeface="+mn-cs"/>
+        </a:defRPr>
+      </a:lvl2pPr>
+      <a:lvl3pPr marL="914400" algn="l" defTabSz="914400" rtl="0" eaLnBrk="1" latinLnBrk="0" hangingPunct="1">
+        <a:defRPr sz="1800" kern="1200">
+          <a:solidFill>
+            <a:schemeClr val="tx1"/>
+          </a:solidFill>
+          <a:latin typeface="+mn-lt"/>
+          <a:ea typeface="+mn-ea"/>
+          <a:cs typeface="+mn-cs"/>
+        </a:defRPr>
+      </a:lvl3pPr>
+      <a:lvl4pPr marL="1371600" algn="l" defTabSz="914400" rtl="0" eaLnBrk="1" latinLnBrk="0" hangingPunct="1">
+        <a:defRPr sz="1800" kern="1200">
+          <a:solidFill>
+            <a:schemeClr val="tx1"/>
+          </a:solidFill>
+          <a:latin typeface="+mn-lt"/>
+          <a:ea typeface="+mn-ea"/>
+          <a:cs typeface="+mn-cs"/>
+        </a:defRPr>
+      </a:lvl4pPr>
+      <a:lvl5pPr marL="1828800" algn="l" defTabSz="914400" rtl="0" eaLnBrk="1" latinLnBrk="0" hangingPunct="1">
+        <a:defRPr sz="1800" kern="1200">
+          <a:solidFill>
+            <a:schemeClr val="tx1"/>
+          </a:solidFill>
+          <a:latin typeface="+mn-lt"/>
+          <a:ea typeface="+mn-ea"/>
+          <a:cs typeface="+mn-cs"/>
+        </a:defRPr>
+      </a:lvl5pPr>
+      <a:lvl6pPr marL="2286000" algn="l" defTabSz="914400" rtl="0" eaLnBrk="1" latinLnBrk="0" hangingPunct="1">
+        <a:defRPr sz="1800" kern="1200">
+          <a:solidFill>
+            <a:schemeClr val="tx1"/>
+          </a:solidFill>
+          <a:latin typeface="+mn-lt"/>
+          <a:ea typeface="+mn-ea"/>
+          <a:cs typeface="+mn-cs"/>
+        </a:defRPr>
+      </a:lvl6pPr>
+      <a:lvl7pPr marL="2743200" algn="l" defTabSz="914400" rtl="0" eaLnBrk="1" latinLnBrk="0" hangingPunct="1">
+        <a:defRPr sz="1800" kern="1200">
+          <a:solidFill>
+            <a:schemeClr val="tx1"/>
+          </a:solidFill>
+          <a:latin typeface="+mn-lt"/>
+          <a:ea typeface="+mn-ea"/>
+          <a:cs typeface="+mn-cs"/>
+        </a:defRPr>
+      </a:lvl7pPr>
+      <a:lvl8pPr marL="3200400" algn="l" defTabSz="914400" rtl="0" eaLnBrk="1" latinLnBrk="0" hangingPunct="1">
+        <a:defRPr sz="1800" kern="1200">
+          <a:solidFill>
+            <a:schemeClr val="tx1"/>
+          </a:solidFill>
+          <a:latin typeface="+mn-lt"/>
+          <a:ea typeface="+mn-ea"/>
+          <a:cs typeface="+mn-cs"/>
+        </a:defRPr>
+      </a:lvl8pPr>
+      <a:lvl9pPr marL="3657600" algn="l" defTabSz="914400" rtl="0" eaLnBrk="1" latinLnBrk="0" hangingPunct="1">
+        <a:defRPr sz="1800" kern="1200">
+          <a:solidFill>
+            <a:schemeClr val="tx1"/>
+          </a:solidFill>
+          <a:latin typeface="+mn-lt"/>
+          <a:ea typeface="+mn-ea"/>
+          <a:cs typeface="+mn-cs"/>
+        </a:defRPr>
+      </a:lvl9pPr>
+    </p:otherStyle>
+  </p:txStyles>
+</p:sldMaster>
+</file>
+
+<file path=ppt/slideMasters/slideMaster3.xml><?xml version="1.0" encoding="utf-8"?>
+<p:sldMaster xmlns:a="http://schemas.openxmlformats.org/drawingml/2006/main" xmlns:r="http://schemas.openxmlformats.org/officeDocument/2006/relationships" xmlns:p="http://schemas.openxmlformats.org/presentationml/2006/main">
+  <p:cSld>
+    <p:bg>
+      <p:bgRef idx="1001">
+        <a:schemeClr val="bg1"/>
+      </p:bgRef>
+    </p:bg>
+    <p:spTree>
+      <p:nvGrpSpPr>
+        <p:cNvPr id="1" name=""/>
+        <p:cNvGrpSpPr/>
+        <p:nvPr/>
+      </p:nvGrpSpPr>
+      <p:grpSpPr>
+        <a:xfrm>
+          <a:off x="0" y="0"/>
+          <a:ext cx="0" cy="0"/>
+          <a:chOff x="0" y="0"/>
+          <a:chExt cx="0" cy="0"/>
+        </a:xfrm>
+      </p:grpSpPr>
+      <p:sp>
+        <p:nvSpPr>
+          <p:cNvPr id="7" name="Rectangle 6"/>
+          <p:cNvSpPr/>
+          <p:nvPr/>
+        </p:nvSpPr>
+        <p:spPr>
+          <a:xfrm>
+            <a:off x="1" y="6400800"/>
+            <a:ext cx="12192000" cy="457200"/>
+          </a:xfrm>
+          <a:prstGeom prst="rect">
+            <a:avLst/>
+          </a:prstGeom>
+          <a:solidFill>
+            <a:schemeClr val="accent2"/>
+          </a:solidFill>
+          <a:ln>
+            <a:noFill/>
+          </a:ln>
+        </p:spPr>
+        <p:style>
+          <a:lnRef idx="2">
+            <a:schemeClr val="accent1">
+              <a:shade val="50000"/>
+            </a:schemeClr>
+          </a:lnRef>
+          <a:fillRef idx="1">
+            <a:schemeClr val="accent1"/>
+          </a:fillRef>
+          <a:effectRef idx="0">
+            <a:schemeClr val="accent1"/>
+          </a:effectRef>
+          <a:fontRef idx="minor">
+            <a:schemeClr val="lt1"/>
+          </a:fontRef>
+        </p:style>
+      </p:sp>
+      <p:sp>
+        <p:nvSpPr>
+          <p:cNvPr id="9" name="Rectangle 8"/>
+          <p:cNvSpPr/>
+          <p:nvPr/>
+        </p:nvSpPr>
+        <p:spPr>
+          <a:xfrm>
+            <a:off x="0" y="6334316"/>
+            <a:ext cx="12192001" cy="65998"/>
+          </a:xfrm>
+          <a:prstGeom prst="rect">
+            <a:avLst/>
+          </a:prstGeom>
+          <a:solidFill>
+            <a:schemeClr val="accent1"/>
+          </a:solidFill>
+          <a:ln>
+            <a:noFill/>
+          </a:ln>
+        </p:spPr>
+        <p:style>
+          <a:lnRef idx="2">
+            <a:schemeClr val="accent1">
+              <a:shade val="50000"/>
+            </a:schemeClr>
+          </a:lnRef>
+          <a:fillRef idx="1">
+            <a:schemeClr val="accent1"/>
+          </a:fillRef>
+          <a:effectRef idx="0">
+            <a:schemeClr val="accent1"/>
+          </a:effectRef>
+          <a:fontRef idx="minor">
+            <a:schemeClr val="lt1"/>
+          </a:fontRef>
+        </p:style>
+      </p:sp>
+      <p:sp>
+        <p:nvSpPr>
+          <p:cNvPr id="2" name="Title Placeholder 1"/>
+          <p:cNvSpPr>
+            <a:spLocks noGrp="1"/>
+          </p:cNvSpPr>
+          <p:nvPr>
+            <p:ph type="title"/>
+          </p:nvPr>
+        </p:nvSpPr>
+        <p:spPr>
+          <a:xfrm>
+            <a:off x="1097280" y="286603"/>
+            <a:ext cx="10058400" cy="1450757"/>
+          </a:xfrm>
+          <a:prstGeom prst="rect">
+            <a:avLst/>
+          </a:prstGeom>
+        </p:spPr>
+        <p:txBody>
+          <a:bodyPr vert="horz" lIns="91440" tIns="45720" rIns="91440" bIns="45720" rtlCol="0" anchor="b">
+            <a:normAutofit/>
+          </a:bodyPr>
+          <a:lstStyle/>
+          <a:p>
+            <a:r>
+              <a:rPr lang="sv-SE"/>
+              <a:t>Klicka här för att ändra format</a:t>
+            </a:r>
+            <a:endParaRPr lang="en-US" dirty="0"/>
+          </a:p>
+        </p:txBody>
+      </p:sp>
+      <p:sp>
+        <p:nvSpPr>
+          <p:cNvPr id="3" name="Text Placeholder 2"/>
+          <p:cNvSpPr>
+            <a:spLocks noGrp="1"/>
+          </p:cNvSpPr>
+          <p:nvPr>
+            <p:ph type="body" idx="1"/>
+          </p:nvPr>
+        </p:nvSpPr>
+        <p:spPr>
+          <a:xfrm>
+            <a:off x="1097280" y="1845734"/>
+            <a:ext cx="10058400" cy="4023360"/>
+          </a:xfrm>
+          <a:prstGeom prst="rect">
+            <a:avLst/>
+          </a:prstGeom>
+        </p:spPr>
+        <p:txBody>
+          <a:bodyPr vert="horz" lIns="0" tIns="45720" rIns="0" bIns="45720" rtlCol="0">
+            <a:normAutofit/>
+          </a:bodyPr>
+          <a:lstStyle/>
+          <a:p>
+            <a:pPr lvl="0"/>
+            <a:r>
+              <a:rPr lang="sv-SE"/>
+              <a:t>Redigera format för bakgrundstext</a:t>
+            </a:r>
+          </a:p>
+          <a:p>
+            <a:pPr lvl="1"/>
+            <a:r>
+              <a:rPr lang="sv-SE"/>
+              <a:t>Nivå två</a:t>
+            </a:r>
+          </a:p>
+          <a:p>
+            <a:pPr lvl="2"/>
+            <a:r>
+              <a:rPr lang="sv-SE"/>
+              <a:t>Nivå tre</a:t>
+            </a:r>
+          </a:p>
+          <a:p>
+            <a:pPr lvl="3"/>
+            <a:r>
+              <a:rPr lang="sv-SE"/>
+              <a:t>Nivå fyra</a:t>
+            </a:r>
+          </a:p>
+          <a:p>
+            <a:pPr lvl="4"/>
+            <a:r>
+              <a:rPr lang="sv-SE"/>
+              <a:t>Nivå fem</a:t>
+            </a:r>
+            <a:endParaRPr lang="en-US" dirty="0"/>
+          </a:p>
+        </p:txBody>
+      </p:sp>
+      <p:sp>
+        <p:nvSpPr>
+          <p:cNvPr id="4" name="Date Placeholder 3"/>
+          <p:cNvSpPr>
+            <a:spLocks noGrp="1"/>
+          </p:cNvSpPr>
+          <p:nvPr>
+            <p:ph type="dt" sz="half" idx="2"/>
+          </p:nvPr>
+        </p:nvSpPr>
+        <p:spPr>
+          <a:xfrm>
+            <a:off x="1097280" y="6459785"/>
+            <a:ext cx="2472271" cy="365125"/>
+          </a:xfrm>
+          <a:prstGeom prst="rect">
+            <a:avLst/>
+          </a:prstGeom>
+        </p:spPr>
+        <p:txBody>
+          <a:bodyPr vert="horz" lIns="91440" tIns="45720" rIns="91440" bIns="45720" rtlCol="0" anchor="ctr"/>
+          <a:lstStyle>
+            <a:lvl1pPr algn="l">
+              <a:defRPr sz="900">
+                <a:solidFill>
+                  <a:srgbClr val="FFFFFF"/>
+                </a:solidFill>
+              </a:defRPr>
+            </a:lvl1pPr>
+          </a:lstStyle>
+          <a:p>
+            <a:fld id="{DAA52547-3D57-4300-850C-8C5ED669F084}" type="datetimeFigureOut">
+              <a:rPr lang="sv-SE" smtClean="0"/>
+              <a:t>2017-11-10</a:t>
+            </a:fld>
+            <a:endParaRPr lang="sv-SE"/>
+          </a:p>
+        </p:txBody>
+      </p:sp>
+      <p:sp>
+        <p:nvSpPr>
+          <p:cNvPr id="5" name="Footer Placeholder 4"/>
+          <p:cNvSpPr>
+            <a:spLocks noGrp="1"/>
+          </p:cNvSpPr>
+          <p:nvPr>
+            <p:ph type="ftr" sz="quarter" idx="3"/>
+          </p:nvPr>
+        </p:nvSpPr>
+        <p:spPr>
+          <a:xfrm>
+            <a:off x="3686185" y="6459785"/>
+            <a:ext cx="4822804" cy="365125"/>
+          </a:xfrm>
+          <a:prstGeom prst="rect">
+            <a:avLst/>
+          </a:prstGeom>
+        </p:spPr>
+        <p:txBody>
+          <a:bodyPr vert="horz" lIns="91440" tIns="45720" rIns="91440" bIns="45720" rtlCol="0" anchor="ctr"/>
+          <a:lstStyle>
+            <a:lvl1pPr algn="ctr">
+              <a:defRPr sz="900" cap="all" baseline="0">
+                <a:solidFill>
+                  <a:srgbClr val="FFFFFF"/>
+                </a:solidFill>
+              </a:defRPr>
+            </a:lvl1pPr>
+          </a:lstStyle>
+          <a:p>
+            <a:endParaRPr lang="sv-SE"/>
+          </a:p>
+        </p:txBody>
+      </p:sp>
+      <p:sp>
+        <p:nvSpPr>
+          <p:cNvPr id="6" name="Slide Number Placeholder 5"/>
+          <p:cNvSpPr>
+            <a:spLocks noGrp="1"/>
+          </p:cNvSpPr>
+          <p:nvPr>
+            <p:ph type="sldNum" sz="quarter" idx="4"/>
+          </p:nvPr>
+        </p:nvSpPr>
+        <p:spPr>
+          <a:xfrm>
+            <a:off x="9900458" y="6459785"/>
+            <a:ext cx="1312025" cy="365125"/>
+          </a:xfrm>
+          <a:prstGeom prst="rect">
+            <a:avLst/>
+          </a:prstGeom>
+        </p:spPr>
+        <p:txBody>
+          <a:bodyPr vert="horz" lIns="91440" tIns="45720" rIns="91440" bIns="45720" rtlCol="0" anchor="ctr"/>
+          <a:lstStyle>
+            <a:lvl1pPr algn="r">
+              <a:defRPr sz="1050">
+                <a:solidFill>
+                  <a:srgbClr val="FFFFFF"/>
+                </a:solidFill>
+              </a:defRPr>
+            </a:lvl1pPr>
+          </a:lstStyle>
+          <a:p>
+            <a:fld id="{A9C05581-0AF1-4C69-815E-05142D7093C5}" type="slidenum">
+              <a:rPr lang="sv-SE" smtClean="0"/>
+              <a:t>‹#›</a:t>
+            </a:fld>
+            <a:endParaRPr lang="sv-SE"/>
+          </a:p>
+        </p:txBody>
+      </p:sp>
+      <p:cxnSp>
+        <p:nvCxnSpPr>
+          <p:cNvPr id="10" name="Straight Connector 9"/>
+          <p:cNvCxnSpPr/>
+          <p:nvPr/>
+        </p:nvCxnSpPr>
+        <p:spPr>
+          <a:xfrm>
+            <a:off x="1193532" y="1737845"/>
+            <a:ext cx="9966960" cy="0"/>
+          </a:xfrm>
+          <a:prstGeom prst="line">
+            <a:avLst/>
+          </a:prstGeom>
+          <a:ln w="6350">
+            <a:solidFill>
+              <a:schemeClr val="tx1">
+                <a:lumMod val="50000"/>
+                <a:lumOff val="50000"/>
+              </a:schemeClr>
+            </a:solidFill>
+          </a:ln>
+        </p:spPr>
+        <p:style>
+          <a:lnRef idx="1">
+            <a:schemeClr val="accent1"/>
+          </a:lnRef>
+          <a:fillRef idx="0">
+            <a:schemeClr val="accent1"/>
+          </a:fillRef>
+          <a:effectRef idx="0">
+            <a:schemeClr val="accent1"/>
+          </a:effectRef>
+          <a:fontRef idx="minor">
+            <a:schemeClr val="tx1"/>
+          </a:fontRef>
+        </p:style>
+      </p:cxnSp>
+    </p:spTree>
+    <p:extLst>
+      <p:ext uri="{BB962C8B-B14F-4D97-AF65-F5344CB8AC3E}">
+        <p14:creationId xmlns:p14="http://schemas.microsoft.com/office/powerpoint/2010/main" val="2966866358"/>
+      </p:ext>
+    </p:extLst>
+  </p:cSld>
+  <p:clrMap bg1="lt1" tx1="dk1" bg2="lt2" tx2="dk2" accent1="accent1" accent2="accent2" accent3="accent3" accent4="accent4" accent5="accent5" accent6="accent6" hlink="hlink" folHlink="folHlink"/>
+  <p:sldLayoutIdLst>
+    <p:sldLayoutId id="2147483663" r:id="rId1"/>
+  </p:sldLayoutIdLst>
+  <p:txStyles>
+    <p:titleStyle>
+      <a:lvl1pPr algn="l" defTabSz="914400" rtl="0" eaLnBrk="1" latinLnBrk="0" hangingPunct="1">
+        <a:lnSpc>
+          <a:spcPct val="85000"/>
+        </a:lnSpc>
+        <a:spcBef>
+          <a:spcPct val="0"/>
+        </a:spcBef>
+        <a:buNone/>
+        <a:defRPr sz="4800" kern="1200" spc="-50" baseline="0">
+          <a:solidFill>
+            <a:schemeClr val="tx1">
+              <a:lumMod val="75000"/>
+              <a:lumOff val="25000"/>
+            </a:schemeClr>
+          </a:solidFill>
+          <a:latin typeface="+mj-lt"/>
+          <a:ea typeface="+mj-ea"/>
+          <a:cs typeface="+mj-cs"/>
+        </a:defRPr>
+      </a:lvl1pPr>
+    </p:titleStyle>
+    <p:bodyStyle>
+      <a:lvl1pPr marL="91440" indent="-91440" algn="l" defTabSz="914400" rtl="0" eaLnBrk="1" latinLnBrk="0" hangingPunct="1">
+        <a:lnSpc>
+          <a:spcPct val="90000"/>
+        </a:lnSpc>
+        <a:spcBef>
+          <a:spcPts val="1200"/>
+        </a:spcBef>
+        <a:spcAft>
+          <a:spcPts val="200"/>
+        </a:spcAft>
+        <a:buClr>
+          <a:schemeClr val="accent1"/>
+        </a:buClr>
+        <a:buSzPct val="100000"/>
+        <a:buFont typeface="Calibri" panose="020F0502020204030204" pitchFamily="34" charset="0"/>
+        <a:buChar char=" "/>
+        <a:defRPr sz="2000" kern="1200">
+          <a:solidFill>
+            <a:schemeClr val="tx1">
+              <a:lumMod val="75000"/>
+              <a:lumOff val="25000"/>
+            </a:schemeClr>
+          </a:solidFill>
+          <a:latin typeface="+mn-lt"/>
+          <a:ea typeface="+mn-ea"/>
+          <a:cs typeface="+mn-cs"/>
+        </a:defRPr>
+      </a:lvl1pPr>
+      <a:lvl2pPr marL="384048" indent="-182880" algn="l" defTabSz="914400" rtl="0" eaLnBrk="1" latinLnBrk="0" hangingPunct="1">
+        <a:lnSpc>
+          <a:spcPct val="90000"/>
+        </a:lnSpc>
+        <a:spcBef>
+          <a:spcPts val="200"/>
+        </a:spcBef>
+        <a:spcAft>
+          <a:spcPts val="400"/>
+        </a:spcAft>
+        <a:buClr>
+          <a:schemeClr val="accent1"/>
+        </a:buClr>
+        <a:buFont typeface="Calibri" pitchFamily="34" charset="0"/>
+        <a:buChar char="◦"/>
+        <a:defRPr sz="1800" kern="1200">
+          <a:solidFill>
+            <a:schemeClr val="tx1">
+              <a:lumMod val="75000"/>
+              <a:lumOff val="25000"/>
+            </a:schemeClr>
+          </a:solidFill>
+          <a:latin typeface="+mn-lt"/>
+          <a:ea typeface="+mn-ea"/>
+          <a:cs typeface="+mn-cs"/>
+        </a:defRPr>
+      </a:lvl2pPr>
+      <a:lvl3pPr marL="566928" indent="-182880" algn="l" defTabSz="914400" rtl="0" eaLnBrk="1" latinLnBrk="0" hangingPunct="1">
+        <a:lnSpc>
+          <a:spcPct val="90000"/>
+        </a:lnSpc>
+        <a:spcBef>
+          <a:spcPts val="200"/>
+        </a:spcBef>
+        <a:spcAft>
+          <a:spcPts val="400"/>
+        </a:spcAft>
+        <a:buClr>
+          <a:schemeClr val="accent1"/>
+        </a:buClr>
+        <a:buFont typeface="Calibri" pitchFamily="34" charset="0"/>
+        <a:buChar char="◦"/>
+        <a:defRPr sz="1400" kern="1200">
+          <a:solidFill>
+            <a:schemeClr val="tx1">
+              <a:lumMod val="75000"/>
+              <a:lumOff val="25000"/>
+            </a:schemeClr>
+          </a:solidFill>
+          <a:latin typeface="+mn-lt"/>
+          <a:ea typeface="+mn-ea"/>
+          <a:cs typeface="+mn-cs"/>
+        </a:defRPr>
+      </a:lvl3pPr>
+      <a:lvl4pPr marL="749808" indent="-182880" algn="l" defTabSz="914400" rtl="0" eaLnBrk="1" latinLnBrk="0" hangingPunct="1">
+        <a:lnSpc>
+          <a:spcPct val="90000"/>
+        </a:lnSpc>
+        <a:spcBef>
+          <a:spcPts val="200"/>
+        </a:spcBef>
+        <a:spcAft>
+          <a:spcPts val="400"/>
+        </a:spcAft>
+        <a:buClr>
+          <a:schemeClr val="accent1"/>
+        </a:buClr>
+        <a:buFont typeface="Calibri" pitchFamily="34" charset="0"/>
+        <a:buChar char="◦"/>
+        <a:defRPr sz="1400" kern="1200">
+          <a:solidFill>
+            <a:schemeClr val="tx1">
+              <a:lumMod val="75000"/>
+              <a:lumOff val="25000"/>
+            </a:schemeClr>
+          </a:solidFill>
+          <a:latin typeface="+mn-lt"/>
+          <a:ea typeface="+mn-ea"/>
+          <a:cs typeface="+mn-cs"/>
+        </a:defRPr>
+      </a:lvl4pPr>
+      <a:lvl5pPr marL="932688" indent="-182880" algn="l" defTabSz="914400" rtl="0" eaLnBrk="1" latinLnBrk="0" hangingPunct="1">
+        <a:lnSpc>
+          <a:spcPct val="90000"/>
+        </a:lnSpc>
+        <a:spcBef>
+          <a:spcPts val="200"/>
+        </a:spcBef>
+        <a:spcAft>
+          <a:spcPts val="400"/>
+        </a:spcAft>
+        <a:buClr>
+          <a:schemeClr val="accent1"/>
+        </a:buClr>
+        <a:buFont typeface="Calibri" pitchFamily="34" charset="0"/>
+        <a:buChar char="◦"/>
+        <a:defRPr sz="1400" kern="1200">
+          <a:solidFill>
+            <a:schemeClr val="tx1">
+              <a:lumMod val="75000"/>
+              <a:lumOff val="25000"/>
+            </a:schemeClr>
+          </a:solidFill>
+          <a:latin typeface="+mn-lt"/>
+          <a:ea typeface="+mn-ea"/>
+          <a:cs typeface="+mn-cs"/>
+        </a:defRPr>
+      </a:lvl5pPr>
+      <a:lvl6pPr marL="1100000" indent="-228600" algn="l" defTabSz="914400" rtl="0" eaLnBrk="1" latinLnBrk="0" hangingPunct="1">
+        <a:lnSpc>
+          <a:spcPct val="90000"/>
+        </a:lnSpc>
+        <a:spcBef>
+          <a:spcPts val="200"/>
+        </a:spcBef>
+        <a:spcAft>
+          <a:spcPts val="400"/>
+        </a:spcAft>
+        <a:buClr>
+          <a:schemeClr val="accent1"/>
+        </a:buClr>
+        <a:buFont typeface="Calibri" pitchFamily="34" charset="0"/>
+        <a:buChar char="◦"/>
+        <a:defRPr sz="1400" kern="1200">
+          <a:solidFill>
+            <a:schemeClr val="tx1">
+              <a:lumMod val="75000"/>
+              <a:lumOff val="25000"/>
+            </a:schemeClr>
+          </a:solidFill>
+          <a:latin typeface="+mn-lt"/>
+          <a:ea typeface="+mn-ea"/>
+          <a:cs typeface="+mn-cs"/>
+        </a:defRPr>
+      </a:lvl6pPr>
+      <a:lvl7pPr marL="1300000" indent="-228600" algn="l" defTabSz="914400" rtl="0" eaLnBrk="1" latinLnBrk="0" hangingPunct="1">
+        <a:lnSpc>
+          <a:spcPct val="90000"/>
+        </a:lnSpc>
+        <a:spcBef>
+          <a:spcPts val="200"/>
+        </a:spcBef>
+        <a:spcAft>
+          <a:spcPts val="400"/>
+        </a:spcAft>
+        <a:buClr>
+          <a:schemeClr val="accent1"/>
+        </a:buClr>
+        <a:buFont typeface="Calibri" pitchFamily="34" charset="0"/>
+        <a:buChar char="◦"/>
+        <a:defRPr sz="1400" kern="1200">
+          <a:solidFill>
+            <a:schemeClr val="tx1">
+              <a:lumMod val="75000"/>
+              <a:lumOff val="25000"/>
+            </a:schemeClr>
+          </a:solidFill>
+          <a:latin typeface="+mn-lt"/>
+          <a:ea typeface="+mn-ea"/>
+          <a:cs typeface="+mn-cs"/>
+        </a:defRPr>
+      </a:lvl7pPr>
+      <a:lvl8pPr marL="1500000" indent="-228600" algn="l" defTabSz="914400" rtl="0" eaLnBrk="1" latinLnBrk="0" hangingPunct="1">
+        <a:lnSpc>
+          <a:spcPct val="90000"/>
+        </a:lnSpc>
+        <a:spcBef>
+          <a:spcPts val="200"/>
+        </a:spcBef>
+        <a:spcAft>
+          <a:spcPts val="400"/>
+        </a:spcAft>
+        <a:buClr>
+          <a:schemeClr val="accent1"/>
+        </a:buClr>
+        <a:buFont typeface="Calibri" pitchFamily="34" charset="0"/>
+        <a:buChar char="◦"/>
+        <a:defRPr sz="1400" kern="1200">
+          <a:solidFill>
+            <a:schemeClr val="tx1">
+              <a:lumMod val="75000"/>
+              <a:lumOff val="25000"/>
+            </a:schemeClr>
+          </a:solidFill>
+          <a:latin typeface="+mn-lt"/>
+          <a:ea typeface="+mn-ea"/>
+          <a:cs typeface="+mn-cs"/>
+        </a:defRPr>
+      </a:lvl8pPr>
+      <a:lvl9pPr marL="1700000" indent="-228600" algn="l" defTabSz="914400" rtl="0" eaLnBrk="1" latinLnBrk="0" hangingPunct="1">
+        <a:lnSpc>
+          <a:spcPct val="90000"/>
+        </a:lnSpc>
+        <a:spcBef>
+          <a:spcPts val="200"/>
+        </a:spcBef>
+        <a:spcAft>
+          <a:spcPts val="400"/>
+        </a:spcAft>
+        <a:buClr>
+          <a:schemeClr val="accent1"/>
+        </a:buClr>
+        <a:buFont typeface="Calibri" pitchFamily="34" charset="0"/>
+        <a:buChar char="◦"/>
+        <a:defRPr sz="1400" kern="1200">
+          <a:solidFill>
+            <a:schemeClr val="tx1">
+              <a:lumMod val="75000"/>
+              <a:lumOff val="25000"/>
+            </a:schemeClr>
+          </a:solidFill>
+          <a:latin typeface="+mn-lt"/>
+          <a:ea typeface="+mn-ea"/>
+          <a:cs typeface="+mn-cs"/>
+        </a:defRPr>
+      </a:lvl9pPr>
+    </p:bodyStyle>
+    <p:otherStyle>
+      <a:defPPr>
+        <a:defRPr lang="en-US"/>
+      </a:defPPr>
+      <a:lvl1pPr marL="0" algn="l" defTabSz="914400" rtl="0" eaLnBrk="1" latinLnBrk="0" hangingPunct="1">
+        <a:defRPr sz="1800" kern="1200">
+          <a:solidFill>
+            <a:schemeClr val="tx1"/>
+          </a:solidFill>
+          <a:latin typeface="+mn-lt"/>
+          <a:ea typeface="+mn-ea"/>
+          <a:cs typeface="+mn-cs"/>
+        </a:defRPr>
+      </a:lvl1pPr>
+      <a:lvl2pPr marL="457200" algn="l" defTabSz="914400" rtl="0" eaLnBrk="1" latinLnBrk="0" hangingPunct="1">
+        <a:defRPr sz="1800" kern="1200">
+          <a:solidFill>
+            <a:schemeClr val="tx1"/>
+          </a:solidFill>
+          <a:latin typeface="+mn-lt"/>
+          <a:ea typeface="+mn-ea"/>
+          <a:cs typeface="+mn-cs"/>
+        </a:defRPr>
+      </a:lvl2pPr>
+      <a:lvl3pPr marL="914400" algn="l" defTabSz="914400" rtl="0" eaLnBrk="1" latinLnBrk="0" hangingPunct="1">
+        <a:defRPr sz="1800" kern="1200">
+          <a:solidFill>
+            <a:schemeClr val="tx1"/>
+          </a:solidFill>
+          <a:latin typeface="+mn-lt"/>
+          <a:ea typeface="+mn-ea"/>
+          <a:cs typeface="+mn-cs"/>
+        </a:defRPr>
+      </a:lvl3pPr>
+      <a:lvl4pPr marL="1371600" algn="l" defTabSz="914400" rtl="0" eaLnBrk="1" latinLnBrk="0" hangingPunct="1">
+        <a:defRPr sz="1800" kern="1200">
+          <a:solidFill>
+            <a:schemeClr val="tx1"/>
+          </a:solidFill>
+          <a:latin typeface="+mn-lt"/>
+          <a:ea typeface="+mn-ea"/>
+          <a:cs typeface="+mn-cs"/>
+        </a:defRPr>
+      </a:lvl4pPr>
+      <a:lvl5pPr marL="1828800" algn="l" defTabSz="914400" rtl="0" eaLnBrk="1" latinLnBrk="0" hangingPunct="1">
+        <a:defRPr sz="1800" kern="1200">
+          <a:solidFill>
+            <a:schemeClr val="tx1"/>
+          </a:solidFill>
+          <a:latin typeface="+mn-lt"/>
+          <a:ea typeface="+mn-ea"/>
+          <a:cs typeface="+mn-cs"/>
+        </a:defRPr>
+      </a:lvl5pPr>
+      <a:lvl6pPr marL="2286000" algn="l" defTabSz="914400" rtl="0" eaLnBrk="1" latinLnBrk="0" hangingPunct="1">
+        <a:defRPr sz="1800" kern="1200">
+          <a:solidFill>
+            <a:schemeClr val="tx1"/>
+          </a:solidFill>
+          <a:latin typeface="+mn-lt"/>
+          <a:ea typeface="+mn-ea"/>
+          <a:cs typeface="+mn-cs"/>
+        </a:defRPr>
+      </a:lvl6pPr>
+      <a:lvl7pPr marL="2743200" algn="l" defTabSz="914400" rtl="0" eaLnBrk="1" latinLnBrk="0" hangingPunct="1">
+        <a:defRPr sz="1800" kern="1200">
+          <a:solidFill>
+            <a:schemeClr val="tx1"/>
+          </a:solidFill>
+          <a:latin typeface="+mn-lt"/>
+          <a:ea typeface="+mn-ea"/>
+          <a:cs typeface="+mn-cs"/>
+        </a:defRPr>
+      </a:lvl7pPr>
+      <a:lvl8pPr marL="3200400" algn="l" defTabSz="914400" rtl="0" eaLnBrk="1" latinLnBrk="0" hangingPunct="1">
+        <a:defRPr sz="1800" kern="1200">
+          <a:solidFill>
+            <a:schemeClr val="tx1"/>
+          </a:solidFill>
+          <a:latin typeface="+mn-lt"/>
+          <a:ea typeface="+mn-ea"/>
+          <a:cs typeface="+mn-cs"/>
+        </a:defRPr>
+      </a:lvl8pPr>
+      <a:lvl9pPr marL="3657600" algn="l" defTabSz="914400" rtl="0" eaLnBrk="1" latinLnBrk="0" hangingPunct="1">
+        <a:defRPr sz="1800" kern="1200">
+          <a:solidFill>
+            <a:schemeClr val="tx1"/>
+          </a:solidFill>
+          <a:latin typeface="+mn-lt"/>
+          <a:ea typeface="+mn-ea"/>
+          <a:cs typeface="+mn-cs"/>
+        </a:defRPr>
+      </a:lvl9pPr>
+    </p:otherStyle>
+  </p:txStyles>
+</p:sldMaster>
+</file>
+
 <file path=ppt/slides/slide1.xml><?xml version="1.0" encoding="utf-8"?>
 <p:sld xmlns:a="http://schemas.openxmlformats.org/drawingml/2006/main" xmlns:r="http://schemas.openxmlformats.org/officeDocument/2006/relationships" xmlns:p="http://schemas.openxmlformats.org/presentationml/2006/main">
   <p:cSld>
@@ -4279,8 +6723,37 @@
           <a:bodyPr rtlCol="0" anchor="ctr"/>
           <a:lstStyle/>
           <a:p>
-            <a:pPr algn="ctr"/>
-            <a:endParaRPr lang="en-US"/>
+            <a:pPr marL="0" marR="0" lvl="0" indent="0" algn="ctr" defTabSz="914400" rtl="0" eaLnBrk="1" fontAlgn="auto" latinLnBrk="0" hangingPunct="1">
+              <a:lnSpc>
+                <a:spcPct val="100000"/>
+              </a:lnSpc>
+              <a:spcBef>
+                <a:spcPts val="0"/>
+              </a:spcBef>
+              <a:spcAft>
+                <a:spcPts val="0"/>
+              </a:spcAft>
+              <a:buClrTx/>
+              <a:buSzTx/>
+              <a:buFontTx/>
+              <a:buNone/>
+              <a:tabLst/>
+              <a:defRPr/>
+            </a:pPr>
+            <a:endParaRPr kumimoji="0" lang="en-US" sz="1800" b="0" i="0" u="none" strike="noStrike" kern="1200" cap="none" spc="0" normalizeH="0" baseline="0" noProof="0">
+              <a:ln>
+                <a:noFill/>
+              </a:ln>
+              <a:solidFill>
+                <a:prstClr val="white"/>
+              </a:solidFill>
+              <a:effectLst/>
+              <a:uLnTx/>
+              <a:uFillTx/>
+              <a:latin typeface="Calibri" panose="020F0502020204030204"/>
+              <a:ea typeface="+mn-ea"/>
+              <a:cs typeface="+mn-cs"/>
+            </a:endParaRPr>
           </a:p>
         </p:txBody>
       </p:sp>
@@ -4364,12 +6837,28 @@
           </a:bodyPr>
           <a:lstStyle/>
           <a:p>
-            <a:pPr algn="ctr"/>
-            <a:r>
-              <a:rPr lang="sv-SE" sz="5400" b="0" cap="none" spc="0" dirty="0">
+            <a:pPr marL="0" marR="0" lvl="0" indent="0" algn="ctr" defTabSz="914400" rtl="0" eaLnBrk="1" fontAlgn="auto" latinLnBrk="0" hangingPunct="1">
+              <a:lnSpc>
+                <a:spcPct val="100000"/>
+              </a:lnSpc>
+              <a:spcBef>
+                <a:spcPts val="0"/>
+              </a:spcBef>
+              <a:spcAft>
+                <a:spcPts val="0"/>
+              </a:spcAft>
+              <a:buClrTx/>
+              <a:buSzTx/>
+              <a:buFontTx/>
+              <a:buNone/>
+              <a:tabLst/>
+              <a:defRPr/>
+            </a:pPr>
+            <a:r>
+              <a:rPr kumimoji="0" lang="sv-SE" sz="5400" b="0" i="0" u="none" strike="noStrike" kern="1200" cap="none" spc="0" normalizeH="0" baseline="0" noProof="0" dirty="0">
                 <a:ln w="0"/>
                 <a:solidFill>
-                  <a:schemeClr val="accent1"/>
+                  <a:srgbClr val="4472C4"/>
                 </a:solidFill>
                 <a:effectLst>
                   <a:outerShdw blurRad="38100" dist="25400" dir="5400000" algn="ctr" rotWithShape="0">
@@ -4378,14 +6867,19 @@
                     </a:srgbClr>
                   </a:outerShdw>
                 </a:effectLst>
+                <a:uLnTx/>
+                <a:uFillTx/>
+                <a:latin typeface="Calibri" panose="020F0502020204030204"/>
+                <a:ea typeface="+mn-ea"/>
+                <a:cs typeface="+mn-cs"/>
               </a:rPr>
               <a:t>The start </a:t>
             </a:r>
             <a:r>
-              <a:rPr lang="sv-SE" sz="5400" b="0" cap="none" spc="0" dirty="0" err="1">
+              <a:rPr kumimoji="0" lang="sv-SE" sz="5400" b="0" i="0" u="none" strike="noStrike" kern="1200" cap="none" spc="0" normalizeH="0" baseline="0" noProof="0" dirty="0" err="1">
                 <a:ln w="0"/>
                 <a:solidFill>
-                  <a:schemeClr val="accent1"/>
+                  <a:srgbClr val="4472C4"/>
                 </a:solidFill>
                 <a:effectLst>
                   <a:outerShdw blurRad="38100" dist="25400" dir="5400000" algn="ctr" rotWithShape="0">
@@ -4394,14 +6888,19 @@
                     </a:srgbClr>
                   </a:outerShdw>
                 </a:effectLst>
+                <a:uLnTx/>
+                <a:uFillTx/>
+                <a:latin typeface="Calibri" panose="020F0502020204030204"/>
+                <a:ea typeface="+mn-ea"/>
+                <a:cs typeface="+mn-cs"/>
               </a:rPr>
               <a:t>of</a:t>
             </a:r>
             <a:r>
-              <a:rPr lang="sv-SE" sz="5400" b="0" cap="none" spc="0" dirty="0">
+              <a:rPr kumimoji="0" lang="sv-SE" sz="5400" b="0" i="0" u="none" strike="noStrike" kern="1200" cap="none" spc="0" normalizeH="0" baseline="0" noProof="0" dirty="0">
                 <a:ln w="0"/>
                 <a:solidFill>
-                  <a:schemeClr val="accent1"/>
+                  <a:srgbClr val="4472C4"/>
                 </a:solidFill>
                 <a:effectLst>
                   <a:outerShdw blurRad="38100" dist="25400" dir="5400000" algn="ctr" rotWithShape="0">
@@ -4410,6 +6909,11 @@
                     </a:srgbClr>
                   </a:outerShdw>
                 </a:effectLst>
+                <a:uLnTx/>
+                <a:uFillTx/>
+                <a:latin typeface="Calibri" panose="020F0502020204030204"/>
+                <a:ea typeface="+mn-ea"/>
+                <a:cs typeface="+mn-cs"/>
               </a:rPr>
               <a:t> spring</a:t>
             </a:r>
@@ -4419,7 +6923,7 @@
     </p:spTree>
     <p:extLst>
       <p:ext uri="{BB962C8B-B14F-4D97-AF65-F5344CB8AC3E}">
-        <p14:creationId xmlns:p14="http://schemas.microsoft.com/office/powerpoint/2010/main" val="2168092740"/>
+        <p14:creationId xmlns:p14="http://schemas.microsoft.com/office/powerpoint/2010/main" val="3255836414"/>
       </p:ext>
     </p:extLst>
   </p:cSld>
@@ -4622,12 +7126,28 @@
           </a:bodyPr>
           <a:lstStyle/>
           <a:p>
-            <a:pPr algn="ctr"/>
-            <a:r>
-              <a:rPr lang="sv-SE" sz="5400" b="0" cap="none" spc="0" dirty="0" err="1">
+            <a:pPr marL="0" marR="0" lvl="0" indent="0" algn="ctr" defTabSz="914400" rtl="0" eaLnBrk="1" fontAlgn="auto" latinLnBrk="0" hangingPunct="1">
+              <a:lnSpc>
+                <a:spcPct val="100000"/>
+              </a:lnSpc>
+              <a:spcBef>
+                <a:spcPts val="0"/>
+              </a:spcBef>
+              <a:spcAft>
+                <a:spcPts val="0"/>
+              </a:spcAft>
+              <a:buClrTx/>
+              <a:buSzTx/>
+              <a:buFontTx/>
+              <a:buNone/>
+              <a:tabLst/>
+              <a:defRPr/>
+            </a:pPr>
+            <a:r>
+              <a:rPr kumimoji="0" lang="sv-SE" sz="5400" b="0" i="0" u="none" strike="noStrike" kern="1200" cap="none" spc="0" normalizeH="0" baseline="0" noProof="0" dirty="0" err="1">
                 <a:ln w="0"/>
                 <a:solidFill>
-                  <a:schemeClr val="accent1"/>
+                  <a:srgbClr val="E48312"/>
                 </a:solidFill>
                 <a:effectLst>
                   <a:outerShdw blurRad="38100" dist="25400" dir="5400000" algn="ctr" rotWithShape="0">
@@ -4636,14 +7156,19 @@
                     </a:srgbClr>
                   </a:outerShdw>
                 </a:effectLst>
+                <a:uLnTx/>
+                <a:uFillTx/>
+                <a:latin typeface="Calibri" panose="020F0502020204030204"/>
+                <a:ea typeface="+mn-ea"/>
+                <a:cs typeface="+mn-cs"/>
               </a:rPr>
               <a:t>Meterological</a:t>
             </a:r>
             <a:r>
-              <a:rPr lang="sv-SE" sz="5400" b="0" cap="none" spc="0" dirty="0">
+              <a:rPr kumimoji="0" lang="sv-SE" sz="5400" b="0" i="0" u="none" strike="noStrike" kern="1200" cap="none" spc="0" normalizeH="0" baseline="0" noProof="0" dirty="0">
                 <a:ln w="0"/>
                 <a:solidFill>
-                  <a:schemeClr val="accent1"/>
+                  <a:srgbClr val="E48312"/>
                 </a:solidFill>
                 <a:effectLst>
                   <a:outerShdw blurRad="38100" dist="25400" dir="5400000" algn="ctr" rotWithShape="0">
@@ -4652,14 +7177,19 @@
                     </a:srgbClr>
                   </a:outerShdw>
                 </a:effectLst>
+                <a:uLnTx/>
+                <a:uFillTx/>
+                <a:latin typeface="Calibri" panose="020F0502020204030204"/>
+                <a:ea typeface="+mn-ea"/>
+                <a:cs typeface="+mn-cs"/>
               </a:rPr>
               <a:t> definition </a:t>
             </a:r>
             <a:r>
-              <a:rPr lang="sv-SE" sz="5400" b="0" cap="none" spc="0" dirty="0" err="1">
+              <a:rPr kumimoji="0" lang="sv-SE" sz="5400" b="0" i="0" u="none" strike="noStrike" kern="1200" cap="none" spc="0" normalizeH="0" baseline="0" noProof="0" dirty="0" err="1">
                 <a:ln w="0"/>
                 <a:solidFill>
-                  <a:schemeClr val="accent1"/>
+                  <a:srgbClr val="E48312"/>
                 </a:solidFill>
                 <a:effectLst>
                   <a:outerShdw blurRad="38100" dist="25400" dir="5400000" algn="ctr" rotWithShape="0">
@@ -4668,13 +7198,18 @@
                     </a:srgbClr>
                   </a:outerShdw>
                 </a:effectLst>
+                <a:uLnTx/>
+                <a:uFillTx/>
+                <a:latin typeface="Calibri" panose="020F0502020204030204"/>
+                <a:ea typeface="+mn-ea"/>
+                <a:cs typeface="+mn-cs"/>
               </a:rPr>
               <a:t>used</a:t>
             </a:r>
-            <a:endParaRPr lang="sv-SE" sz="5400" b="0" cap="none" spc="0" dirty="0">
+            <a:endParaRPr kumimoji="0" lang="sv-SE" sz="5400" b="0" i="0" u="none" strike="noStrike" kern="1200" cap="none" spc="0" normalizeH="0" baseline="0" noProof="0" dirty="0">
               <a:ln w="0"/>
               <a:solidFill>
-                <a:schemeClr val="accent1"/>
+                <a:srgbClr val="E48312"/>
               </a:solidFill>
               <a:effectLst>
                 <a:outerShdw blurRad="38100" dist="25400" dir="5400000" algn="ctr" rotWithShape="0">
@@ -4683,6 +7218,11 @@
                   </a:srgbClr>
                 </a:outerShdw>
               </a:effectLst>
+              <a:uLnTx/>
+              <a:uFillTx/>
+              <a:latin typeface="Calibri" panose="020F0502020204030204"/>
+              <a:ea typeface="+mn-ea"/>
+              <a:cs typeface="+mn-cs"/>
             </a:endParaRPr>
           </a:p>
         </p:txBody>
@@ -4690,7 +7230,7 @@
     </p:spTree>
     <p:extLst>
       <p:ext uri="{BB962C8B-B14F-4D97-AF65-F5344CB8AC3E}">
-        <p14:creationId xmlns:p14="http://schemas.microsoft.com/office/powerpoint/2010/main" val="3738484616"/>
+        <p14:creationId xmlns:p14="http://schemas.microsoft.com/office/powerpoint/2010/main" val="1244226066"/>
       </p:ext>
     </p:extLst>
   </p:cSld>
@@ -4924,8 +7464,38 @@
           </a:bodyPr>
           <a:lstStyle/>
           <a:p>
-            <a:r>
-              <a:rPr lang="sv-SE" dirty="0"/>
+            <a:pPr marL="0" marR="0" lvl="0" indent="0" algn="l" defTabSz="914400" rtl="0" eaLnBrk="1" fontAlgn="auto" latinLnBrk="0" hangingPunct="1">
+              <a:lnSpc>
+                <a:spcPct val="100000"/>
+              </a:lnSpc>
+              <a:spcBef>
+                <a:spcPts val="0"/>
+              </a:spcBef>
+              <a:spcAft>
+                <a:spcPts val="0"/>
+              </a:spcAft>
+              <a:buClrTx/>
+              <a:buSzTx/>
+              <a:buFontTx/>
+              <a:buNone/>
+              <a:tabLst/>
+              <a:defRPr/>
+            </a:pPr>
+            <a:r>
+              <a:rPr kumimoji="0" lang="sv-SE" sz="1800" b="0" i="0" u="none" strike="noStrike" kern="1200" cap="none" spc="0" normalizeH="0" baseline="0" noProof="0" dirty="0">
+                <a:ln>
+                  <a:noFill/>
+                </a:ln>
+                <a:solidFill>
+                  <a:prstClr val="black"/>
+                </a:solidFill>
+                <a:effectLst/>
+                <a:uLnTx/>
+                <a:uFillTx/>
+                <a:latin typeface="Calibri" panose="020F0502020204030204"/>
+                <a:ea typeface="+mn-ea"/>
+                <a:cs typeface="+mn-cs"/>
+              </a:rPr>
               <a:t>Uppsala</a:t>
             </a:r>
           </a:p>
@@ -4958,8 +7528,38 @@
           </a:bodyPr>
           <a:lstStyle/>
           <a:p>
-            <a:r>
-              <a:rPr lang="sv-SE" dirty="0"/>
+            <a:pPr marL="0" marR="0" lvl="0" indent="0" algn="l" defTabSz="914400" rtl="0" eaLnBrk="1" fontAlgn="auto" latinLnBrk="0" hangingPunct="1">
+              <a:lnSpc>
+                <a:spcPct val="100000"/>
+              </a:lnSpc>
+              <a:spcBef>
+                <a:spcPts val="0"/>
+              </a:spcBef>
+              <a:spcAft>
+                <a:spcPts val="0"/>
+              </a:spcAft>
+              <a:buClrTx/>
+              <a:buSzTx/>
+              <a:buFontTx/>
+              <a:buNone/>
+              <a:tabLst/>
+              <a:defRPr/>
+            </a:pPr>
+            <a:r>
+              <a:rPr kumimoji="0" lang="sv-SE" sz="1800" b="0" i="0" u="none" strike="noStrike" kern="1200" cap="none" spc="0" normalizeH="0" baseline="0" noProof="0" dirty="0">
+                <a:ln>
+                  <a:noFill/>
+                </a:ln>
+                <a:solidFill>
+                  <a:prstClr val="black"/>
+                </a:solidFill>
+                <a:effectLst/>
+                <a:uLnTx/>
+                <a:uFillTx/>
+                <a:latin typeface="Calibri" panose="020F0502020204030204"/>
+                <a:ea typeface="+mn-ea"/>
+                <a:cs typeface="+mn-cs"/>
+              </a:rPr>
               <a:t>Source: https://www.smhi.se/vadret/vadret-i-sverige/arstidskarta/ank_var_2013.html</a:t>
             </a:r>
           </a:p>
@@ -4993,12 +7593,28 @@
           </a:bodyPr>
           <a:lstStyle/>
           <a:p>
-            <a:pPr algn="ctr"/>
-            <a:r>
-              <a:rPr lang="sv-SE" sz="5400" b="0" cap="none" spc="0" dirty="0" err="1">
+            <a:pPr marL="0" marR="0" lvl="0" indent="0" algn="ctr" defTabSz="914400" rtl="0" eaLnBrk="1" fontAlgn="auto" latinLnBrk="0" hangingPunct="1">
+              <a:lnSpc>
+                <a:spcPct val="100000"/>
+              </a:lnSpc>
+              <a:spcBef>
+                <a:spcPts val="0"/>
+              </a:spcBef>
+              <a:spcAft>
+                <a:spcPts val="0"/>
+              </a:spcAft>
+              <a:buClrTx/>
+              <a:buSzTx/>
+              <a:buFontTx/>
+              <a:buNone/>
+              <a:tabLst/>
+              <a:defRPr/>
+            </a:pPr>
+            <a:r>
+              <a:rPr kumimoji="0" lang="sv-SE" sz="5400" b="0" i="0" u="none" strike="noStrike" kern="1200" cap="none" spc="0" normalizeH="0" baseline="0" noProof="0" dirty="0" err="1">
                 <a:ln w="0"/>
                 <a:solidFill>
-                  <a:schemeClr val="accent1"/>
+                  <a:srgbClr val="4472C4"/>
                 </a:solidFill>
                 <a:effectLst>
                   <a:outerShdw blurRad="38100" dist="25400" dir="5400000" algn="ctr" rotWithShape="0">
@@ -5007,14 +7623,19 @@
                     </a:srgbClr>
                   </a:outerShdw>
                 </a:effectLst>
+                <a:uLnTx/>
+                <a:uFillTx/>
+                <a:latin typeface="Calibri" panose="020F0502020204030204"/>
+                <a:ea typeface="+mn-ea"/>
+                <a:cs typeface="+mn-cs"/>
               </a:rPr>
               <a:t>Map</a:t>
             </a:r>
             <a:r>
-              <a:rPr lang="sv-SE" sz="5400" b="0" cap="none" spc="0" dirty="0">
+              <a:rPr kumimoji="0" lang="sv-SE" sz="5400" b="0" i="0" u="none" strike="noStrike" kern="1200" cap="none" spc="0" normalizeH="0" baseline="0" noProof="0" dirty="0">
                 <a:ln w="0"/>
                 <a:solidFill>
-                  <a:schemeClr val="accent1"/>
+                  <a:srgbClr val="4472C4"/>
                 </a:solidFill>
                 <a:effectLst>
                   <a:outerShdw blurRad="38100" dist="25400" dir="5400000" algn="ctr" rotWithShape="0">
@@ -5023,14 +7644,19 @@
                     </a:srgbClr>
                   </a:outerShdw>
                 </a:effectLst>
+                <a:uLnTx/>
+                <a:uFillTx/>
+                <a:latin typeface="Calibri" panose="020F0502020204030204"/>
+                <a:ea typeface="+mn-ea"/>
+                <a:cs typeface="+mn-cs"/>
               </a:rPr>
               <a:t> </a:t>
             </a:r>
             <a:r>
-              <a:rPr lang="sv-SE" sz="5400" b="0" cap="none" spc="0" dirty="0" err="1">
+              <a:rPr kumimoji="0" lang="sv-SE" sz="5400" b="0" i="0" u="none" strike="noStrike" kern="1200" cap="none" spc="0" normalizeH="0" baseline="0" noProof="0" dirty="0" err="1">
                 <a:ln w="0"/>
                 <a:solidFill>
-                  <a:schemeClr val="accent1"/>
+                  <a:srgbClr val="4472C4"/>
                 </a:solidFill>
                 <a:effectLst>
                   <a:outerShdw blurRad="38100" dist="25400" dir="5400000" algn="ctr" rotWithShape="0">
@@ -5039,14 +7665,19 @@
                     </a:srgbClr>
                   </a:outerShdw>
                 </a:effectLst>
+                <a:uLnTx/>
+                <a:uFillTx/>
+                <a:latin typeface="Calibri" panose="020F0502020204030204"/>
+                <a:ea typeface="+mn-ea"/>
+                <a:cs typeface="+mn-cs"/>
               </a:rPr>
               <a:t>of</a:t>
             </a:r>
             <a:r>
-              <a:rPr lang="sv-SE" sz="5400" b="0" cap="none" spc="0" dirty="0">
+              <a:rPr kumimoji="0" lang="sv-SE" sz="5400" b="0" i="0" u="none" strike="noStrike" kern="1200" cap="none" spc="0" normalizeH="0" baseline="0" noProof="0" dirty="0">
                 <a:ln w="0"/>
                 <a:solidFill>
-                  <a:schemeClr val="accent1"/>
+                  <a:srgbClr val="4472C4"/>
                 </a:solidFill>
                 <a:effectLst>
                   <a:outerShdw blurRad="38100" dist="25400" dir="5400000" algn="ctr" rotWithShape="0">
@@ -5055,14 +7686,19 @@
                     </a:srgbClr>
                   </a:outerShdw>
                 </a:effectLst>
+                <a:uLnTx/>
+                <a:uFillTx/>
+                <a:latin typeface="Calibri" panose="020F0502020204030204"/>
+                <a:ea typeface="+mn-ea"/>
+                <a:cs typeface="+mn-cs"/>
               </a:rPr>
               <a:t> spring </a:t>
             </a:r>
             <a:r>
-              <a:rPr lang="sv-SE" sz="5400" b="0" cap="none" spc="0" dirty="0" err="1">
+              <a:rPr kumimoji="0" lang="sv-SE" sz="5400" b="0" i="0" u="none" strike="noStrike" kern="1200" cap="none" spc="0" normalizeH="0" baseline="0" noProof="0" dirty="0" err="1">
                 <a:ln w="0"/>
                 <a:solidFill>
-                  <a:schemeClr val="accent1"/>
+                  <a:srgbClr val="4472C4"/>
                 </a:solidFill>
                 <a:effectLst>
                   <a:outerShdw blurRad="38100" dist="25400" dir="5400000" algn="ctr" rotWithShape="0">
@@ -5071,13 +7707,18 @@
                     </a:srgbClr>
                   </a:outerShdw>
                 </a:effectLst>
+                <a:uLnTx/>
+                <a:uFillTx/>
+                <a:latin typeface="Calibri" panose="020F0502020204030204"/>
+                <a:ea typeface="+mn-ea"/>
+                <a:cs typeface="+mn-cs"/>
               </a:rPr>
               <a:t>arrival</a:t>
             </a:r>
-            <a:endParaRPr lang="sv-SE" sz="5400" b="0" cap="none" spc="0" dirty="0">
+            <a:endParaRPr kumimoji="0" lang="sv-SE" sz="5400" b="0" i="0" u="none" strike="noStrike" kern="1200" cap="none" spc="0" normalizeH="0" baseline="0" noProof="0" dirty="0">
               <a:ln w="0"/>
               <a:solidFill>
-                <a:schemeClr val="accent1"/>
+                <a:srgbClr val="4472C4"/>
               </a:solidFill>
               <a:effectLst>
                 <a:outerShdw blurRad="38100" dist="25400" dir="5400000" algn="ctr" rotWithShape="0">
@@ -5086,6 +7727,11 @@
                   </a:srgbClr>
                 </a:outerShdw>
               </a:effectLst>
+              <a:uLnTx/>
+              <a:uFillTx/>
+              <a:latin typeface="Calibri" panose="020F0502020204030204"/>
+              <a:ea typeface="+mn-ea"/>
+              <a:cs typeface="+mn-cs"/>
             </a:endParaRPr>
           </a:p>
         </p:txBody>
@@ -5093,7 +7739,7 @@
     </p:spTree>
     <p:extLst>
       <p:ext uri="{BB962C8B-B14F-4D97-AF65-F5344CB8AC3E}">
-        <p14:creationId xmlns:p14="http://schemas.microsoft.com/office/powerpoint/2010/main" val="1280893772"/>
+        <p14:creationId xmlns:p14="http://schemas.microsoft.com/office/powerpoint/2010/main" val="2241958019"/>
       </p:ext>
     </p:extLst>
   </p:cSld>
@@ -5240,7 +7886,7 @@
             </a:r>
             <a:r>
               <a:rPr lang="sv-SE" dirty="0"/>
-              <a:t> 80 </a:t>
+              <a:t> 80, </a:t>
             </a:r>
             <a:r>
               <a:rPr lang="sv-SE" dirty="0" err="1"/>
@@ -5248,7 +7894,7 @@
             </a:r>
             <a:r>
               <a:rPr lang="sv-SE" dirty="0"/>
-              <a:t> 20th </a:t>
+              <a:t> 21th </a:t>
             </a:r>
             <a:r>
               <a:rPr lang="sv-SE" dirty="0" err="1"/>
@@ -5264,7 +7910,7 @@
             </a:r>
             <a:r>
               <a:rPr lang="sv-SE" dirty="0"/>
-              <a:t> or 21th </a:t>
+              <a:t> or 20th </a:t>
             </a:r>
             <a:r>
               <a:rPr lang="sv-SE" dirty="0" err="1"/>
@@ -5289,14 +7935,6 @@
             <a:r>
               <a:rPr lang="sv-SE" dirty="0"/>
               <a:t> </a:t>
-            </a:r>
-            <a:r>
-              <a:rPr lang="sv-SE" dirty="0" err="1"/>
-              <a:t>it’s</a:t>
-            </a:r>
-            <a:r>
-              <a:rPr lang="sv-SE" dirty="0"/>
-              <a:t> a </a:t>
             </a:r>
             <a:r>
               <a:rPr lang="sv-SE" dirty="0" err="1"/>
@@ -5361,12 +7999,28 @@
           </a:bodyPr>
           <a:lstStyle/>
           <a:p>
-            <a:pPr algn="ctr"/>
-            <a:r>
-              <a:rPr lang="sv-SE" sz="5400" dirty="0">
+            <a:pPr marL="0" marR="0" lvl="0" indent="0" algn="ctr" defTabSz="914400" rtl="0" eaLnBrk="1" fontAlgn="auto" latinLnBrk="0" hangingPunct="1">
+              <a:lnSpc>
+                <a:spcPct val="100000"/>
+              </a:lnSpc>
+              <a:spcBef>
+                <a:spcPts val="0"/>
+              </a:spcBef>
+              <a:spcAft>
+                <a:spcPts val="0"/>
+              </a:spcAft>
+              <a:buClrTx/>
+              <a:buSzTx/>
+              <a:buFontTx/>
+              <a:buNone/>
+              <a:tabLst/>
+              <a:defRPr/>
+            </a:pPr>
+            <a:r>
+              <a:rPr kumimoji="0" lang="sv-SE" sz="5400" b="0" i="0" u="none" strike="noStrike" kern="1200" cap="none" spc="0" normalizeH="0" baseline="0" noProof="0" dirty="0">
                 <a:ln w="0"/>
                 <a:solidFill>
-                  <a:schemeClr val="accent1"/>
+                  <a:srgbClr val="4472C4"/>
                 </a:solidFill>
                 <a:effectLst>
                   <a:outerShdw blurRad="38100" dist="25400" dir="5400000" algn="ctr" rotWithShape="0">
@@ -5375,14 +8029,19 @@
                     </a:srgbClr>
                   </a:outerShdw>
                 </a:effectLst>
+                <a:uLnTx/>
+                <a:uFillTx/>
+                <a:latin typeface="Calibri" panose="020F0502020204030204"/>
+                <a:ea typeface="+mn-ea"/>
+                <a:cs typeface="+mn-cs"/>
               </a:rPr>
               <a:t>Histogram </a:t>
             </a:r>
             <a:r>
-              <a:rPr lang="sv-SE" sz="5400" dirty="0" err="1">
+              <a:rPr kumimoji="0" lang="sv-SE" sz="5400" b="0" i="0" u="none" strike="noStrike" kern="1200" cap="none" spc="0" normalizeH="0" baseline="0" noProof="0" dirty="0" err="1">
                 <a:ln w="0"/>
                 <a:solidFill>
-                  <a:schemeClr val="accent1"/>
+                  <a:srgbClr val="4472C4"/>
                 </a:solidFill>
                 <a:effectLst>
                   <a:outerShdw blurRad="38100" dist="25400" dir="5400000" algn="ctr" rotWithShape="0">
@@ -5391,14 +8050,19 @@
                     </a:srgbClr>
                   </a:outerShdw>
                 </a:effectLst>
+                <a:uLnTx/>
+                <a:uFillTx/>
+                <a:latin typeface="Calibri" panose="020F0502020204030204"/>
+                <a:ea typeface="+mn-ea"/>
+                <a:cs typeface="+mn-cs"/>
               </a:rPr>
               <a:t>of</a:t>
             </a:r>
             <a:r>
-              <a:rPr lang="sv-SE" sz="5400" dirty="0">
+              <a:rPr kumimoji="0" lang="sv-SE" sz="5400" b="0" i="0" u="none" strike="noStrike" kern="1200" cap="none" spc="0" normalizeH="0" baseline="0" noProof="0" dirty="0">
                 <a:ln w="0"/>
                 <a:solidFill>
-                  <a:schemeClr val="accent1"/>
+                  <a:srgbClr val="4472C4"/>
                 </a:solidFill>
                 <a:effectLst>
                   <a:outerShdw blurRad="38100" dist="25400" dir="5400000" algn="ctr" rotWithShape="0">
@@ -5407,29 +8071,21 @@
                     </a:srgbClr>
                   </a:outerShdw>
                 </a:effectLst>
+                <a:uLnTx/>
+                <a:uFillTx/>
+                <a:latin typeface="Calibri" panose="020F0502020204030204"/>
+                <a:ea typeface="+mn-ea"/>
+                <a:cs typeface="+mn-cs"/>
               </a:rPr>
               <a:t> spring dates</a:t>
             </a:r>
-            <a:endParaRPr lang="sv-SE" sz="5400" b="0" cap="none" spc="0" dirty="0">
-              <a:ln w="0"/>
-              <a:solidFill>
-                <a:schemeClr val="accent1"/>
-              </a:solidFill>
-              <a:effectLst>
-                <a:outerShdw blurRad="38100" dist="25400" dir="5400000" algn="ctr" rotWithShape="0">
-                  <a:srgbClr val="6E747A">
-                    <a:alpha val="43000"/>
-                  </a:srgbClr>
-                </a:outerShdw>
-              </a:effectLst>
-            </a:endParaRPr>
           </a:p>
         </p:txBody>
       </p:sp>
     </p:spTree>
     <p:extLst>
       <p:ext uri="{BB962C8B-B14F-4D97-AF65-F5344CB8AC3E}">
-        <p14:creationId xmlns:p14="http://schemas.microsoft.com/office/powerpoint/2010/main" val="1781056151"/>
+        <p14:creationId xmlns:p14="http://schemas.microsoft.com/office/powerpoint/2010/main" val="1635935105"/>
       </p:ext>
     </p:extLst>
   </p:cSld>
@@ -5646,7 +8302,23 @@
               </a:bodyPr>
               <a:lstStyle/>
               <a:p>
-                <a:pPr/>
+                <a:pPr marL="0" marR="0" lvl="0" indent="0" algn="l" defTabSz="914400" rtl="0" eaLnBrk="1" fontAlgn="auto" latinLnBrk="0" hangingPunct="1">
+                  <a:lnSpc>
+                    <a:spcPct val="100000"/>
+                  </a:lnSpc>
+                  <a:spcBef>
+                    <a:spcPts val="0"/>
+                  </a:spcBef>
+                  <a:spcAft>
+                    <a:spcPts val="0"/>
+                  </a:spcAft>
+                  <a:buClrTx/>
+                  <a:buSzTx/>
+                  <a:buFontTx/>
+                  <a:buNone/>
+                  <a:tabLst/>
+                  <a:defRPr/>
+                </a:pPr>
                 <a14:m>
                   <m:oMathPara xmlns:m="http://schemas.openxmlformats.org/officeDocument/2006/math">
                     <m:oMathParaPr>
@@ -5654,82 +8326,182 @@
                     </m:oMathParaPr>
                     <m:oMath xmlns:m="http://schemas.openxmlformats.org/officeDocument/2006/math">
                       <m:r>
-                        <a:rPr lang="sv-SE" b="0" i="1" smtClean="0">
+                        <a:rPr kumimoji="0" lang="sv-SE" sz="1800" b="0" i="1" u="none" strike="noStrike" kern="1200" cap="none" spc="0" normalizeH="0" baseline="0" noProof="0" smtClean="0">
+                          <a:ln>
+                            <a:noFill/>
+                          </a:ln>
+                          <a:solidFill>
+                            <a:prstClr val="black"/>
+                          </a:solidFill>
+                          <a:effectLst/>
+                          <a:uLnTx/>
+                          <a:uFillTx/>
                           <a:latin typeface="Cambria Math" panose="02040503050406030204" pitchFamily="18" charset="0"/>
                           <a:ea typeface="Cambria Math" panose="02040503050406030204" pitchFamily="18" charset="0"/>
+                          <a:cs typeface="+mn-cs"/>
                         </a:rPr>
                         <m:t>𝑓</m:t>
                       </m:r>
                       <m:d>
                         <m:dPr>
                           <m:ctrlPr>
-                            <a:rPr lang="sv-SE" b="0" i="1" smtClean="0">
+                            <a:rPr kumimoji="0" lang="sv-SE" sz="1800" b="0" i="1" u="none" strike="noStrike" kern="1200" cap="none" spc="0" normalizeH="0" baseline="0" noProof="0" smtClean="0">
+                              <a:ln>
+                                <a:noFill/>
+                              </a:ln>
+                              <a:solidFill>
+                                <a:prstClr val="black"/>
+                              </a:solidFill>
+                              <a:effectLst/>
+                              <a:uLnTx/>
+                              <a:uFillTx/>
                               <a:latin typeface="Cambria Math" panose="02040503050406030204" pitchFamily="18" charset="0"/>
                               <a:ea typeface="Cambria Math" panose="02040503050406030204" pitchFamily="18" charset="0"/>
+                              <a:cs typeface="+mn-cs"/>
                             </a:rPr>
                           </m:ctrlPr>
                         </m:dPr>
                         <m:e>
                           <m:r>
-                            <a:rPr lang="sv-SE" b="0" i="1" smtClean="0">
+                            <a:rPr kumimoji="0" lang="sv-SE" sz="1800" b="0" i="1" u="none" strike="noStrike" kern="1200" cap="none" spc="0" normalizeH="0" baseline="0" noProof="0" smtClean="0">
+                              <a:ln>
+                                <a:noFill/>
+                              </a:ln>
+                              <a:solidFill>
+                                <a:prstClr val="black"/>
+                              </a:solidFill>
+                              <a:effectLst/>
+                              <a:uLnTx/>
+                              <a:uFillTx/>
                               <a:latin typeface="Cambria Math" panose="02040503050406030204" pitchFamily="18" charset="0"/>
                               <a:ea typeface="Cambria Math" panose="02040503050406030204" pitchFamily="18" charset="0"/>
+                              <a:cs typeface="+mn-cs"/>
                             </a:rPr>
                             <m:t>𝑥</m:t>
                           </m:r>
                         </m:e>
                       </m:d>
                       <m:r>
-                        <a:rPr lang="sv-SE" b="0" i="1" smtClean="0">
+                        <a:rPr kumimoji="0" lang="sv-SE" sz="1800" b="0" i="1" u="none" strike="noStrike" kern="1200" cap="none" spc="0" normalizeH="0" baseline="0" noProof="0" smtClean="0">
+                          <a:ln>
+                            <a:noFill/>
+                          </a:ln>
+                          <a:solidFill>
+                            <a:prstClr val="black"/>
+                          </a:solidFill>
+                          <a:effectLst/>
+                          <a:uLnTx/>
+                          <a:uFillTx/>
                           <a:latin typeface="Cambria Math" panose="02040503050406030204" pitchFamily="18" charset="0"/>
                           <a:ea typeface="Cambria Math" panose="02040503050406030204" pitchFamily="18" charset="0"/>
+                          <a:cs typeface="+mn-cs"/>
                         </a:rPr>
                         <m:t>=</m:t>
                       </m:r>
                       <m:r>
-                        <a:rPr lang="sv-SE" i="1" smtClean="0">
+                        <a:rPr kumimoji="0" lang="sv-SE" sz="1800" b="0" i="1" u="none" strike="noStrike" kern="1200" cap="none" spc="0" normalizeH="0" baseline="0" noProof="0" smtClean="0">
+                          <a:ln>
+                            <a:noFill/>
+                          </a:ln>
+                          <a:solidFill>
+                            <a:prstClr val="black"/>
+                          </a:solidFill>
+                          <a:effectLst/>
+                          <a:uLnTx/>
+                          <a:uFillTx/>
                           <a:latin typeface="Cambria Math" panose="02040503050406030204" pitchFamily="18" charset="0"/>
                           <a:ea typeface="Cambria Math" panose="02040503050406030204" pitchFamily="18" charset="0"/>
+                          <a:cs typeface="+mn-cs"/>
                         </a:rPr>
                         <m:t>𝛼</m:t>
                       </m:r>
                       <m:sSup>
                         <m:sSupPr>
                           <m:ctrlPr>
-                            <a:rPr lang="sv-SE" i="1" smtClean="0">
+                            <a:rPr kumimoji="0" lang="sv-SE" sz="1800" b="0" i="1" u="none" strike="noStrike" kern="1200" cap="none" spc="0" normalizeH="0" baseline="0" noProof="0" smtClean="0">
+                              <a:ln>
+                                <a:noFill/>
+                              </a:ln>
+                              <a:solidFill>
+                                <a:prstClr val="black"/>
+                              </a:solidFill>
+                              <a:effectLst/>
+                              <a:uLnTx/>
+                              <a:uFillTx/>
                               <a:latin typeface="Cambria Math" panose="02040503050406030204" pitchFamily="18" charset="0"/>
                               <a:ea typeface="Cambria Math" panose="02040503050406030204" pitchFamily="18" charset="0"/>
+                              <a:cs typeface="+mn-cs"/>
                             </a:rPr>
                           </m:ctrlPr>
                         </m:sSupPr>
                         <m:e>
                           <m:r>
-                            <a:rPr lang="sv-SE" b="0" i="1" smtClean="0">
+                            <a:rPr kumimoji="0" lang="sv-SE" sz="1800" b="0" i="1" u="none" strike="noStrike" kern="1200" cap="none" spc="0" normalizeH="0" baseline="0" noProof="0" smtClean="0">
+                              <a:ln>
+                                <a:noFill/>
+                              </a:ln>
+                              <a:solidFill>
+                                <a:prstClr val="black"/>
+                              </a:solidFill>
+                              <a:effectLst/>
+                              <a:uLnTx/>
+                              <a:uFillTx/>
                               <a:latin typeface="Cambria Math" panose="02040503050406030204" pitchFamily="18" charset="0"/>
                               <a:ea typeface="Cambria Math" panose="02040503050406030204" pitchFamily="18" charset="0"/>
+                              <a:cs typeface="+mn-cs"/>
                             </a:rPr>
                             <m:t>𝑒</m:t>
                           </m:r>
                         </m:e>
                         <m:sup>
                           <m:r>
-                            <a:rPr lang="sv-SE" b="0" i="1" smtClean="0">
+                            <a:rPr kumimoji="0" lang="sv-SE" sz="1800" b="0" i="1" u="none" strike="noStrike" kern="1200" cap="none" spc="0" normalizeH="0" baseline="0" noProof="0" smtClean="0">
+                              <a:ln>
+                                <a:noFill/>
+                              </a:ln>
+                              <a:solidFill>
+                                <a:prstClr val="black"/>
+                              </a:solidFill>
+                              <a:effectLst/>
+                              <a:uLnTx/>
+                              <a:uFillTx/>
                               <a:latin typeface="Cambria Math" panose="02040503050406030204" pitchFamily="18" charset="0"/>
                               <a:ea typeface="Cambria Math" panose="02040503050406030204" pitchFamily="18" charset="0"/>
+                              <a:cs typeface="+mn-cs"/>
                             </a:rPr>
                             <m:t>−</m:t>
                           </m:r>
                           <m:r>
-                            <a:rPr lang="sv-SE" b="0" i="1" smtClean="0">
+                            <a:rPr kumimoji="0" lang="sv-SE" sz="1800" b="0" i="1" u="none" strike="noStrike" kern="1200" cap="none" spc="0" normalizeH="0" baseline="0" noProof="0" smtClean="0">
+                              <a:ln>
+                                <a:noFill/>
+                              </a:ln>
+                              <a:solidFill>
+                                <a:prstClr val="black"/>
+                              </a:solidFill>
+                              <a:effectLst/>
+                              <a:uLnTx/>
+                              <a:uFillTx/>
                               <a:latin typeface="Cambria Math" panose="02040503050406030204" pitchFamily="18" charset="0"/>
                               <a:ea typeface="Cambria Math" panose="02040503050406030204" pitchFamily="18" charset="0"/>
+                              <a:cs typeface="+mn-cs"/>
                             </a:rPr>
                             <m:t>𝜆</m:t>
                           </m:r>
                           <m:r>
-                            <a:rPr lang="sv-SE" b="0" i="1" smtClean="0">
+                            <a:rPr kumimoji="0" lang="sv-SE" sz="1800" b="0" i="1" u="none" strike="noStrike" kern="1200" cap="none" spc="0" normalizeH="0" baseline="0" noProof="0" smtClean="0">
+                              <a:ln>
+                                <a:noFill/>
+                              </a:ln>
+                              <a:solidFill>
+                                <a:prstClr val="black"/>
+                              </a:solidFill>
+                              <a:effectLst/>
+                              <a:uLnTx/>
+                              <a:uFillTx/>
                               <a:latin typeface="Cambria Math" panose="02040503050406030204" pitchFamily="18" charset="0"/>
                               <a:ea typeface="Cambria Math" panose="02040503050406030204" pitchFamily="18" charset="0"/>
+                              <a:cs typeface="+mn-cs"/>
                             </a:rPr>
                             <m:t>𝑥</m:t>
                           </m:r>
@@ -5738,7 +8510,20 @@
                     </m:oMath>
                   </m:oMathPara>
                 </a14:m>
-                <a:endParaRPr lang="sv-SE" dirty="0"/>
+                <a:endParaRPr kumimoji="0" lang="sv-SE" sz="1800" b="0" i="0" u="none" strike="noStrike" kern="1200" cap="none" spc="0" normalizeH="0" baseline="0" noProof="0" dirty="0">
+                  <a:ln>
+                    <a:noFill/>
+                  </a:ln>
+                  <a:solidFill>
+                    <a:prstClr val="black"/>
+                  </a:solidFill>
+                  <a:effectLst/>
+                  <a:uLnTx/>
+                  <a:uFillTx/>
+                  <a:latin typeface="Calibri" panose="020F0502020204030204"/>
+                  <a:ea typeface="+mn-ea"/>
+                  <a:cs typeface="+mn-cs"/>
+                </a:endParaRPr>
               </a:p>
             </p:txBody>
           </p:sp>
@@ -5816,12 +8601,28 @@
           </a:bodyPr>
           <a:lstStyle/>
           <a:p>
-            <a:pPr algn="ctr"/>
-            <a:r>
-              <a:rPr lang="sv-SE" sz="5400" b="0" cap="none" spc="0" dirty="0" err="1">
+            <a:pPr marL="0" marR="0" lvl="0" indent="0" algn="ctr" defTabSz="914400" rtl="0" eaLnBrk="1" fontAlgn="auto" latinLnBrk="0" hangingPunct="1">
+              <a:lnSpc>
+                <a:spcPct val="100000"/>
+              </a:lnSpc>
+              <a:spcBef>
+                <a:spcPts val="0"/>
+              </a:spcBef>
+              <a:spcAft>
+                <a:spcPts val="0"/>
+              </a:spcAft>
+              <a:buClrTx/>
+              <a:buSzTx/>
+              <a:buFontTx/>
+              <a:buNone/>
+              <a:tabLst/>
+              <a:defRPr/>
+            </a:pPr>
+            <a:r>
+              <a:rPr kumimoji="0" lang="sv-SE" sz="5400" b="0" i="0" u="none" strike="noStrike" kern="1200" cap="none" spc="0" normalizeH="0" baseline="0" noProof="0" dirty="0" err="1">
                 <a:ln w="0"/>
                 <a:solidFill>
-                  <a:schemeClr val="accent1"/>
+                  <a:srgbClr val="4472C4"/>
                 </a:solidFill>
                 <a:effectLst>
                   <a:outerShdw blurRad="38100" dist="25400" dir="5400000" algn="ctr" rotWithShape="0">
@@ -5830,14 +8631,19 @@
                     </a:srgbClr>
                   </a:outerShdw>
                 </a:effectLst>
+                <a:uLnTx/>
+                <a:uFillTx/>
+                <a:latin typeface="Calibri" panose="020F0502020204030204"/>
+                <a:ea typeface="+mn-ea"/>
+                <a:cs typeface="+mn-cs"/>
               </a:rPr>
               <a:t>Temperature</a:t>
             </a:r>
             <a:r>
-              <a:rPr lang="sv-SE" sz="5400" dirty="0">
+              <a:rPr kumimoji="0" lang="sv-SE" sz="5400" b="0" i="0" u="none" strike="noStrike" kern="1200" cap="none" spc="0" normalizeH="0" baseline="0" noProof="0" dirty="0">
                 <a:ln w="0"/>
                 <a:solidFill>
-                  <a:schemeClr val="accent1"/>
+                  <a:srgbClr val="4472C4"/>
                 </a:solidFill>
                 <a:effectLst>
                   <a:outerShdw blurRad="38100" dist="25400" dir="5400000" algn="ctr" rotWithShape="0">
@@ -5846,14 +8652,19 @@
                     </a:srgbClr>
                   </a:outerShdw>
                 </a:effectLst>
+                <a:uLnTx/>
+                <a:uFillTx/>
+                <a:latin typeface="Calibri" panose="020F0502020204030204"/>
+                <a:ea typeface="+mn-ea"/>
+                <a:cs typeface="+mn-cs"/>
               </a:rPr>
               <a:t> </a:t>
             </a:r>
             <a:r>
-              <a:rPr lang="sv-SE" sz="5400" b="0" cap="none" spc="0" dirty="0" err="1">
+              <a:rPr kumimoji="0" lang="sv-SE" sz="5400" b="0" i="0" u="none" strike="noStrike" kern="1200" cap="none" spc="0" normalizeH="0" baseline="0" noProof="0" dirty="0" err="1">
                 <a:ln w="0"/>
                 <a:solidFill>
-                  <a:schemeClr val="accent1"/>
+                  <a:srgbClr val="4472C4"/>
                 </a:solidFill>
                 <a:effectLst>
                   <a:outerShdw blurRad="38100" dist="25400" dir="5400000" algn="ctr" rotWithShape="0">
@@ -5862,14 +8673,19 @@
                     </a:srgbClr>
                   </a:outerShdw>
                 </a:effectLst>
+                <a:uLnTx/>
+                <a:uFillTx/>
+                <a:latin typeface="Calibri" panose="020F0502020204030204"/>
+                <a:ea typeface="+mn-ea"/>
+                <a:cs typeface="+mn-cs"/>
               </a:rPr>
               <a:t>of</a:t>
             </a:r>
             <a:r>
-              <a:rPr lang="sv-SE" sz="5400" b="0" cap="none" spc="0" dirty="0">
+              <a:rPr kumimoji="0" lang="sv-SE" sz="5400" b="0" i="0" u="none" strike="noStrike" kern="1200" cap="none" spc="0" normalizeH="0" baseline="0" noProof="0" dirty="0">
                 <a:ln w="0"/>
                 <a:solidFill>
-                  <a:schemeClr val="accent1"/>
+                  <a:srgbClr val="4472C4"/>
                 </a:solidFill>
                 <a:effectLst>
                   <a:outerShdw blurRad="38100" dist="25400" dir="5400000" algn="ctr" rotWithShape="0">
@@ -5878,14 +8694,19 @@
                     </a:srgbClr>
                   </a:outerShdw>
                 </a:effectLst>
+                <a:uLnTx/>
+                <a:uFillTx/>
+                <a:latin typeface="Calibri" panose="020F0502020204030204"/>
+                <a:ea typeface="+mn-ea"/>
+                <a:cs typeface="+mn-cs"/>
               </a:rPr>
               <a:t> </a:t>
             </a:r>
             <a:r>
-              <a:rPr lang="sv-SE" sz="5400" b="0" cap="none" spc="0" dirty="0" err="1">
+              <a:rPr kumimoji="0" lang="sv-SE" sz="5400" b="0" i="0" u="none" strike="noStrike" kern="1200" cap="none" spc="0" normalizeH="0" baseline="0" noProof="0" dirty="0" err="1">
                 <a:ln w="0"/>
                 <a:solidFill>
-                  <a:schemeClr val="accent1"/>
+                  <a:srgbClr val="4472C4"/>
                 </a:solidFill>
                 <a:effectLst>
                   <a:outerShdw blurRad="38100" dist="25400" dir="5400000" algn="ctr" rotWithShape="0">
@@ -5894,14 +8715,19 @@
                     </a:srgbClr>
                   </a:outerShdw>
                 </a:effectLst>
+                <a:uLnTx/>
+                <a:uFillTx/>
+                <a:latin typeface="Calibri" panose="020F0502020204030204"/>
+                <a:ea typeface="+mn-ea"/>
+                <a:cs typeface="+mn-cs"/>
               </a:rPr>
               <a:t>determined</a:t>
             </a:r>
             <a:r>
-              <a:rPr lang="sv-SE" sz="5400" b="0" cap="none" spc="0" dirty="0">
+              <a:rPr kumimoji="0" lang="sv-SE" sz="5400" b="0" i="0" u="none" strike="noStrike" kern="1200" cap="none" spc="0" normalizeH="0" baseline="0" noProof="0" dirty="0">
                 <a:ln w="0"/>
                 <a:solidFill>
-                  <a:schemeClr val="accent1"/>
+                  <a:srgbClr val="4472C4"/>
                 </a:solidFill>
                 <a:effectLst>
                   <a:outerShdw blurRad="38100" dist="25400" dir="5400000" algn="ctr" rotWithShape="0">
@@ -5910,6 +8736,11 @@
                     </a:srgbClr>
                   </a:outerShdw>
                 </a:effectLst>
+                <a:uLnTx/>
+                <a:uFillTx/>
+                <a:latin typeface="Calibri" panose="020F0502020204030204"/>
+                <a:ea typeface="+mn-ea"/>
+                <a:cs typeface="+mn-cs"/>
               </a:rPr>
               <a:t> dates</a:t>
             </a:r>
@@ -5919,7 +8750,7 @@
     </p:spTree>
     <p:extLst>
       <p:ext uri="{BB962C8B-B14F-4D97-AF65-F5344CB8AC3E}">
-        <p14:creationId xmlns:p14="http://schemas.microsoft.com/office/powerpoint/2010/main" val="2535347206"/>
+        <p14:creationId xmlns:p14="http://schemas.microsoft.com/office/powerpoint/2010/main" val="480455915"/>
       </p:ext>
     </p:extLst>
   </p:cSld>
@@ -6155,6 +8986,183 @@
           </a:bodyPr>
           <a:lstStyle/>
           <a:p>
+            <a:pPr marL="0" marR="0" lvl="0" indent="0" algn="ctr" defTabSz="914400" rtl="0" eaLnBrk="1" fontAlgn="auto" latinLnBrk="0" hangingPunct="1">
+              <a:lnSpc>
+                <a:spcPct val="100000"/>
+              </a:lnSpc>
+              <a:spcBef>
+                <a:spcPts val="0"/>
+              </a:spcBef>
+              <a:spcAft>
+                <a:spcPts val="0"/>
+              </a:spcAft>
+              <a:buClrTx/>
+              <a:buSzTx/>
+              <a:buFontTx/>
+              <a:buNone/>
+              <a:tabLst/>
+              <a:defRPr/>
+            </a:pPr>
+            <a:r>
+              <a:rPr kumimoji="0" lang="sv-SE" sz="5400" b="0" i="0" u="none" strike="noStrike" kern="1200" cap="none" spc="0" normalizeH="0" baseline="0" noProof="0" dirty="0" err="1">
+                <a:ln w="0"/>
+                <a:solidFill>
+                  <a:srgbClr val="4472C4"/>
+                </a:solidFill>
+                <a:effectLst>
+                  <a:outerShdw blurRad="38100" dist="25400" dir="5400000" algn="ctr" rotWithShape="0">
+                    <a:srgbClr val="6E747A">
+                      <a:alpha val="43000"/>
+                    </a:srgbClr>
+                  </a:outerShdw>
+                </a:effectLst>
+                <a:uLnTx/>
+                <a:uFillTx/>
+                <a:latin typeface="Calibri" panose="020F0502020204030204"/>
+                <a:ea typeface="+mn-ea"/>
+                <a:cs typeface="+mn-cs"/>
+              </a:rPr>
+              <a:t>Code</a:t>
+            </a:r>
+            <a:endParaRPr kumimoji="0" lang="sv-SE" sz="5400" b="0" i="0" u="none" strike="noStrike" kern="1200" cap="none" spc="0" normalizeH="0" baseline="0" noProof="0" dirty="0">
+              <a:ln w="0"/>
+              <a:solidFill>
+                <a:srgbClr val="4472C4"/>
+              </a:solidFill>
+              <a:effectLst>
+                <a:outerShdw blurRad="38100" dist="25400" dir="5400000" algn="ctr" rotWithShape="0">
+                  <a:srgbClr val="6E747A">
+                    <a:alpha val="43000"/>
+                  </a:srgbClr>
+                </a:outerShdw>
+              </a:effectLst>
+              <a:uLnTx/>
+              <a:uFillTx/>
+              <a:latin typeface="Calibri" panose="020F0502020204030204"/>
+              <a:ea typeface="+mn-ea"/>
+              <a:cs typeface="+mn-cs"/>
+            </a:endParaRPr>
+          </a:p>
+        </p:txBody>
+      </p:sp>
+    </p:spTree>
+    <p:extLst>
+      <p:ext uri="{BB962C8B-B14F-4D97-AF65-F5344CB8AC3E}">
+        <p14:creationId xmlns:p14="http://schemas.microsoft.com/office/powerpoint/2010/main" val="7399392"/>
+      </p:ext>
+    </p:extLst>
+  </p:cSld>
+  <p:clrMapOvr>
+    <a:masterClrMapping/>
+  </p:clrMapOvr>
+</p:sld>
+</file>
+
+<file path=ppt/slides/slide25.xml><?xml version="1.0" encoding="utf-8"?>
+<p:sld xmlns:a="http://schemas.openxmlformats.org/drawingml/2006/main" xmlns:r="http://schemas.openxmlformats.org/officeDocument/2006/relationships" xmlns:p="http://schemas.openxmlformats.org/presentationml/2006/main">
+  <p:cSld>
+    <p:spTree>
+      <p:nvGrpSpPr>
+        <p:cNvPr id="1" name=""/>
+        <p:cNvGrpSpPr/>
+        <p:nvPr/>
+      </p:nvGrpSpPr>
+      <p:grpSpPr>
+        <a:xfrm>
+          <a:off x="0" y="0"/>
+          <a:ext cx="0" cy="0"/>
+          <a:chOff x="0" y="0"/>
+          <a:chExt cx="0" cy="0"/>
+        </a:xfrm>
+      </p:grpSpPr>
+      <p:sp>
+        <p:nvSpPr>
+          <p:cNvPr id="6" name="Underrubrik 5">
+            <a:extLst>
+              <a:ext uri="{FF2B5EF4-FFF2-40B4-BE49-F238E27FC236}">
+                <a16:creationId xmlns:a16="http://schemas.microsoft.com/office/drawing/2014/main" id="{943C1AC6-1869-4B15-8181-107D7CD97753}"/>
+              </a:ext>
+            </a:extLst>
+          </p:cNvPr>
+          <p:cNvSpPr>
+            <a:spLocks noGrp="1"/>
+          </p:cNvSpPr>
+          <p:nvPr>
+            <p:ph type="subTitle" idx="1"/>
+          </p:nvPr>
+        </p:nvSpPr>
+        <p:spPr>
+          <a:xfrm>
+            <a:off x="1524000" y="4903299"/>
+            <a:ext cx="9144000" cy="1655762"/>
+          </a:xfrm>
+        </p:spPr>
+        <p:txBody>
+          <a:bodyPr/>
+          <a:lstStyle/>
+          <a:p>
+            <a:r>
+              <a:rPr lang="sv-SE" dirty="0" err="1"/>
+              <a:t>References</a:t>
+            </a:r>
+            <a:r>
+              <a:rPr lang="sv-SE" dirty="0"/>
+              <a:t>: </a:t>
+            </a:r>
+            <a:r>
+              <a:rPr lang="sv-SE" dirty="0">
+                <a:hlinkClick r:id="rId2"/>
+              </a:rPr>
+              <a:t>https://www.smhi.se</a:t>
+            </a:r>
+            <a:endParaRPr lang="sv-SE" dirty="0"/>
+          </a:p>
+          <a:p>
+            <a:r>
+              <a:rPr lang="sv-SE" dirty="0">
+                <a:hlinkClick r:id="rId3"/>
+              </a:rPr>
+              <a:t>https://www.epochconverter.com/days/2017</a:t>
+            </a:r>
+            <a:endParaRPr lang="sv-SE" dirty="0"/>
+          </a:p>
+          <a:p>
+            <a:endParaRPr lang="sv-SE" dirty="0"/>
+          </a:p>
+        </p:txBody>
+      </p:sp>
+      <p:sp>
+        <p:nvSpPr>
+          <p:cNvPr id="7" name="Rubrik 6">
+            <a:extLst>
+              <a:ext uri="{FF2B5EF4-FFF2-40B4-BE49-F238E27FC236}">
+                <a16:creationId xmlns:a16="http://schemas.microsoft.com/office/drawing/2014/main" id="{DB25A4A8-BA00-4727-953D-E6B1198F86F2}"/>
+              </a:ext>
+            </a:extLst>
+          </p:cNvPr>
+          <p:cNvSpPr>
+            <a:spLocks noGrp="1"/>
+          </p:cNvSpPr>
+          <p:nvPr>
+            <p:ph type="ctrTitle"/>
+          </p:nvPr>
+        </p:nvSpPr>
+        <p:spPr>
+          <a:xfrm>
+            <a:off x="2862839" y="964025"/>
+            <a:ext cx="6466322" cy="840230"/>
+          </a:xfrm>
+          <a:prstGeom prst="rect">
+            <a:avLst/>
+          </a:prstGeom>
+          <a:noFill/>
+        </p:spPr>
+        <p:txBody>
+          <a:bodyPr wrap="none" lIns="91440" tIns="45720" rIns="91440" bIns="45720">
+            <a:spAutoFit/>
+          </a:bodyPr>
+          <a:lstStyle/>
+          <a:p>
             <a:pPr algn="ctr"/>
             <a:r>
               <a:rPr lang="sv-SE" sz="5400" b="0" cap="none" spc="0" dirty="0" err="1">
@@ -6170,7 +9178,71 @@
                   </a:outerShdw>
                 </a:effectLst>
               </a:rPr>
-              <a:t>Code</a:t>
+              <a:t>Thank</a:t>
+            </a:r>
+            <a:r>
+              <a:rPr lang="sv-SE" sz="5400" b="0" cap="none" spc="0" dirty="0">
+                <a:ln w="0"/>
+                <a:solidFill>
+                  <a:schemeClr val="accent1"/>
+                </a:solidFill>
+                <a:effectLst>
+                  <a:outerShdw blurRad="38100" dist="25400" dir="5400000" algn="ctr" rotWithShape="0">
+                    <a:srgbClr val="6E747A">
+                      <a:alpha val="43000"/>
+                    </a:srgbClr>
+                  </a:outerShdw>
+                </a:effectLst>
+              </a:rPr>
+              <a:t> </a:t>
+            </a:r>
+            <a:r>
+              <a:rPr lang="sv-SE" sz="5400" b="0" cap="none" spc="0" dirty="0" err="1">
+                <a:ln w="0"/>
+                <a:solidFill>
+                  <a:schemeClr val="accent1"/>
+                </a:solidFill>
+                <a:effectLst>
+                  <a:outerShdw blurRad="38100" dist="25400" dir="5400000" algn="ctr" rotWithShape="0">
+                    <a:srgbClr val="6E747A">
+                      <a:alpha val="43000"/>
+                    </a:srgbClr>
+                  </a:outerShdw>
+                </a:effectLst>
+              </a:rPr>
+              <a:t>you</a:t>
+            </a:r>
+            <a:r>
+              <a:rPr lang="sv-SE" sz="5400" dirty="0">
+                <a:ln w="0"/>
+                <a:solidFill>
+                  <a:schemeClr val="accent1"/>
+                </a:solidFill>
+                <a:effectLst>
+                  <a:outerShdw blurRad="38100" dist="25400" dir="5400000" algn="ctr" rotWithShape="0">
+                    <a:srgbClr val="6E747A">
+                      <a:alpha val="43000"/>
+                    </a:srgbClr>
+                  </a:outerShdw>
+                </a:effectLst>
+              </a:rPr>
+              <a:t> for </a:t>
+            </a:r>
+            <a:r>
+              <a:rPr lang="sv-SE" sz="5400" dirty="0" err="1">
+                <a:ln w="0"/>
+                <a:solidFill>
+                  <a:schemeClr val="accent1"/>
+                </a:solidFill>
+                <a:effectLst>
+                  <a:outerShdw blurRad="38100" dist="25400" dir="5400000" algn="ctr" rotWithShape="0">
+                    <a:srgbClr val="6E747A">
+                      <a:alpha val="43000"/>
+                    </a:srgbClr>
+                  </a:outerShdw>
+                </a:effectLst>
+              </a:rPr>
+              <a:t>listening</a:t>
             </a:r>
             <a:endParaRPr lang="sv-SE" sz="5400" b="0" cap="none" spc="0" dirty="0">
               <a:ln w="0"/>
@@ -6191,7 +9263,7 @@
     </p:spTree>
     <p:extLst>
       <p:ext uri="{BB962C8B-B14F-4D97-AF65-F5344CB8AC3E}">
-        <p14:creationId xmlns:p14="http://schemas.microsoft.com/office/powerpoint/2010/main" val="4294690677"/>
+        <p14:creationId xmlns:p14="http://schemas.microsoft.com/office/powerpoint/2010/main" val="4176662756"/>
       </p:ext>
     </p:extLst>
   </p:cSld>
@@ -7020,4 +10092,582 @@
     </a:ext>
   </a:extLst>
 </a:theme>
+</file>
+
+<file path=ppt/theme/theme2.xml><?xml version="1.0" encoding="utf-8"?>
+<a:theme xmlns:a="http://schemas.openxmlformats.org/drawingml/2006/main" name="Office-tema">
+  <a:themeElements>
+    <a:clrScheme name="Office">
+      <a:dk1>
+        <a:sysClr val="windowText" lastClr="000000"/>
+      </a:dk1>
+      <a:lt1>
+        <a:sysClr val="window" lastClr="FFFFFF"/>
+      </a:lt1>
+      <a:dk2>
+        <a:srgbClr val="44546A"/>
+      </a:dk2>
+      <a:lt2>
+        <a:srgbClr val="E7E6E6"/>
+      </a:lt2>
+      <a:accent1>
+        <a:srgbClr val="4472C4"/>
+      </a:accent1>
+      <a:accent2>
+        <a:srgbClr val="ED7D31"/>
+      </a:accent2>
+      <a:accent3>
+        <a:srgbClr val="A5A5A5"/>
+      </a:accent3>
+      <a:accent4>
+        <a:srgbClr val="FFC000"/>
+      </a:accent4>
+      <a:accent5>
+        <a:srgbClr val="5B9BD5"/>
+      </a:accent5>
+      <a:accent6>
+        <a:srgbClr val="70AD47"/>
+      </a:accent6>
+      <a:hlink>
+        <a:srgbClr val="0563C1"/>
+      </a:hlink>
+      <a:folHlink>
+        <a:srgbClr val="954F72"/>
+      </a:folHlink>
+    </a:clrScheme>
+    <a:fontScheme name="Office">
+      <a:majorFont>
+        <a:latin typeface="Calibri Light" panose="020F0302020204030204"/>
+        <a:ea typeface=""/>
+        <a:cs typeface=""/>
+        <a:font script="Jpan" typeface="游ゴシック Light"/>
+        <a:font script="Hang" typeface="맑은 고딕"/>
+        <a:font script="Hans" typeface="等线 Light"/>
+        <a:font script="Hant" typeface="新細明體"/>
+        <a:font script="Arab" typeface="Times New Roman"/>
+        <a:font script="Hebr" typeface="Times New Roman"/>
+        <a:font script="Thai" typeface="Angsana New"/>
+        <a:font script="Ethi" typeface="Nyala"/>
+        <a:font script="Beng" typeface="Vrinda"/>
+        <a:font script="Gujr" typeface="Shruti"/>
+        <a:font script="Khmr" typeface="MoolBoran"/>
+        <a:font script="Knda" typeface="Tunga"/>
+        <a:font script="Guru" typeface="Raavi"/>
+        <a:font script="Cans" typeface="Euphemia"/>
+        <a:font script="Cher" typeface="Plantagenet Cherokee"/>
+        <a:font script="Yiii" typeface="Microsoft Yi Baiti"/>
+        <a:font script="Tibt" typeface="Microsoft Himalaya"/>
+        <a:font script="Thaa" typeface="MV Boli"/>
+        <a:font script="Deva" typeface="Mangal"/>
+        <a:font script="Telu" typeface="Gautami"/>
+        <a:font script="Taml" typeface="Latha"/>
+        <a:font script="Syrc" typeface="Estrangelo Edessa"/>
+        <a:font script="Orya" typeface="Kalinga"/>
+        <a:font script="Mlym" typeface="Kartika"/>
+        <a:font script="Laoo" typeface="DokChampa"/>
+        <a:font script="Sinh" typeface="Iskoola Pota"/>
+        <a:font script="Mong" typeface="Mongolian Baiti"/>
+        <a:font script="Viet" typeface="Times New Roman"/>
+        <a:font script="Uigh" typeface="Microsoft Uighur"/>
+        <a:font script="Geor" typeface="Sylfaen"/>
+        <a:font script="Armn" typeface="Arial"/>
+        <a:font script="Bugi" typeface="Leelawadee UI"/>
+        <a:font script="Bopo" typeface="Microsoft JhengHei"/>
+        <a:font script="Java" typeface="Javanese Text"/>
+        <a:font script="Lisu" typeface="Segoe UI"/>
+        <a:font script="Mymr" typeface="Myanmar Text"/>
+        <a:font script="Nkoo" typeface="Ebrima"/>
+        <a:font script="Olck" typeface="Nirmala UI"/>
+        <a:font script="Osma" typeface="Ebrima"/>
+        <a:font script="Phag" typeface="Phagspa"/>
+        <a:font script="Syrn" typeface="Estrangelo Edessa"/>
+        <a:font script="Syrj" typeface="Estrangelo Edessa"/>
+        <a:font script="Syre" typeface="Estrangelo Edessa"/>
+        <a:font script="Sora" typeface="Nirmala UI"/>
+        <a:font script="Tale" typeface="Microsoft Tai Le"/>
+        <a:font script="Talu" typeface="Microsoft New Tai Lue"/>
+        <a:font script="Tfng" typeface="Ebrima"/>
+      </a:majorFont>
+      <a:minorFont>
+        <a:latin typeface="Calibri" panose="020F0502020204030204"/>
+        <a:ea typeface=""/>
+        <a:cs typeface=""/>
+        <a:font script="Jpan" typeface="游ゴシック"/>
+        <a:font script="Hang" typeface="맑은 고딕"/>
+        <a:font script="Hans" typeface="等线"/>
+        <a:font script="Hant" typeface="新細明體"/>
+        <a:font script="Arab" typeface="Arial"/>
+        <a:font script="Hebr" typeface="Arial"/>
+        <a:font script="Thai" typeface="Cordia New"/>
+        <a:font script="Ethi" typeface="Nyala"/>
+        <a:font script="Beng" typeface="Vrinda"/>
+        <a:font script="Gujr" typeface="Shruti"/>
+        <a:font script="Khmr" typeface="DaunPenh"/>
+        <a:font script="Knda" typeface="Tunga"/>
+        <a:font script="Guru" typeface="Raavi"/>
+        <a:font script="Cans" typeface="Euphemia"/>
+        <a:font script="Cher" typeface="Plantagenet Cherokee"/>
+        <a:font script="Yiii" typeface="Microsoft Yi Baiti"/>
+        <a:font script="Tibt" typeface="Microsoft Himalaya"/>
+        <a:font script="Thaa" typeface="MV Boli"/>
+        <a:font script="Deva" typeface="Mangal"/>
+        <a:font script="Telu" typeface="Gautami"/>
+        <a:font script="Taml" typeface="Latha"/>
+        <a:font script="Syrc" typeface="Estrangelo Edessa"/>
+        <a:font script="Orya" typeface="Kalinga"/>
+        <a:font script="Mlym" typeface="Kartika"/>
+        <a:font script="Laoo" typeface="DokChampa"/>
+        <a:font script="Sinh" typeface="Iskoola Pota"/>
+        <a:font script="Mong" typeface="Mongolian Baiti"/>
+        <a:font script="Viet" typeface="Arial"/>
+        <a:font script="Uigh" typeface="Microsoft Uighur"/>
+        <a:font script="Geor" typeface="Sylfaen"/>
+        <a:font script="Armn" typeface="Arial"/>
+        <a:font script="Bugi" typeface="Leelawadee UI"/>
+        <a:font script="Bopo" typeface="Microsoft JhengHei"/>
+        <a:font script="Java" typeface="Javanese Text"/>
+        <a:font script="Lisu" typeface="Segoe UI"/>
+        <a:font script="Mymr" typeface="Myanmar Text"/>
+        <a:font script="Nkoo" typeface="Ebrima"/>
+        <a:font script="Olck" typeface="Nirmala UI"/>
+        <a:font script="Osma" typeface="Ebrima"/>
+        <a:font script="Phag" typeface="Phagspa"/>
+        <a:font script="Syrn" typeface="Estrangelo Edessa"/>
+        <a:font script="Syrj" typeface="Estrangelo Edessa"/>
+        <a:font script="Syre" typeface="Estrangelo Edessa"/>
+        <a:font script="Sora" typeface="Nirmala UI"/>
+        <a:font script="Tale" typeface="Microsoft Tai Le"/>
+        <a:font script="Talu" typeface="Microsoft New Tai Lue"/>
+        <a:font script="Tfng" typeface="Ebrima"/>
+      </a:minorFont>
+    </a:fontScheme>
+    <a:fmtScheme name="Office">
+      <a:fillStyleLst>
+        <a:solidFill>
+          <a:schemeClr val="phClr"/>
+        </a:solidFill>
+        <a:gradFill rotWithShape="1">
+          <a:gsLst>
+            <a:gs pos="0">
+              <a:schemeClr val="phClr">
+                <a:lumMod val="110000"/>
+                <a:satMod val="105000"/>
+                <a:tint val="67000"/>
+              </a:schemeClr>
+            </a:gs>
+            <a:gs pos="50000">
+              <a:schemeClr val="phClr">
+                <a:lumMod val="105000"/>
+                <a:satMod val="103000"/>
+                <a:tint val="73000"/>
+              </a:schemeClr>
+            </a:gs>
+            <a:gs pos="100000">
+              <a:schemeClr val="phClr">
+                <a:lumMod val="105000"/>
+                <a:satMod val="109000"/>
+                <a:tint val="81000"/>
+              </a:schemeClr>
+            </a:gs>
+          </a:gsLst>
+          <a:lin ang="5400000" scaled="0"/>
+        </a:gradFill>
+        <a:gradFill rotWithShape="1">
+          <a:gsLst>
+            <a:gs pos="0">
+              <a:schemeClr val="phClr">
+                <a:satMod val="103000"/>
+                <a:lumMod val="102000"/>
+                <a:tint val="94000"/>
+              </a:schemeClr>
+            </a:gs>
+            <a:gs pos="50000">
+              <a:schemeClr val="phClr">
+                <a:satMod val="110000"/>
+                <a:lumMod val="100000"/>
+                <a:shade val="100000"/>
+              </a:schemeClr>
+            </a:gs>
+            <a:gs pos="100000">
+              <a:schemeClr val="phClr">
+                <a:lumMod val="99000"/>
+                <a:satMod val="120000"/>
+                <a:shade val="78000"/>
+              </a:schemeClr>
+            </a:gs>
+          </a:gsLst>
+          <a:lin ang="5400000" scaled="0"/>
+        </a:gradFill>
+      </a:fillStyleLst>
+      <a:lnStyleLst>
+        <a:ln w="6350" cap="flat" cmpd="sng" algn="ctr">
+          <a:solidFill>
+            <a:schemeClr val="phClr"/>
+          </a:solidFill>
+          <a:prstDash val="solid"/>
+          <a:miter lim="800000"/>
+        </a:ln>
+        <a:ln w="12700" cap="flat" cmpd="sng" algn="ctr">
+          <a:solidFill>
+            <a:schemeClr val="phClr"/>
+          </a:solidFill>
+          <a:prstDash val="solid"/>
+          <a:miter lim="800000"/>
+        </a:ln>
+        <a:ln w="19050" cap="flat" cmpd="sng" algn="ctr">
+          <a:solidFill>
+            <a:schemeClr val="phClr"/>
+          </a:solidFill>
+          <a:prstDash val="solid"/>
+          <a:miter lim="800000"/>
+        </a:ln>
+      </a:lnStyleLst>
+      <a:effectStyleLst>
+        <a:effectStyle>
+          <a:effectLst/>
+        </a:effectStyle>
+        <a:effectStyle>
+          <a:effectLst/>
+        </a:effectStyle>
+        <a:effectStyle>
+          <a:effectLst>
+            <a:outerShdw blurRad="57150" dist="19050" dir="5400000" algn="ctr" rotWithShape="0">
+              <a:srgbClr val="000000">
+                <a:alpha val="63000"/>
+              </a:srgbClr>
+            </a:outerShdw>
+          </a:effectLst>
+        </a:effectStyle>
+      </a:effectStyleLst>
+      <a:bgFillStyleLst>
+        <a:solidFill>
+          <a:schemeClr val="phClr"/>
+        </a:solidFill>
+        <a:solidFill>
+          <a:schemeClr val="phClr">
+            <a:tint val="95000"/>
+            <a:satMod val="170000"/>
+          </a:schemeClr>
+        </a:solidFill>
+        <a:gradFill rotWithShape="1">
+          <a:gsLst>
+            <a:gs pos="0">
+              <a:schemeClr val="phClr">
+                <a:tint val="93000"/>
+                <a:satMod val="150000"/>
+                <a:shade val="98000"/>
+                <a:lumMod val="102000"/>
+              </a:schemeClr>
+            </a:gs>
+            <a:gs pos="50000">
+              <a:schemeClr val="phClr">
+                <a:tint val="98000"/>
+                <a:satMod val="130000"/>
+                <a:shade val="90000"/>
+                <a:lumMod val="103000"/>
+              </a:schemeClr>
+            </a:gs>
+            <a:gs pos="100000">
+              <a:schemeClr val="phClr">
+                <a:shade val="63000"/>
+                <a:satMod val="120000"/>
+              </a:schemeClr>
+            </a:gs>
+          </a:gsLst>
+          <a:lin ang="5400000" scaled="0"/>
+        </a:gradFill>
+      </a:bgFillStyleLst>
+    </a:fmtScheme>
+  </a:themeElements>
+  <a:objectDefaults/>
+  <a:extraClrSchemeLst/>
+  <a:extLst>
+    <a:ext uri="{05A4C25C-085E-4340-85A3-A5531E510DB2}">
+      <thm15:themeFamily xmlns:thm15="http://schemas.microsoft.com/office/thememl/2012/main" name="Office Theme" id="{62F939B6-93AF-4DB8-9C6B-D6C7DFDC589F}" vid="{4A3C46E8-61CC-4603-A589-7422A47A8E4A}"/>
+    </a:ext>
+  </a:extLst>
+</a:theme>
+</file>
+
+<file path=ppt/theme/theme3.xml><?xml version="1.0" encoding="utf-8"?>
+<a:theme xmlns:a="http://schemas.openxmlformats.org/drawingml/2006/main" name="Återblick">
+  <a:themeElements>
+    <a:clrScheme name="Återblick">
+      <a:dk1>
+        <a:srgbClr val="000000"/>
+      </a:dk1>
+      <a:lt1>
+        <a:sysClr val="window" lastClr="FFFFFF"/>
+      </a:lt1>
+      <a:dk2>
+        <a:srgbClr val="637052"/>
+      </a:dk2>
+      <a:lt2>
+        <a:srgbClr val="CCDDEA"/>
+      </a:lt2>
+      <a:accent1>
+        <a:srgbClr val="E48312"/>
+      </a:accent1>
+      <a:accent2>
+        <a:srgbClr val="BD582C"/>
+      </a:accent2>
+      <a:accent3>
+        <a:srgbClr val="865640"/>
+      </a:accent3>
+      <a:accent4>
+        <a:srgbClr val="9B8357"/>
+      </a:accent4>
+      <a:accent5>
+        <a:srgbClr val="C2BC80"/>
+      </a:accent5>
+      <a:accent6>
+        <a:srgbClr val="94A088"/>
+      </a:accent6>
+      <a:hlink>
+        <a:srgbClr val="2998E3"/>
+      </a:hlink>
+      <a:folHlink>
+        <a:srgbClr val="8C8C8C"/>
+      </a:folHlink>
+    </a:clrScheme>
+    <a:fontScheme name="Återblick">
+      <a:majorFont>
+        <a:latin typeface="Calibri Light" panose="020F0302020204030204"/>
+        <a:ea typeface=""/>
+        <a:cs typeface=""/>
+        <a:font script="Jpan" typeface="ＭＳ Ｐゴシック"/>
+        <a:font script="Hang" typeface="맑은 고딕"/>
+        <a:font script="Hans" typeface="宋体"/>
+        <a:font script="Hant" typeface="新細明體"/>
+        <a:font script="Arab" typeface="Times New Roman"/>
+        <a:font script="Hebr" typeface="Times New Roman"/>
+        <a:font script="Thai" typeface="Angsana New"/>
+        <a:font script="Ethi" typeface="Nyala"/>
+        <a:font script="Beng" typeface="Vrinda"/>
+        <a:font script="Gujr" typeface="Shruti"/>
+        <a:font script="Khmr" typeface="MoolBoran"/>
+        <a:font script="Knda" typeface="Tunga"/>
+        <a:font script="Guru" typeface="Raavi"/>
+        <a:font script="Cans" typeface="Euphemia"/>
+        <a:font script="Cher" typeface="Plantagenet Cherokee"/>
+        <a:font script="Yiii" typeface="Microsoft Yi Baiti"/>
+        <a:font script="Tibt" typeface="Microsoft Himalaya"/>
+        <a:font script="Thaa" typeface="MV Boli"/>
+        <a:font script="Deva" typeface="Mangal"/>
+        <a:font script="Telu" typeface="Gautami"/>
+        <a:font script="Taml" typeface="Latha"/>
+        <a:font script="Syrc" typeface="Estrangelo Edessa"/>
+        <a:font script="Orya" typeface="Kalinga"/>
+        <a:font script="Mlym" typeface="Kartika"/>
+        <a:font script="Laoo" typeface="DokChampa"/>
+        <a:font script="Sinh" typeface="Iskoola Pota"/>
+        <a:font script="Mong" typeface="Mongolian Baiti"/>
+        <a:font script="Viet" typeface="Times New Roman"/>
+        <a:font script="Uigh" typeface="Microsoft Uighur"/>
+        <a:font script="Geor" typeface="Sylfaen"/>
+      </a:majorFont>
+      <a:minorFont>
+        <a:latin typeface="Calibri" panose="020F0502020204030204"/>
+        <a:ea typeface=""/>
+        <a:cs typeface=""/>
+        <a:font script="Jpan" typeface="ＭＳ Ｐゴシック"/>
+        <a:font script="Hang" typeface="맑은 고딕"/>
+        <a:font script="Hans" typeface="宋体"/>
+        <a:font script="Hant" typeface="新細明體"/>
+        <a:font script="Arab" typeface="Arial"/>
+        <a:font script="Hebr" typeface="Arial"/>
+        <a:font script="Thai" typeface="Cordia New"/>
+        <a:font script="Ethi" typeface="Nyala"/>
+        <a:font script="Beng" typeface="Vrinda"/>
+        <a:font script="Gujr" typeface="Shruti"/>
+        <a:font script="Khmr" typeface="DaunPenh"/>
+        <a:font script="Knda" typeface="Tunga"/>
+        <a:font script="Guru" typeface="Raavi"/>
+        <a:font script="Cans" typeface="Euphemia"/>
+        <a:font script="Cher" typeface="Plantagenet Cherokee"/>
+        <a:font script="Yiii" typeface="Microsoft Yi Baiti"/>
+        <a:font script="Tibt" typeface="Microsoft Himalaya"/>
+        <a:font script="Thaa" typeface="MV Boli"/>
+        <a:font script="Deva" typeface="Mangal"/>
+        <a:font script="Telu" typeface="Gautami"/>
+        <a:font script="Taml" typeface="Latha"/>
+        <a:font script="Syrc" typeface="Estrangelo Edessa"/>
+        <a:font script="Orya" typeface="Kalinga"/>
+        <a:font script="Mlym" typeface="Kartika"/>
+        <a:font script="Laoo" typeface="DokChampa"/>
+        <a:font script="Sinh" typeface="Iskoola Pota"/>
+        <a:font script="Mong" typeface="Mongolian Baiti"/>
+        <a:font script="Viet" typeface="Arial"/>
+        <a:font script="Uigh" typeface="Microsoft Uighur"/>
+        <a:font script="Geor" typeface="Sylfaen"/>
+      </a:minorFont>
+    </a:fontScheme>
+    <a:fmtScheme name="Återblick">
+      <a:fillStyleLst>
+        <a:solidFill>
+          <a:schemeClr val="phClr"/>
+        </a:solidFill>
+        <a:gradFill rotWithShape="1">
+          <a:gsLst>
+            <a:gs pos="0">
+              <a:schemeClr val="phClr">
+                <a:tint val="65000"/>
+                <a:shade val="92000"/>
+                <a:satMod val="130000"/>
+              </a:schemeClr>
+            </a:gs>
+            <a:gs pos="45000">
+              <a:schemeClr val="phClr">
+                <a:tint val="60000"/>
+                <a:shade val="99000"/>
+                <a:satMod val="120000"/>
+              </a:schemeClr>
+            </a:gs>
+            <a:gs pos="100000">
+              <a:schemeClr val="phClr">
+                <a:tint val="55000"/>
+                <a:satMod val="140000"/>
+              </a:schemeClr>
+            </a:gs>
+          </a:gsLst>
+          <a:path path="circle">
+            <a:fillToRect l="100000" t="100000" r="100000" b="100000"/>
+          </a:path>
+        </a:gradFill>
+        <a:gradFill rotWithShape="1">
+          <a:gsLst>
+            <a:gs pos="0">
+              <a:schemeClr val="phClr">
+                <a:shade val="85000"/>
+                <a:satMod val="130000"/>
+              </a:schemeClr>
+            </a:gs>
+            <a:gs pos="34000">
+              <a:schemeClr val="phClr">
+                <a:shade val="87000"/>
+                <a:satMod val="125000"/>
+              </a:schemeClr>
+            </a:gs>
+            <a:gs pos="70000">
+              <a:schemeClr val="phClr">
+                <a:tint val="100000"/>
+                <a:shade val="90000"/>
+                <a:satMod val="130000"/>
+              </a:schemeClr>
+            </a:gs>
+            <a:gs pos="100000">
+              <a:schemeClr val="phClr">
+                <a:tint val="100000"/>
+                <a:shade val="100000"/>
+                <a:satMod val="110000"/>
+              </a:schemeClr>
+            </a:gs>
+          </a:gsLst>
+          <a:path path="circle">
+            <a:fillToRect l="100000" t="100000" r="100000" b="100000"/>
+          </a:path>
+        </a:gradFill>
+      </a:fillStyleLst>
+      <a:lnStyleLst>
+        <a:ln w="12700" cap="flat" cmpd="sng" algn="ctr">
+          <a:solidFill>
+            <a:schemeClr val="phClr"/>
+          </a:solidFill>
+          <a:prstDash val="solid"/>
+        </a:ln>
+        <a:ln w="15875" cap="flat" cmpd="sng" algn="ctr">
+          <a:solidFill>
+            <a:schemeClr val="phClr"/>
+          </a:solidFill>
+          <a:prstDash val="solid"/>
+        </a:ln>
+        <a:ln w="25400" cap="flat" cmpd="sng" algn="ctr">
+          <a:solidFill>
+            <a:schemeClr val="phClr"/>
+          </a:solidFill>
+          <a:prstDash val="solid"/>
+        </a:ln>
+      </a:lnStyleLst>
+      <a:effectStyleLst>
+        <a:effectStyle>
+          <a:effectLst/>
+        </a:effectStyle>
+        <a:effectStyle>
+          <a:effectLst>
+            <a:outerShdw blurRad="38100" dist="25400" dir="2700000" algn="br" rotWithShape="0">
+              <a:srgbClr val="000000">
+                <a:alpha val="60000"/>
+              </a:srgbClr>
+            </a:outerShdw>
+          </a:effectLst>
+        </a:effectStyle>
+        <a:effectStyle>
+          <a:effectLst>
+            <a:outerShdw blurRad="44450" dist="25400" dir="2700000" algn="br" rotWithShape="0">
+              <a:srgbClr val="000000">
+                <a:alpha val="60000"/>
+              </a:srgbClr>
+            </a:outerShdw>
+          </a:effectLst>
+          <a:scene3d>
+            <a:camera prst="orthographicFront">
+              <a:rot lat="0" lon="0" rev="0"/>
+            </a:camera>
+            <a:lightRig rig="threePt" dir="t">
+              <a:rot lat="0" lon="0" rev="19800000"/>
+            </a:lightRig>
+          </a:scene3d>
+          <a:sp3d prstMaterial="flat">
+            <a:bevelT w="25400" h="31750"/>
+          </a:sp3d>
+        </a:effectStyle>
+      </a:effectStyleLst>
+      <a:bgFillStyleLst>
+        <a:solidFill>
+          <a:schemeClr val="phClr"/>
+        </a:solidFill>
+        <a:solidFill>
+          <a:schemeClr val="phClr">
+            <a:tint val="90000"/>
+            <a:shade val="97000"/>
+            <a:satMod val="130000"/>
+          </a:schemeClr>
+        </a:solidFill>
+        <a:gradFill rotWithShape="1">
+          <a:gsLst>
+            <a:gs pos="0">
+              <a:schemeClr val="phClr">
+                <a:tint val="96000"/>
+                <a:shade val="99000"/>
+                <a:satMod val="140000"/>
+              </a:schemeClr>
+            </a:gs>
+            <a:gs pos="65000">
+              <a:schemeClr val="phClr">
+                <a:tint val="100000"/>
+                <a:shade val="80000"/>
+                <a:satMod val="130000"/>
+              </a:schemeClr>
+            </a:gs>
+            <a:gs pos="100000">
+              <a:schemeClr val="phClr">
+                <a:tint val="100000"/>
+                <a:shade val="48000"/>
+                <a:satMod val="120000"/>
+              </a:schemeClr>
+            </a:gs>
+          </a:gsLst>
+          <a:lin ang="16200000" scaled="0"/>
+        </a:gradFill>
+      </a:bgFillStyleLst>
+    </a:fmtScheme>
+  </a:themeElements>
+  <a:objectDefaults/>
+  <a:extraClrSchemeLst/>
+  <a:extLst>
+    <a:ext uri="{05A4C25C-085E-4340-85A3-A5531E510DB2}">
+      <thm15:themeFamily xmlns:thm15="http://schemas.microsoft.com/office/thememl/2012/main" name="Retrospect" id="{5F128B03-DCCA-4EEB-AB3B-CF2899314A46}" vid="{3F1AAB62-24C6-49D2-8E01-B56FAC9A3DCD}"/>
+    </a:ext>
+  </a:extLst>
+</a:theme>
 </file>
--- a/Presentation/MainPresentation.pptx
+++ b/Presentation/MainPresentation.pptx
@@ -7,31 +7,47 @@
     <p:sldMasterId id="2147483662" r:id="rId3"/>
   </p:sldMasterIdLst>
   <p:sldIdLst>
-    <p:sldId id="256" r:id="rId4"/>
-    <p:sldId id="257" r:id="rId5"/>
-    <p:sldId id="258" r:id="rId6"/>
-    <p:sldId id="259" r:id="rId7"/>
-    <p:sldId id="260" r:id="rId8"/>
-    <p:sldId id="261" r:id="rId9"/>
-    <p:sldId id="262" r:id="rId10"/>
-    <p:sldId id="263" r:id="rId11"/>
-    <p:sldId id="264" r:id="rId12"/>
-    <p:sldId id="265" r:id="rId13"/>
-    <p:sldId id="266" r:id="rId14"/>
-    <p:sldId id="267" r:id="rId15"/>
-    <p:sldId id="268" r:id="rId16"/>
-    <p:sldId id="269" r:id="rId17"/>
-    <p:sldId id="270" r:id="rId18"/>
-    <p:sldId id="271" r:id="rId19"/>
-    <p:sldId id="272" r:id="rId20"/>
-    <p:sldId id="273" r:id="rId21"/>
-    <p:sldId id="274" r:id="rId22"/>
-    <p:sldId id="275" r:id="rId23"/>
-    <p:sldId id="276" r:id="rId24"/>
-    <p:sldId id="277" r:id="rId25"/>
-    <p:sldId id="278" r:id="rId26"/>
-    <p:sldId id="279" r:id="rId27"/>
-    <p:sldId id="280" r:id="rId28"/>
+    <p:sldId id="281" r:id="rId4"/>
+    <p:sldId id="282" r:id="rId5"/>
+    <p:sldId id="283" r:id="rId6"/>
+    <p:sldId id="284" r:id="rId7"/>
+    <p:sldId id="285" r:id="rId8"/>
+    <p:sldId id="286" r:id="rId9"/>
+    <p:sldId id="287" r:id="rId10"/>
+    <p:sldId id="288" r:id="rId11"/>
+    <p:sldId id="289" r:id="rId12"/>
+    <p:sldId id="290" r:id="rId13"/>
+    <p:sldId id="291" r:id="rId14"/>
+    <p:sldId id="292" r:id="rId15"/>
+    <p:sldId id="293" r:id="rId16"/>
+    <p:sldId id="294" r:id="rId17"/>
+    <p:sldId id="295" r:id="rId18"/>
+    <p:sldId id="296" r:id="rId19"/>
+    <p:sldId id="256" r:id="rId20"/>
+    <p:sldId id="257" r:id="rId21"/>
+    <p:sldId id="258" r:id="rId22"/>
+    <p:sldId id="259" r:id="rId23"/>
+    <p:sldId id="260" r:id="rId24"/>
+    <p:sldId id="261" r:id="rId25"/>
+    <p:sldId id="262" r:id="rId26"/>
+    <p:sldId id="263" r:id="rId27"/>
+    <p:sldId id="264" r:id="rId28"/>
+    <p:sldId id="265" r:id="rId29"/>
+    <p:sldId id="266" r:id="rId30"/>
+    <p:sldId id="267" r:id="rId31"/>
+    <p:sldId id="268" r:id="rId32"/>
+    <p:sldId id="269" r:id="rId33"/>
+    <p:sldId id="270" r:id="rId34"/>
+    <p:sldId id="271" r:id="rId35"/>
+    <p:sldId id="272" r:id="rId36"/>
+    <p:sldId id="273" r:id="rId37"/>
+    <p:sldId id="274" r:id="rId38"/>
+    <p:sldId id="275" r:id="rId39"/>
+    <p:sldId id="276" r:id="rId40"/>
+    <p:sldId id="277" r:id="rId41"/>
+    <p:sldId id="278" r:id="rId42"/>
+    <p:sldId id="279" r:id="rId43"/>
+    <p:sldId id="280" r:id="rId44"/>
   </p:sldIdLst>
   <p:sldSz cx="12192000" cy="6858000"/>
   <p:notesSz cx="6858000" cy="9144000"/>
@@ -5820,28 +5836,76 @@
       </p:grpSpPr>
       <p:sp>
         <p:nvSpPr>
-          <p:cNvPr id="2" name="Title 1">
-            <a:extLst>
-              <a:ext uri="{FF2B5EF4-FFF2-40B4-BE49-F238E27FC236}">
-                <a16:creationId xmlns:a16="http://schemas.microsoft.com/office/drawing/2014/main" id="{2B9B2E43-CDC3-4887-B0A9-6946FC1716A8}"/>
-              </a:ext>
-            </a:extLst>
-          </p:cNvPr>
+          <p:cNvPr id="3" name="Content Placeholder 2"/>
           <p:cNvSpPr>
             <a:spLocks noGrp="1"/>
           </p:cNvSpPr>
           <p:nvPr>
-            <p:ph type="ctrTitle"/>
-          </p:nvPr>
-        </p:nvSpPr>
-        <p:spPr/>
-        <p:txBody>
-          <a:bodyPr/>
+            <p:ph idx="1"/>
+          </p:nvPr>
+        </p:nvSpPr>
+        <p:spPr>
+          <a:xfrm>
+            <a:off x="838200" y="342900"/>
+            <a:ext cx="10515600" cy="5834063"/>
+          </a:xfrm>
+        </p:spPr>
+        <p:txBody>
+          <a:bodyPr>
+            <a:normAutofit/>
+          </a:bodyPr>
           <a:lstStyle/>
           <a:p>
-            <a:r>
-              <a:rPr lang="en-GB" dirty="0"/>
-              <a:t>Spring Temperatures</a:t>
+            <a:pPr marL="0" indent="0" algn="ctr">
+              <a:buNone/>
+            </a:pPr>
+            <a:endParaRPr lang="sv-SE" sz="5400" dirty="0"/>
+          </a:p>
+          <a:p>
+            <a:pPr marL="0" indent="0" algn="ctr">
+              <a:buNone/>
+            </a:pPr>
+            <a:r>
+              <a:rPr lang="sv-SE" sz="6600" dirty="0"/>
+              <a:t>Team C</a:t>
+            </a:r>
+          </a:p>
+          <a:p>
+            <a:pPr marL="0" indent="0" algn="ctr">
+              <a:buNone/>
+            </a:pPr>
+            <a:endParaRPr lang="sv-SE" sz="4400" dirty="0"/>
+          </a:p>
+          <a:p>
+            <a:pPr marL="0" indent="0" algn="ctr">
+              <a:buNone/>
+            </a:pPr>
+            <a:r>
+              <a:rPr lang="sv-SE" sz="3200" dirty="0"/>
+              <a:t>Louise </a:t>
+            </a:r>
+            <a:r>
+              <a:rPr lang="sv-SE" sz="3200" dirty="0" err="1"/>
+              <a:t>Villander</a:t>
+            </a:r>
+            <a:endParaRPr lang="sv-SE" sz="3200" dirty="0"/>
+          </a:p>
+          <a:p>
+            <a:pPr marL="0" indent="0" algn="ctr">
+              <a:buNone/>
+            </a:pPr>
+            <a:r>
+              <a:rPr lang="sv-SE" sz="3200" dirty="0"/>
+              <a:t>Cameron Robertson</a:t>
+            </a:r>
+          </a:p>
+          <a:p>
+            <a:pPr marL="0" indent="0" algn="ctr">
+              <a:buNone/>
+            </a:pPr>
+            <a:r>
+              <a:rPr lang="sv-SE" sz="3200" dirty="0"/>
+              <a:t>Viktor Drugge</a:t>
             </a:r>
           </a:p>
         </p:txBody>
@@ -5849,7 +5913,7 @@
     </p:spTree>
     <p:extLst>
       <p:ext uri="{BB962C8B-B14F-4D97-AF65-F5344CB8AC3E}">
-        <p14:creationId xmlns:p14="http://schemas.microsoft.com/office/powerpoint/2010/main" val="1307128848"/>
+        <p14:creationId xmlns:p14="http://schemas.microsoft.com/office/powerpoint/2010/main" val="472512761"/>
       </p:ext>
     </p:extLst>
   </p:cSld>
@@ -5878,13 +5942,7 @@
       </p:grpSpPr>
       <p:pic>
         <p:nvPicPr>
-          <p:cNvPr id="5" name="Content Placeholder 4">
-            <a:extLst>
-              <a:ext uri="{FF2B5EF4-FFF2-40B4-BE49-F238E27FC236}">
-                <a16:creationId xmlns:a16="http://schemas.microsoft.com/office/drawing/2014/main" id="{A0EF73C3-B723-4AC4-8C2F-911BCA8554AA}"/>
-              </a:ext>
-            </a:extLst>
-          </p:cNvPr>
+          <p:cNvPr id="4" name="Content Placeholder 3"/>
           <p:cNvPicPr>
             <a:picLocks noGrp="1" noChangeAspect="1"/>
           </p:cNvPicPr>
@@ -5892,7 +5950,7 @@
             <p:ph idx="1"/>
           </p:nvPr>
         </p:nvPicPr>
-        <p:blipFill rotWithShape="1">
+        <p:blipFill>
           <a:blip r:embed="rId2">
             <a:extLst>
               <a:ext uri="{28A0092B-C50C-407E-A947-70E740481C1C}">
@@ -5900,20 +5958,21 @@
               </a:ext>
             </a:extLst>
           </a:blip>
-          <a:srcRect l="22032" r="18150"/>
-          <a:stretch/>
+          <a:stretch>
+            <a:fillRect/>
+          </a:stretch>
         </p:blipFill>
         <p:spPr>
           <a:xfrm>
-            <a:off x="2424332" y="400468"/>
-            <a:ext cx="7343335" cy="6057063"/>
+            <a:off x="30104" y="269421"/>
+            <a:ext cx="11894632" cy="6131379"/>
           </a:xfrm>
         </p:spPr>
       </p:pic>
     </p:spTree>
     <p:extLst>
       <p:ext uri="{BB962C8B-B14F-4D97-AF65-F5344CB8AC3E}">
-        <p14:creationId xmlns:p14="http://schemas.microsoft.com/office/powerpoint/2010/main" val="1013575630"/>
+        <p14:creationId xmlns:p14="http://schemas.microsoft.com/office/powerpoint/2010/main" val="3574426446"/>
       </p:ext>
     </p:extLst>
   </p:cSld>
@@ -5942,18 +6001,12 @@
       </p:grpSpPr>
       <p:sp>
         <p:nvSpPr>
-          <p:cNvPr id="3" name="Content Placeholder 2">
-            <a:extLst>
-              <a:ext uri="{FF2B5EF4-FFF2-40B4-BE49-F238E27FC236}">
-                <a16:creationId xmlns:a16="http://schemas.microsoft.com/office/drawing/2014/main" id="{836A0048-D6DD-4FA2-AF56-734D21658030}"/>
-              </a:ext>
-            </a:extLst>
-          </p:cNvPr>
+          <p:cNvPr id="2" name="Title 1"/>
           <p:cNvSpPr>
             <a:spLocks noGrp="1"/>
           </p:cNvSpPr>
           <p:nvPr>
-            <p:ph idx="1"/>
+            <p:ph type="title"/>
           </p:nvPr>
         </p:nvSpPr>
         <p:spPr/>
@@ -5961,35 +6014,47 @@
           <a:bodyPr/>
           <a:lstStyle/>
           <a:p>
-            <a:r>
-              <a:rPr lang="en-GB" dirty="0"/>
-              <a:t>As expected, increase in temperature</a:t>
-            </a:r>
-          </a:p>
-          <a:p>
-            <a:r>
-              <a:rPr lang="en-GB" dirty="0"/>
-              <a:t>Not especially helpful for seeing when Spring starts</a:t>
-            </a:r>
-          </a:p>
-          <a:p>
-            <a:r>
-              <a:rPr lang="en-GB" dirty="0"/>
-              <a:t>High standard deviation in each case</a:t>
-            </a:r>
-          </a:p>
-          <a:p>
-            <a:r>
-              <a:rPr lang="en-GB" dirty="0"/>
-              <a:t>Large data sample, not useful for predictions</a:t>
-            </a:r>
-          </a:p>
-        </p:txBody>
-      </p:sp>
+            <a:pPr algn="l"/>
+            <a:r>
+              <a:rPr lang="sv-SE" dirty="0"/>
+              <a:t>Standard deviation</a:t>
+            </a:r>
+          </a:p>
+        </p:txBody>
+      </p:sp>
+      <p:pic>
+        <p:nvPicPr>
+          <p:cNvPr id="4" name="Content Placeholder 3"/>
+          <p:cNvPicPr>
+            <a:picLocks noGrp="1" noChangeAspect="1"/>
+          </p:cNvPicPr>
+          <p:nvPr>
+            <p:ph idx="1"/>
+          </p:nvPr>
+        </p:nvPicPr>
+        <p:blipFill>
+          <a:blip r:embed="rId2">
+            <a:extLst>
+              <a:ext uri="{28A0092B-C50C-407E-A947-70E740481C1C}">
+                <a14:useLocalDpi xmlns:a14="http://schemas.microsoft.com/office/drawing/2010/main" val="0"/>
+              </a:ext>
+            </a:extLst>
+          </a:blip>
+          <a:stretch>
+            <a:fillRect/>
+          </a:stretch>
+        </p:blipFill>
+        <p:spPr>
+          <a:xfrm>
+            <a:off x="2743200" y="1905005"/>
+            <a:ext cx="5727149" cy="2601681"/>
+          </a:xfrm>
+        </p:spPr>
+      </p:pic>
     </p:spTree>
     <p:extLst>
       <p:ext uri="{BB962C8B-B14F-4D97-AF65-F5344CB8AC3E}">
-        <p14:creationId xmlns:p14="http://schemas.microsoft.com/office/powerpoint/2010/main" val="4288386310"/>
+        <p14:creationId xmlns:p14="http://schemas.microsoft.com/office/powerpoint/2010/main" val="222616561"/>
       </p:ext>
     </p:extLst>
   </p:cSld>
@@ -6016,72 +6081,39 @@
           <a:chExt cx="0" cy="0"/>
         </a:xfrm>
       </p:grpSpPr>
-      <p:sp>
-        <p:nvSpPr>
-          <p:cNvPr id="2" name="Title 1">
-            <a:extLst>
-              <a:ext uri="{FF2B5EF4-FFF2-40B4-BE49-F238E27FC236}">
-                <a16:creationId xmlns:a16="http://schemas.microsoft.com/office/drawing/2014/main" id="{D482AFEC-843E-4947-8181-E51450A9588C}"/>
-              </a:ext>
-            </a:extLst>
-          </p:cNvPr>
-          <p:cNvSpPr>
-            <a:spLocks noGrp="1"/>
-          </p:cNvSpPr>
-          <p:nvPr>
-            <p:ph type="title"/>
-          </p:nvPr>
-        </p:nvSpPr>
-        <p:spPr/>
-        <p:txBody>
-          <a:bodyPr/>
-          <a:lstStyle/>
-          <a:p>
-            <a:r>
-              <a:rPr lang="en-GB" dirty="0"/>
-              <a:t>Any changes with time?</a:t>
-            </a:r>
-          </a:p>
-        </p:txBody>
-      </p:sp>
-      <p:sp>
-        <p:nvSpPr>
-          <p:cNvPr id="3" name="Content Placeholder 2">
-            <a:extLst>
-              <a:ext uri="{FF2B5EF4-FFF2-40B4-BE49-F238E27FC236}">
-                <a16:creationId xmlns:a16="http://schemas.microsoft.com/office/drawing/2014/main" id="{7BAB1271-45FD-45C2-9046-BC34BD0E39FB}"/>
-              </a:ext>
-            </a:extLst>
-          </p:cNvPr>
-          <p:cNvSpPr>
-            <a:spLocks noGrp="1"/>
-          </p:cNvSpPr>
+      <p:pic>
+        <p:nvPicPr>
+          <p:cNvPr id="4" name="Content Placeholder 3"/>
+          <p:cNvPicPr>
+            <a:picLocks noGrp="1" noChangeAspect="1"/>
+          </p:cNvPicPr>
           <p:nvPr>
             <p:ph idx="1"/>
           </p:nvPr>
-        </p:nvSpPr>
-        <p:spPr/>
-        <p:txBody>
-          <a:bodyPr/>
-          <a:lstStyle/>
-          <a:p>
-            <a:r>
-              <a:rPr lang="en-GB" dirty="0"/>
-              <a:t>Split the data into three roughly equal time periods (Hard to be precise because of non Uppsala data)</a:t>
-            </a:r>
-          </a:p>
-          <a:p>
-            <a:r>
-              <a:rPr lang="en-GB" dirty="0"/>
-              <a:t>Compare each of these</a:t>
-            </a:r>
-          </a:p>
-        </p:txBody>
-      </p:sp>
+        </p:nvPicPr>
+        <p:blipFill>
+          <a:blip r:embed="rId2">
+            <a:extLst>
+              <a:ext uri="{28A0092B-C50C-407E-A947-70E740481C1C}">
+                <a14:useLocalDpi xmlns:a14="http://schemas.microsoft.com/office/drawing/2010/main" val="0"/>
+              </a:ext>
+            </a:extLst>
+          </a:blip>
+          <a:stretch>
+            <a:fillRect/>
+          </a:stretch>
+        </p:blipFill>
+        <p:spPr>
+          <a:xfrm>
+            <a:off x="1016000" y="0"/>
+            <a:ext cx="9987736" cy="6858000"/>
+          </a:xfrm>
+        </p:spPr>
+      </p:pic>
     </p:spTree>
     <p:extLst>
       <p:ext uri="{BB962C8B-B14F-4D97-AF65-F5344CB8AC3E}">
-        <p14:creationId xmlns:p14="http://schemas.microsoft.com/office/powerpoint/2010/main" val="2660013883"/>
+        <p14:creationId xmlns:p14="http://schemas.microsoft.com/office/powerpoint/2010/main" val="3920511105"/>
       </p:ext>
     </p:extLst>
   </p:cSld>
@@ -6108,23 +6140,69 @@
           <a:chExt cx="0" cy="0"/>
         </a:xfrm>
       </p:grpSpPr>
+      <p:sp>
+        <p:nvSpPr>
+          <p:cNvPr id="2" name="Title 1"/>
+          <p:cNvSpPr>
+            <a:spLocks noGrp="1"/>
+          </p:cNvSpPr>
+          <p:nvPr>
+            <p:ph type="title"/>
+          </p:nvPr>
+        </p:nvSpPr>
+        <p:spPr/>
+        <p:txBody>
+          <a:bodyPr/>
+          <a:lstStyle/>
+          <a:p>
+            <a:pPr algn="l"/>
+            <a:r>
+              <a:rPr lang="sv-SE" dirty="0"/>
+              <a:t>Standard deviation</a:t>
+            </a:r>
+          </a:p>
+        </p:txBody>
+      </p:sp>
+      <p:sp>
+        <p:nvSpPr>
+          <p:cNvPr id="3" name="Content Placeholder 2"/>
+          <p:cNvSpPr>
+            <a:spLocks noGrp="1"/>
+          </p:cNvSpPr>
+          <p:nvPr>
+            <p:ph idx="1"/>
+          </p:nvPr>
+        </p:nvSpPr>
+        <p:spPr/>
+        <p:txBody>
+          <a:bodyPr/>
+          <a:lstStyle/>
+          <a:p>
+            <a:endParaRPr lang="sv-SE" dirty="0"/>
+          </a:p>
+          <a:p>
+            <a:endParaRPr lang="sv-SE" dirty="0"/>
+          </a:p>
+          <a:p>
+            <a:endParaRPr lang="sv-SE" dirty="0"/>
+          </a:p>
+          <a:p>
+            <a:pPr marL="0" indent="0">
+              <a:buNone/>
+            </a:pPr>
+            <a:endParaRPr lang="sv-SE" dirty="0"/>
+          </a:p>
+        </p:txBody>
+      </p:sp>
       <p:pic>
         <p:nvPicPr>
-          <p:cNvPr id="5" name="Content Placeholder 4">
-            <a:extLst>
-              <a:ext uri="{FF2B5EF4-FFF2-40B4-BE49-F238E27FC236}">
-                <a16:creationId xmlns:a16="http://schemas.microsoft.com/office/drawing/2014/main" id="{513DCE69-8FFE-44A5-9C55-4C114A296EE0}"/>
-              </a:ext>
-            </a:extLst>
-          </p:cNvPr>
+          <p:cNvPr id="4" name="Picture 3"/>
           <p:cNvPicPr>
-            <a:picLocks noGrp="1" noChangeAspect="1"/>
+            <a:picLocks noChangeAspect="1"/>
           </p:cNvPicPr>
-          <p:nvPr>
-            <p:ph idx="1"/>
-          </p:nvPr>
+          <p:nvPr/>
         </p:nvPicPr>
-        <p:blipFill rotWithShape="1">
+        <p:blipFill>
           <a:blip r:embed="rId2">
             <a:extLst>
               <a:ext uri="{28A0092B-C50C-407E-A947-70E740481C1C}">
@@ -6132,20 +6210,225 @@
               </a:ext>
             </a:extLst>
           </a:blip>
-          <a:srcRect r="38383"/>
-          <a:stretch/>
+          <a:stretch>
+            <a:fillRect/>
+          </a:stretch>
         </p:blipFill>
         <p:spPr>
           <a:xfrm>
-            <a:off x="1686558" y="1345474"/>
-            <a:ext cx="6033591" cy="4831489"/>
+            <a:off x="4532279" y="1592177"/>
+            <a:ext cx="1663932" cy="752580"/>
           </a:xfrm>
+          <a:prstGeom prst="rect">
+            <a:avLst/>
+          </a:prstGeom>
+        </p:spPr>
+      </p:pic>
+      <p:pic>
+        <p:nvPicPr>
+          <p:cNvPr id="5" name="Picture 4"/>
+          <p:cNvPicPr>
+            <a:picLocks noChangeAspect="1"/>
+          </p:cNvPicPr>
+          <p:nvPr/>
+        </p:nvPicPr>
+        <p:blipFill>
+          <a:blip r:embed="rId3">
+            <a:extLst>
+              <a:ext uri="{28A0092B-C50C-407E-A947-70E740481C1C}">
+                <a14:useLocalDpi xmlns:a14="http://schemas.microsoft.com/office/drawing/2010/main" val="0"/>
+              </a:ext>
+            </a:extLst>
+          </a:blip>
+          <a:stretch>
+            <a:fillRect/>
+          </a:stretch>
+        </p:blipFill>
+        <p:spPr>
+          <a:xfrm>
+            <a:off x="666751" y="3246664"/>
+            <a:ext cx="7460791" cy="1455964"/>
+          </a:xfrm>
+          <a:prstGeom prst="rect">
+            <a:avLst/>
+          </a:prstGeom>
+        </p:spPr>
+      </p:pic>
+      <p:sp>
+        <p:nvSpPr>
+          <p:cNvPr id="6" name="TextBox 5"/>
+          <p:cNvSpPr txBox="1"/>
+          <p:nvPr/>
+        </p:nvSpPr>
+        <p:spPr>
+          <a:xfrm>
+            <a:off x="1025037" y="1758130"/>
+            <a:ext cx="3507242" cy="523220"/>
+          </a:xfrm>
+          <a:prstGeom prst="rect">
+            <a:avLst/>
+          </a:prstGeom>
+          <a:noFill/>
+        </p:spPr>
+        <p:txBody>
+          <a:bodyPr wrap="none" rtlCol="0">
+            <a:spAutoFit/>
+          </a:bodyPr>
+          <a:lstStyle/>
+          <a:p>
+            <a:pPr marL="0" marR="0" lvl="0" indent="0" algn="l" defTabSz="914400" rtl="0" eaLnBrk="1" fontAlgn="auto" latinLnBrk="0" hangingPunct="1">
+              <a:lnSpc>
+                <a:spcPct val="100000"/>
+              </a:lnSpc>
+              <a:spcBef>
+                <a:spcPts val="0"/>
+              </a:spcBef>
+              <a:spcAft>
+                <a:spcPts val="0"/>
+              </a:spcAft>
+              <a:buClrTx/>
+              <a:buSzTx/>
+              <a:buFontTx/>
+              <a:buNone/>
+              <a:tabLst/>
+              <a:defRPr/>
+            </a:pPr>
+            <a:r>
+              <a:rPr kumimoji="0" lang="sv-SE" sz="2800" b="0" i="0" u="none" strike="noStrike" kern="1200" cap="none" spc="0" normalizeH="0" baseline="0" noProof="0" dirty="0" err="1">
+                <a:ln>
+                  <a:noFill/>
+                </a:ln>
+                <a:solidFill>
+                  <a:prstClr val="black"/>
+                </a:solidFill>
+                <a:effectLst/>
+                <a:uLnTx/>
+                <a:uFillTx/>
+                <a:latin typeface="Calibri" panose="020F0502020204030204"/>
+                <a:ea typeface="+mn-ea"/>
+                <a:cs typeface="+mn-cs"/>
+              </a:rPr>
+              <a:t>After</a:t>
+            </a:r>
+            <a:r>
+              <a:rPr kumimoji="0" lang="sv-SE" sz="2800" b="0" i="0" u="none" strike="noStrike" kern="1200" cap="none" spc="0" normalizeH="0" baseline="0" noProof="0" dirty="0">
+                <a:ln>
+                  <a:noFill/>
+                </a:ln>
+                <a:solidFill>
+                  <a:prstClr val="black"/>
+                </a:solidFill>
+                <a:effectLst/>
+                <a:uLnTx/>
+                <a:uFillTx/>
+                <a:latin typeface="Calibri" panose="020F0502020204030204"/>
+                <a:ea typeface="+mn-ea"/>
+                <a:cs typeface="+mn-cs"/>
+              </a:rPr>
+              <a:t> the loop </a:t>
+            </a:r>
+            <a:r>
+              <a:rPr kumimoji="0" lang="sv-SE" sz="2800" b="0" i="0" u="none" strike="noStrike" kern="1200" cap="none" spc="0" normalizeH="0" baseline="0" noProof="0" dirty="0" err="1">
+                <a:ln>
+                  <a:noFill/>
+                </a:ln>
+                <a:solidFill>
+                  <a:prstClr val="black"/>
+                </a:solidFill>
+                <a:effectLst/>
+                <a:uLnTx/>
+                <a:uFillTx/>
+                <a:latin typeface="Calibri" panose="020F0502020204030204"/>
+                <a:ea typeface="+mn-ea"/>
+                <a:cs typeface="+mn-cs"/>
+              </a:rPr>
+              <a:t>we</a:t>
+            </a:r>
+            <a:r>
+              <a:rPr kumimoji="0" lang="sv-SE" sz="2800" b="0" i="0" u="none" strike="noStrike" kern="1200" cap="none" spc="0" normalizeH="0" baseline="0" noProof="0" dirty="0">
+                <a:ln>
+                  <a:noFill/>
+                </a:ln>
+                <a:solidFill>
+                  <a:prstClr val="black"/>
+                </a:solidFill>
+                <a:effectLst/>
+                <a:uLnTx/>
+                <a:uFillTx/>
+                <a:latin typeface="Calibri" panose="020F0502020204030204"/>
+                <a:ea typeface="+mn-ea"/>
+                <a:cs typeface="+mn-cs"/>
+              </a:rPr>
+              <a:t> </a:t>
+            </a:r>
+            <a:r>
+              <a:rPr kumimoji="0" lang="sv-SE" sz="2800" b="0" i="0" u="none" strike="noStrike" kern="1200" cap="none" spc="0" normalizeH="0" baseline="0" noProof="0" dirty="0" err="1">
+                <a:ln>
+                  <a:noFill/>
+                </a:ln>
+                <a:solidFill>
+                  <a:prstClr val="black"/>
+                </a:solidFill>
+                <a:effectLst/>
+                <a:uLnTx/>
+                <a:uFillTx/>
+                <a:latin typeface="Calibri" panose="020F0502020204030204"/>
+                <a:ea typeface="+mn-ea"/>
+                <a:cs typeface="+mn-cs"/>
+              </a:rPr>
+              <a:t>have</a:t>
+            </a:r>
+            <a:endParaRPr kumimoji="0" lang="sv-SE" sz="2800" b="0" i="0" u="none" strike="noStrike" kern="1200" cap="none" spc="0" normalizeH="0" baseline="0" noProof="0" dirty="0">
+              <a:ln>
+                <a:noFill/>
+              </a:ln>
+              <a:solidFill>
+                <a:prstClr val="black"/>
+              </a:solidFill>
+              <a:effectLst/>
+              <a:uLnTx/>
+              <a:uFillTx/>
+              <a:latin typeface="Calibri" panose="020F0502020204030204"/>
+              <a:ea typeface="+mn-ea"/>
+              <a:cs typeface="+mn-cs"/>
+            </a:endParaRPr>
+          </a:p>
+        </p:txBody>
+      </p:sp>
+      <p:pic>
+        <p:nvPicPr>
+          <p:cNvPr id="7" name="Picture 6"/>
+          <p:cNvPicPr>
+            <a:picLocks noChangeAspect="1"/>
+          </p:cNvPicPr>
+          <p:nvPr/>
+        </p:nvPicPr>
+        <p:blipFill>
+          <a:blip r:embed="rId4">
+            <a:extLst>
+              <a:ext uri="{28A0092B-C50C-407E-A947-70E740481C1C}">
+                <a14:useLocalDpi xmlns:a14="http://schemas.microsoft.com/office/drawing/2010/main" val="0"/>
+              </a:ext>
+            </a:extLst>
+          </a:blip>
+          <a:stretch>
+            <a:fillRect/>
+          </a:stretch>
+        </p:blipFill>
+        <p:spPr>
+          <a:xfrm>
+            <a:off x="8059964" y="1370238"/>
+            <a:ext cx="2946400" cy="1495426"/>
+          </a:xfrm>
+          <a:prstGeom prst="rect">
+            <a:avLst/>
+          </a:prstGeom>
         </p:spPr>
       </p:pic>
     </p:spTree>
     <p:extLst>
       <p:ext uri="{BB962C8B-B14F-4D97-AF65-F5344CB8AC3E}">
-        <p14:creationId xmlns:p14="http://schemas.microsoft.com/office/powerpoint/2010/main" val="516000001"/>
+        <p14:creationId xmlns:p14="http://schemas.microsoft.com/office/powerpoint/2010/main" val="2985860930"/>
       </p:ext>
     </p:extLst>
   </p:cSld>
@@ -6172,15 +6455,36 @@
           <a:chExt cx="0" cy="0"/>
         </a:xfrm>
       </p:grpSpPr>
+      <p:sp>
+        <p:nvSpPr>
+          <p:cNvPr id="2" name="Title 1"/>
+          <p:cNvSpPr>
+            <a:spLocks noGrp="1"/>
+          </p:cNvSpPr>
+          <p:nvPr>
+            <p:ph type="title"/>
+          </p:nvPr>
+        </p:nvSpPr>
+        <p:spPr/>
+        <p:txBody>
+          <a:bodyPr/>
+          <a:lstStyle/>
+          <a:p>
+            <a:pPr algn="l"/>
+            <a:r>
+              <a:rPr lang="sv-SE" dirty="0" err="1"/>
+              <a:t>Filling</a:t>
+            </a:r>
+            <a:r>
+              <a:rPr lang="sv-SE" dirty="0"/>
+              <a:t> the histogram</a:t>
+            </a:r>
+          </a:p>
+        </p:txBody>
+      </p:sp>
       <p:pic>
         <p:nvPicPr>
-          <p:cNvPr id="5" name="Content Placeholder 4">
-            <a:extLst>
-              <a:ext uri="{FF2B5EF4-FFF2-40B4-BE49-F238E27FC236}">
-                <a16:creationId xmlns:a16="http://schemas.microsoft.com/office/drawing/2014/main" id="{E4D60EC9-0B01-49BC-8FB9-B2E99F5B0475}"/>
-              </a:ext>
-            </a:extLst>
-          </p:cNvPr>
+          <p:cNvPr id="4" name="Content Placeholder 3"/>
           <p:cNvPicPr>
             <a:picLocks noGrp="1" noChangeAspect="1"/>
           </p:cNvPicPr>
@@ -6188,7 +6492,7 @@
             <p:ph idx="1"/>
           </p:nvPr>
         </p:nvPicPr>
-        <p:blipFill rotWithShape="1">
+        <p:blipFill>
           <a:blip r:embed="rId2">
             <a:extLst>
               <a:ext uri="{28A0092B-C50C-407E-A947-70E740481C1C}">
@@ -6196,20 +6500,21 @@
               </a:ext>
             </a:extLst>
           </a:blip>
-          <a:srcRect r="36767"/>
-          <a:stretch/>
+          <a:stretch>
+            <a:fillRect/>
+          </a:stretch>
         </p:blipFill>
         <p:spPr>
           <a:xfrm>
-            <a:off x="2654662" y="871626"/>
-            <a:ext cx="6882676" cy="5370651"/>
+            <a:off x="711203" y="1981199"/>
+            <a:ext cx="10042071" cy="1651907"/>
           </a:xfrm>
         </p:spPr>
       </p:pic>
     </p:spTree>
     <p:extLst>
       <p:ext uri="{BB962C8B-B14F-4D97-AF65-F5344CB8AC3E}">
-        <p14:creationId xmlns:p14="http://schemas.microsoft.com/office/powerpoint/2010/main" val="2059151940"/>
+        <p14:creationId xmlns:p14="http://schemas.microsoft.com/office/powerpoint/2010/main" val="853887613"/>
       </p:ext>
     </p:extLst>
   </p:cSld>
@@ -6238,6 +6543,1307 @@
       </p:grpSpPr>
       <p:pic>
         <p:nvPicPr>
+          <p:cNvPr id="6" name="Content Placeholder 5"/>
+          <p:cNvPicPr>
+            <a:picLocks noGrp="1" noChangeAspect="1"/>
+          </p:cNvPicPr>
+          <p:nvPr>
+            <p:ph idx="1"/>
+          </p:nvPr>
+        </p:nvPicPr>
+        <p:blipFill>
+          <a:blip r:embed="rId2">
+            <a:extLst>
+              <a:ext uri="{28A0092B-C50C-407E-A947-70E740481C1C}">
+                <a14:useLocalDpi xmlns:a14="http://schemas.microsoft.com/office/drawing/2010/main" val="0"/>
+              </a:ext>
+            </a:extLst>
+          </a:blip>
+          <a:stretch>
+            <a:fillRect/>
+          </a:stretch>
+        </p:blipFill>
+        <p:spPr>
+          <a:xfrm>
+            <a:off x="0" y="114301"/>
+            <a:ext cx="12091307" cy="6629399"/>
+          </a:xfrm>
+        </p:spPr>
+      </p:pic>
+    </p:spTree>
+    <p:extLst>
+      <p:ext uri="{BB962C8B-B14F-4D97-AF65-F5344CB8AC3E}">
+        <p14:creationId xmlns:p14="http://schemas.microsoft.com/office/powerpoint/2010/main" val="4059113329"/>
+      </p:ext>
+    </p:extLst>
+  </p:cSld>
+  <p:clrMapOvr>
+    <a:masterClrMapping/>
+  </p:clrMapOvr>
+</p:sld>
+</file>
+
+<file path=ppt/slides/slide16.xml><?xml version="1.0" encoding="utf-8"?>
+<p:sld xmlns:a="http://schemas.openxmlformats.org/drawingml/2006/main" xmlns:r="http://schemas.openxmlformats.org/officeDocument/2006/relationships" xmlns:p="http://schemas.openxmlformats.org/presentationml/2006/main">
+  <p:cSld>
+    <p:spTree>
+      <p:nvGrpSpPr>
+        <p:cNvPr id="1" name=""/>
+        <p:cNvGrpSpPr/>
+        <p:nvPr/>
+      </p:nvGrpSpPr>
+      <p:grpSpPr>
+        <a:xfrm>
+          <a:off x="0" y="0"/>
+          <a:ext cx="0" cy="0"/>
+          <a:chOff x="0" y="0"/>
+          <a:chExt cx="0" cy="0"/>
+        </a:xfrm>
+      </p:grpSpPr>
+    </p:spTree>
+    <p:extLst>
+      <p:ext uri="{BB962C8B-B14F-4D97-AF65-F5344CB8AC3E}">
+        <p14:creationId xmlns:p14="http://schemas.microsoft.com/office/powerpoint/2010/main" val="869458661"/>
+      </p:ext>
+    </p:extLst>
+  </p:cSld>
+  <p:clrMapOvr>
+    <a:masterClrMapping/>
+  </p:clrMapOvr>
+</p:sld>
+</file>
+
+<file path=ppt/slides/slide17.xml><?xml version="1.0" encoding="utf-8"?>
+<p:sld xmlns:a="http://schemas.openxmlformats.org/drawingml/2006/main" xmlns:r="http://schemas.openxmlformats.org/officeDocument/2006/relationships" xmlns:p="http://schemas.openxmlformats.org/presentationml/2006/main">
+  <p:cSld>
+    <p:spTree>
+      <p:nvGrpSpPr>
+        <p:cNvPr id="1" name=""/>
+        <p:cNvGrpSpPr/>
+        <p:nvPr/>
+      </p:nvGrpSpPr>
+      <p:grpSpPr>
+        <a:xfrm>
+          <a:off x="0" y="0"/>
+          <a:ext cx="0" cy="0"/>
+          <a:chOff x="0" y="0"/>
+          <a:chExt cx="0" cy="0"/>
+        </a:xfrm>
+      </p:grpSpPr>
+      <p:sp>
+        <p:nvSpPr>
+          <p:cNvPr id="2" name="Title 1">
+            <a:extLst>
+              <a:ext uri="{FF2B5EF4-FFF2-40B4-BE49-F238E27FC236}">
+                <a16:creationId xmlns:a16="http://schemas.microsoft.com/office/drawing/2014/main" id="{2B9B2E43-CDC3-4887-B0A9-6946FC1716A8}"/>
+              </a:ext>
+            </a:extLst>
+          </p:cNvPr>
+          <p:cNvSpPr>
+            <a:spLocks noGrp="1"/>
+          </p:cNvSpPr>
+          <p:nvPr>
+            <p:ph type="ctrTitle"/>
+          </p:nvPr>
+        </p:nvSpPr>
+        <p:spPr/>
+        <p:txBody>
+          <a:bodyPr/>
+          <a:lstStyle/>
+          <a:p>
+            <a:r>
+              <a:rPr lang="en-GB" dirty="0"/>
+              <a:t>Spring Temperatures</a:t>
+            </a:r>
+          </a:p>
+        </p:txBody>
+      </p:sp>
+    </p:spTree>
+    <p:extLst>
+      <p:ext uri="{BB962C8B-B14F-4D97-AF65-F5344CB8AC3E}">
+        <p14:creationId xmlns:p14="http://schemas.microsoft.com/office/powerpoint/2010/main" val="1307128848"/>
+      </p:ext>
+    </p:extLst>
+  </p:cSld>
+  <p:clrMapOvr>
+    <a:masterClrMapping/>
+  </p:clrMapOvr>
+</p:sld>
+</file>
+
+<file path=ppt/slides/slide18.xml><?xml version="1.0" encoding="utf-8"?>
+<p:sld xmlns:a="http://schemas.openxmlformats.org/drawingml/2006/main" xmlns:r="http://schemas.openxmlformats.org/officeDocument/2006/relationships" xmlns:p="http://schemas.openxmlformats.org/presentationml/2006/main">
+  <p:cSld>
+    <p:spTree>
+      <p:nvGrpSpPr>
+        <p:cNvPr id="1" name=""/>
+        <p:cNvGrpSpPr/>
+        <p:nvPr/>
+      </p:nvGrpSpPr>
+      <p:grpSpPr>
+        <a:xfrm>
+          <a:off x="0" y="0"/>
+          <a:ext cx="0" cy="0"/>
+          <a:chOff x="0" y="0"/>
+          <a:chExt cx="0" cy="0"/>
+        </a:xfrm>
+      </p:grpSpPr>
+      <p:sp>
+        <p:nvSpPr>
+          <p:cNvPr id="2" name="Title 1">
+            <a:extLst>
+              <a:ext uri="{FF2B5EF4-FFF2-40B4-BE49-F238E27FC236}">
+                <a16:creationId xmlns:a16="http://schemas.microsoft.com/office/drawing/2014/main" id="{831D4EB0-80FA-4FDD-B144-12975633B3B6}"/>
+              </a:ext>
+            </a:extLst>
+          </p:cNvPr>
+          <p:cNvSpPr>
+            <a:spLocks noGrp="1"/>
+          </p:cNvSpPr>
+          <p:nvPr>
+            <p:ph type="title"/>
+          </p:nvPr>
+        </p:nvSpPr>
+        <p:spPr/>
+        <p:txBody>
+          <a:bodyPr/>
+          <a:lstStyle/>
+          <a:p>
+            <a:r>
+              <a:rPr lang="en-GB" dirty="0"/>
+              <a:t>Aims of this section</a:t>
+            </a:r>
+          </a:p>
+        </p:txBody>
+      </p:sp>
+      <p:sp>
+        <p:nvSpPr>
+          <p:cNvPr id="3" name="Content Placeholder 2">
+            <a:extLst>
+              <a:ext uri="{FF2B5EF4-FFF2-40B4-BE49-F238E27FC236}">
+                <a16:creationId xmlns:a16="http://schemas.microsoft.com/office/drawing/2014/main" id="{2637A006-773A-43DB-A178-1B148E434476}"/>
+              </a:ext>
+            </a:extLst>
+          </p:cNvPr>
+          <p:cNvSpPr>
+            <a:spLocks noGrp="1"/>
+          </p:cNvSpPr>
+          <p:nvPr>
+            <p:ph idx="1"/>
+          </p:nvPr>
+        </p:nvSpPr>
+        <p:spPr/>
+        <p:txBody>
+          <a:bodyPr/>
+          <a:lstStyle/>
+          <a:p>
+            <a:r>
+              <a:rPr lang="en-GB" dirty="0"/>
+              <a:t>Plot urban corrected climate data from 1722-2013 in a histogram</a:t>
+            </a:r>
+          </a:p>
+          <a:p>
+            <a:r>
+              <a:rPr lang="en-GB" dirty="0"/>
+              <a:t>Compare mean and standard deviation over two weeks</a:t>
+            </a:r>
+          </a:p>
+          <a:p>
+            <a:r>
+              <a:rPr lang="en-GB" dirty="0"/>
+              <a:t>Determine whether this is a viable way to determine the beginning of Spring</a:t>
+            </a:r>
+          </a:p>
+          <a:p>
+            <a:r>
+              <a:rPr lang="en-GB" dirty="0"/>
+              <a:t>Compare this data at different time periods</a:t>
+            </a:r>
+          </a:p>
+          <a:p>
+            <a:r>
+              <a:rPr lang="en-GB" dirty="0"/>
+              <a:t>Possible improvements</a:t>
+            </a:r>
+          </a:p>
+          <a:p>
+            <a:endParaRPr lang="en-GB" dirty="0"/>
+          </a:p>
+        </p:txBody>
+      </p:sp>
+    </p:spTree>
+    <p:extLst>
+      <p:ext uri="{BB962C8B-B14F-4D97-AF65-F5344CB8AC3E}">
+        <p14:creationId xmlns:p14="http://schemas.microsoft.com/office/powerpoint/2010/main" val="3953635842"/>
+      </p:ext>
+    </p:extLst>
+  </p:cSld>
+  <p:clrMapOvr>
+    <a:masterClrMapping/>
+  </p:clrMapOvr>
+</p:sld>
+</file>
+
+<file path=ppt/slides/slide19.xml><?xml version="1.0" encoding="utf-8"?>
+<p:sld xmlns:a="http://schemas.openxmlformats.org/drawingml/2006/main" xmlns:r="http://schemas.openxmlformats.org/officeDocument/2006/relationships" xmlns:p="http://schemas.openxmlformats.org/presentationml/2006/main">
+  <p:cSld>
+    <p:spTree>
+      <p:nvGrpSpPr>
+        <p:cNvPr id="1" name=""/>
+        <p:cNvGrpSpPr/>
+        <p:nvPr/>
+      </p:nvGrpSpPr>
+      <p:grpSpPr>
+        <a:xfrm>
+          <a:off x="0" y="0"/>
+          <a:ext cx="0" cy="0"/>
+          <a:chOff x="0" y="0"/>
+          <a:chExt cx="0" cy="0"/>
+        </a:xfrm>
+      </p:grpSpPr>
+      <p:sp>
+        <p:nvSpPr>
+          <p:cNvPr id="2" name="Title 1">
+            <a:extLst>
+              <a:ext uri="{FF2B5EF4-FFF2-40B4-BE49-F238E27FC236}">
+                <a16:creationId xmlns:a16="http://schemas.microsoft.com/office/drawing/2014/main" id="{5375AE14-1BD1-427B-B3D6-6B2E9DD19808}"/>
+              </a:ext>
+            </a:extLst>
+          </p:cNvPr>
+          <p:cNvSpPr>
+            <a:spLocks noGrp="1"/>
+          </p:cNvSpPr>
+          <p:nvPr>
+            <p:ph type="title"/>
+          </p:nvPr>
+        </p:nvSpPr>
+        <p:spPr/>
+        <p:txBody>
+          <a:bodyPr/>
+          <a:lstStyle/>
+          <a:p>
+            <a:r>
+              <a:rPr lang="en-GB" dirty="0"/>
+              <a:t>Streaming the dataset</a:t>
+            </a:r>
+          </a:p>
+        </p:txBody>
+      </p:sp>
+      <p:sp>
+        <p:nvSpPr>
+          <p:cNvPr id="3" name="Content Placeholder 2">
+            <a:extLst>
+              <a:ext uri="{FF2B5EF4-FFF2-40B4-BE49-F238E27FC236}">
+                <a16:creationId xmlns:a16="http://schemas.microsoft.com/office/drawing/2014/main" id="{17690416-0E0F-4998-AA06-DCE6B2915DBF}"/>
+              </a:ext>
+            </a:extLst>
+          </p:cNvPr>
+          <p:cNvSpPr>
+            <a:spLocks noGrp="1"/>
+          </p:cNvSpPr>
+          <p:nvPr>
+            <p:ph idx="1"/>
+          </p:nvPr>
+        </p:nvSpPr>
+        <p:spPr/>
+        <p:txBody>
+          <a:bodyPr/>
+          <a:lstStyle/>
+          <a:p>
+            <a:r>
+              <a:rPr lang="en-GB" dirty="0"/>
+              <a:t>6 columns, all useful apart from the 4</a:t>
+            </a:r>
+            <a:r>
+              <a:rPr lang="en-GB" baseline="30000" dirty="0"/>
+              <a:t>th</a:t>
+            </a:r>
+            <a:endParaRPr lang="en-GB" dirty="0"/>
+          </a:p>
+          <a:p>
+            <a:r>
+              <a:rPr lang="en-GB" dirty="0"/>
+              <a:t>Program was written for this</a:t>
+            </a:r>
+          </a:p>
+          <a:p>
+            <a:r>
+              <a:rPr lang="en-GB" dirty="0"/>
+              <a:t>Takes a month and day for arguments</a:t>
+            </a:r>
+          </a:p>
+          <a:p>
+            <a:r>
+              <a:rPr lang="en-GB" dirty="0"/>
+              <a:t>Some similarities with previous section</a:t>
+            </a:r>
+          </a:p>
+        </p:txBody>
+      </p:sp>
+    </p:spTree>
+    <p:extLst>
+      <p:ext uri="{BB962C8B-B14F-4D97-AF65-F5344CB8AC3E}">
+        <p14:creationId xmlns:p14="http://schemas.microsoft.com/office/powerpoint/2010/main" val="3644629271"/>
+      </p:ext>
+    </p:extLst>
+  </p:cSld>
+  <p:clrMapOvr>
+    <a:masterClrMapping/>
+  </p:clrMapOvr>
+</p:sld>
+</file>
+
+<file path=ppt/slides/slide2.xml><?xml version="1.0" encoding="utf-8"?>
+<p:sld xmlns:a="http://schemas.openxmlformats.org/drawingml/2006/main" xmlns:r="http://schemas.openxmlformats.org/officeDocument/2006/relationships" xmlns:p="http://schemas.openxmlformats.org/presentationml/2006/main">
+  <p:cSld>
+    <p:spTree>
+      <p:nvGrpSpPr>
+        <p:cNvPr id="1" name=""/>
+        <p:cNvGrpSpPr/>
+        <p:nvPr/>
+      </p:nvGrpSpPr>
+      <p:grpSpPr>
+        <a:xfrm>
+          <a:off x="0" y="0"/>
+          <a:ext cx="0" cy="0"/>
+          <a:chOff x="0" y="0"/>
+          <a:chExt cx="0" cy="0"/>
+        </a:xfrm>
+      </p:grpSpPr>
+    </p:spTree>
+    <p:extLst>
+      <p:ext uri="{BB962C8B-B14F-4D97-AF65-F5344CB8AC3E}">
+        <p14:creationId xmlns:p14="http://schemas.microsoft.com/office/powerpoint/2010/main" val="3597517969"/>
+      </p:ext>
+    </p:extLst>
+  </p:cSld>
+  <p:clrMapOvr>
+    <a:masterClrMapping/>
+  </p:clrMapOvr>
+</p:sld>
+</file>
+
+<file path=ppt/slides/slide20.xml><?xml version="1.0" encoding="utf-8"?>
+<p:sld xmlns:a="http://schemas.openxmlformats.org/drawingml/2006/main" xmlns:r="http://schemas.openxmlformats.org/officeDocument/2006/relationships" xmlns:p="http://schemas.openxmlformats.org/presentationml/2006/main">
+  <p:cSld>
+    <p:spTree>
+      <p:nvGrpSpPr>
+        <p:cNvPr id="1" name=""/>
+        <p:cNvGrpSpPr/>
+        <p:nvPr/>
+      </p:nvGrpSpPr>
+      <p:grpSpPr>
+        <a:xfrm>
+          <a:off x="0" y="0"/>
+          <a:ext cx="0" cy="0"/>
+          <a:chOff x="0" y="0"/>
+          <a:chExt cx="0" cy="0"/>
+        </a:xfrm>
+      </p:grpSpPr>
+      <p:sp>
+        <p:nvSpPr>
+          <p:cNvPr id="2" name="Title 1">
+            <a:extLst>
+              <a:ext uri="{FF2B5EF4-FFF2-40B4-BE49-F238E27FC236}">
+                <a16:creationId xmlns:a16="http://schemas.microsoft.com/office/drawing/2014/main" id="{896E47D9-1C8D-4418-97E6-377DD2504FC4}"/>
+              </a:ext>
+            </a:extLst>
+          </p:cNvPr>
+          <p:cNvSpPr>
+            <a:spLocks noGrp="1"/>
+          </p:cNvSpPr>
+          <p:nvPr>
+            <p:ph type="title"/>
+          </p:nvPr>
+        </p:nvSpPr>
+        <p:spPr>
+          <a:xfrm>
+            <a:off x="697524" y="-141312"/>
+            <a:ext cx="10515600" cy="1325563"/>
+          </a:xfrm>
+        </p:spPr>
+        <p:txBody>
+          <a:bodyPr/>
+          <a:lstStyle/>
+          <a:p>
+            <a:r>
+              <a:rPr lang="en-GB" dirty="0"/>
+              <a:t>Code</a:t>
+            </a:r>
+          </a:p>
+        </p:txBody>
+      </p:sp>
+      <p:pic>
+        <p:nvPicPr>
+          <p:cNvPr id="14" name="Content Placeholder 13">
+            <a:extLst>
+              <a:ext uri="{FF2B5EF4-FFF2-40B4-BE49-F238E27FC236}">
+                <a16:creationId xmlns:a16="http://schemas.microsoft.com/office/drawing/2014/main" id="{4CBF28AC-EA41-4770-B7ED-2D1DCDAA2566}"/>
+              </a:ext>
+            </a:extLst>
+          </p:cNvPr>
+          <p:cNvPicPr>
+            <a:picLocks noGrp="1" noChangeAspect="1"/>
+          </p:cNvPicPr>
+          <p:nvPr>
+            <p:ph idx="1"/>
+          </p:nvPr>
+        </p:nvPicPr>
+        <p:blipFill rotWithShape="1">
+          <a:blip r:embed="rId2">
+            <a:extLst>
+              <a:ext uri="{28A0092B-C50C-407E-A947-70E740481C1C}">
+                <a14:useLocalDpi xmlns:a14="http://schemas.microsoft.com/office/drawing/2010/main" val="0"/>
+              </a:ext>
+            </a:extLst>
+          </a:blip>
+          <a:srcRect r="39355" b="16868"/>
+          <a:stretch/>
+        </p:blipFill>
+        <p:spPr>
+          <a:xfrm>
+            <a:off x="1822938" y="961403"/>
+            <a:ext cx="7296614" cy="4935194"/>
+          </a:xfrm>
+        </p:spPr>
+      </p:pic>
+    </p:spTree>
+    <p:extLst>
+      <p:ext uri="{BB962C8B-B14F-4D97-AF65-F5344CB8AC3E}">
+        <p14:creationId xmlns:p14="http://schemas.microsoft.com/office/powerpoint/2010/main" val="2455390672"/>
+      </p:ext>
+    </p:extLst>
+  </p:cSld>
+  <p:clrMapOvr>
+    <a:masterClrMapping/>
+  </p:clrMapOvr>
+</p:sld>
+</file>
+
+<file path=ppt/slides/slide21.xml><?xml version="1.0" encoding="utf-8"?>
+<p:sld xmlns:a="http://schemas.openxmlformats.org/drawingml/2006/main" xmlns:r="http://schemas.openxmlformats.org/officeDocument/2006/relationships" xmlns:p="http://schemas.openxmlformats.org/presentationml/2006/main">
+  <p:cSld>
+    <p:spTree>
+      <p:nvGrpSpPr>
+        <p:cNvPr id="1" name=""/>
+        <p:cNvGrpSpPr/>
+        <p:nvPr/>
+      </p:nvGrpSpPr>
+      <p:grpSpPr>
+        <a:xfrm>
+          <a:off x="0" y="0"/>
+          <a:ext cx="0" cy="0"/>
+          <a:chOff x="0" y="0"/>
+          <a:chExt cx="0" cy="0"/>
+        </a:xfrm>
+      </p:grpSpPr>
+      <p:pic>
+        <p:nvPicPr>
+          <p:cNvPr id="5" name="Content Placeholder 4">
+            <a:extLst>
+              <a:ext uri="{FF2B5EF4-FFF2-40B4-BE49-F238E27FC236}">
+                <a16:creationId xmlns:a16="http://schemas.microsoft.com/office/drawing/2014/main" id="{4109C75B-F1FA-450C-9291-ABFC78295B71}"/>
+              </a:ext>
+            </a:extLst>
+          </p:cNvPr>
+          <p:cNvPicPr>
+            <a:picLocks noGrp="1" noChangeAspect="1"/>
+          </p:cNvPicPr>
+          <p:nvPr>
+            <p:ph idx="1"/>
+          </p:nvPr>
+        </p:nvPicPr>
+        <p:blipFill rotWithShape="1">
+          <a:blip r:embed="rId2">
+            <a:extLst>
+              <a:ext uri="{28A0092B-C50C-407E-A947-70E740481C1C}">
+                <a14:useLocalDpi xmlns:a14="http://schemas.microsoft.com/office/drawing/2010/main" val="0"/>
+              </a:ext>
+            </a:extLst>
+          </a:blip>
+          <a:srcRect r="37580" b="8586"/>
+          <a:stretch/>
+        </p:blipFill>
+        <p:spPr>
+          <a:xfrm>
+            <a:off x="2328902" y="706902"/>
+            <a:ext cx="7534196" cy="5444196"/>
+          </a:xfrm>
+        </p:spPr>
+      </p:pic>
+    </p:spTree>
+    <p:extLst>
+      <p:ext uri="{BB962C8B-B14F-4D97-AF65-F5344CB8AC3E}">
+        <p14:creationId xmlns:p14="http://schemas.microsoft.com/office/powerpoint/2010/main" val="3455175587"/>
+      </p:ext>
+    </p:extLst>
+  </p:cSld>
+  <p:clrMapOvr>
+    <a:masterClrMapping/>
+  </p:clrMapOvr>
+</p:sld>
+</file>
+
+<file path=ppt/slides/slide22.xml><?xml version="1.0" encoding="utf-8"?>
+<p:sld xmlns:a="http://schemas.openxmlformats.org/drawingml/2006/main" xmlns:r="http://schemas.openxmlformats.org/officeDocument/2006/relationships" xmlns:p="http://schemas.openxmlformats.org/presentationml/2006/main">
+  <p:cSld>
+    <p:spTree>
+      <p:nvGrpSpPr>
+        <p:cNvPr id="1" name=""/>
+        <p:cNvGrpSpPr/>
+        <p:nvPr/>
+      </p:nvGrpSpPr>
+      <p:grpSpPr>
+        <a:xfrm>
+          <a:off x="0" y="0"/>
+          <a:ext cx="0" cy="0"/>
+          <a:chOff x="0" y="0"/>
+          <a:chExt cx="0" cy="0"/>
+        </a:xfrm>
+      </p:grpSpPr>
+      <p:pic>
+        <p:nvPicPr>
+          <p:cNvPr id="5" name="Content Placeholder 4">
+            <a:extLst>
+              <a:ext uri="{FF2B5EF4-FFF2-40B4-BE49-F238E27FC236}">
+                <a16:creationId xmlns:a16="http://schemas.microsoft.com/office/drawing/2014/main" id="{23880FE1-1CB2-4B4D-9AF9-FA11A6C451B8}"/>
+              </a:ext>
+            </a:extLst>
+          </p:cNvPr>
+          <p:cNvPicPr>
+            <a:picLocks noGrp="1" noChangeAspect="1"/>
+          </p:cNvPicPr>
+          <p:nvPr>
+            <p:ph idx="1"/>
+          </p:nvPr>
+        </p:nvPicPr>
+        <p:blipFill rotWithShape="1">
+          <a:blip r:embed="rId2">
+            <a:extLst>
+              <a:ext uri="{28A0092B-C50C-407E-A947-70E740481C1C}">
+                <a14:useLocalDpi xmlns:a14="http://schemas.microsoft.com/office/drawing/2010/main" val="0"/>
+              </a:ext>
+            </a:extLst>
+          </a:blip>
+          <a:srcRect r="38887"/>
+          <a:stretch/>
+        </p:blipFill>
+        <p:spPr>
+          <a:xfrm>
+            <a:off x="2740073" y="869021"/>
+            <a:ext cx="6711854" cy="5418980"/>
+          </a:xfrm>
+        </p:spPr>
+      </p:pic>
+    </p:spTree>
+    <p:extLst>
+      <p:ext uri="{BB962C8B-B14F-4D97-AF65-F5344CB8AC3E}">
+        <p14:creationId xmlns:p14="http://schemas.microsoft.com/office/powerpoint/2010/main" val="2857493629"/>
+      </p:ext>
+    </p:extLst>
+  </p:cSld>
+  <p:clrMapOvr>
+    <a:masterClrMapping/>
+  </p:clrMapOvr>
+</p:sld>
+</file>
+
+<file path=ppt/slides/slide23.xml><?xml version="1.0" encoding="utf-8"?>
+<p:sld xmlns:a="http://schemas.openxmlformats.org/drawingml/2006/main" xmlns:r="http://schemas.openxmlformats.org/officeDocument/2006/relationships" xmlns:p="http://schemas.openxmlformats.org/presentationml/2006/main">
+  <p:cSld>
+    <p:spTree>
+      <p:nvGrpSpPr>
+        <p:cNvPr id="1" name=""/>
+        <p:cNvGrpSpPr/>
+        <p:nvPr/>
+      </p:nvGrpSpPr>
+      <p:grpSpPr>
+        <a:xfrm>
+          <a:off x="0" y="0"/>
+          <a:ext cx="0" cy="0"/>
+          <a:chOff x="0" y="0"/>
+          <a:chExt cx="0" cy="0"/>
+        </a:xfrm>
+      </p:grpSpPr>
+      <p:pic>
+        <p:nvPicPr>
+          <p:cNvPr id="5" name="Content Placeholder 4">
+            <a:extLst>
+              <a:ext uri="{FF2B5EF4-FFF2-40B4-BE49-F238E27FC236}">
+                <a16:creationId xmlns:a16="http://schemas.microsoft.com/office/drawing/2014/main" id="{7D62696C-5721-4918-AF21-70D9F20BB528}"/>
+              </a:ext>
+            </a:extLst>
+          </p:cNvPr>
+          <p:cNvPicPr>
+            <a:picLocks noGrp="1" noChangeAspect="1"/>
+          </p:cNvPicPr>
+          <p:nvPr>
+            <p:ph idx="1"/>
+          </p:nvPr>
+        </p:nvPicPr>
+        <p:blipFill rotWithShape="1">
+          <a:blip r:embed="rId2">
+            <a:extLst>
+              <a:ext uri="{28A0092B-C50C-407E-A947-70E740481C1C}">
+                <a14:useLocalDpi xmlns:a14="http://schemas.microsoft.com/office/drawing/2010/main" val="0"/>
+              </a:ext>
+            </a:extLst>
+          </a:blip>
+          <a:srcRect r="25966" b="8757"/>
+          <a:stretch/>
+        </p:blipFill>
+        <p:spPr>
+          <a:xfrm>
+            <a:off x="2080453" y="874990"/>
+            <a:ext cx="8399977" cy="5108019"/>
+          </a:xfrm>
+        </p:spPr>
+      </p:pic>
+    </p:spTree>
+    <p:extLst>
+      <p:ext uri="{BB962C8B-B14F-4D97-AF65-F5344CB8AC3E}">
+        <p14:creationId xmlns:p14="http://schemas.microsoft.com/office/powerpoint/2010/main" val="2480027440"/>
+      </p:ext>
+    </p:extLst>
+  </p:cSld>
+  <p:clrMapOvr>
+    <a:masterClrMapping/>
+  </p:clrMapOvr>
+</p:sld>
+</file>
+
+<file path=ppt/slides/slide24.xml><?xml version="1.0" encoding="utf-8"?>
+<p:sld xmlns:a="http://schemas.openxmlformats.org/drawingml/2006/main" xmlns:r="http://schemas.openxmlformats.org/officeDocument/2006/relationships" xmlns:p="http://schemas.openxmlformats.org/presentationml/2006/main">
+  <p:cSld>
+    <p:spTree>
+      <p:nvGrpSpPr>
+        <p:cNvPr id="1" name=""/>
+        <p:cNvGrpSpPr/>
+        <p:nvPr/>
+      </p:nvGrpSpPr>
+      <p:grpSpPr>
+        <a:xfrm>
+          <a:off x="0" y="0"/>
+          <a:ext cx="0" cy="0"/>
+          <a:chOff x="0" y="0"/>
+          <a:chExt cx="0" cy="0"/>
+        </a:xfrm>
+      </p:grpSpPr>
+      <p:pic>
+        <p:nvPicPr>
+          <p:cNvPr id="5" name="Content Placeholder 4">
+            <a:extLst>
+              <a:ext uri="{FF2B5EF4-FFF2-40B4-BE49-F238E27FC236}">
+                <a16:creationId xmlns:a16="http://schemas.microsoft.com/office/drawing/2014/main" id="{3A16BE9E-AE95-420C-AB80-E44D8151ECEE}"/>
+              </a:ext>
+            </a:extLst>
+          </p:cNvPr>
+          <p:cNvPicPr>
+            <a:picLocks noGrp="1" noChangeAspect="1"/>
+          </p:cNvPicPr>
+          <p:nvPr>
+            <p:ph idx="1"/>
+          </p:nvPr>
+        </p:nvPicPr>
+        <p:blipFill rotWithShape="1">
+          <a:blip r:embed="rId2">
+            <a:extLst>
+              <a:ext uri="{28A0092B-C50C-407E-A947-70E740481C1C}">
+                <a14:useLocalDpi xmlns:a14="http://schemas.microsoft.com/office/drawing/2010/main" val="0"/>
+              </a:ext>
+            </a:extLst>
+          </a:blip>
+          <a:srcRect l="17626" r="19354"/>
+          <a:stretch/>
+        </p:blipFill>
+        <p:spPr>
+          <a:xfrm>
+            <a:off x="2262051" y="427253"/>
+            <a:ext cx="7667898" cy="6003493"/>
+          </a:xfrm>
+        </p:spPr>
+      </p:pic>
+    </p:spTree>
+    <p:extLst>
+      <p:ext uri="{BB962C8B-B14F-4D97-AF65-F5344CB8AC3E}">
+        <p14:creationId xmlns:p14="http://schemas.microsoft.com/office/powerpoint/2010/main" val="3337960931"/>
+      </p:ext>
+    </p:extLst>
+  </p:cSld>
+  <p:clrMapOvr>
+    <a:masterClrMapping/>
+  </p:clrMapOvr>
+</p:sld>
+</file>
+
+<file path=ppt/slides/slide25.xml><?xml version="1.0" encoding="utf-8"?>
+<p:sld xmlns:a="http://schemas.openxmlformats.org/drawingml/2006/main" xmlns:r="http://schemas.openxmlformats.org/officeDocument/2006/relationships" xmlns:p="http://schemas.openxmlformats.org/presentationml/2006/main">
+  <p:cSld>
+    <p:spTree>
+      <p:nvGrpSpPr>
+        <p:cNvPr id="1" name=""/>
+        <p:cNvGrpSpPr/>
+        <p:nvPr/>
+      </p:nvGrpSpPr>
+      <p:grpSpPr>
+        <a:xfrm>
+          <a:off x="0" y="0"/>
+          <a:ext cx="0" cy="0"/>
+          <a:chOff x="0" y="0"/>
+          <a:chExt cx="0" cy="0"/>
+        </a:xfrm>
+      </p:grpSpPr>
+      <p:pic>
+        <p:nvPicPr>
+          <p:cNvPr id="5" name="Content Placeholder 4">
+            <a:extLst>
+              <a:ext uri="{FF2B5EF4-FFF2-40B4-BE49-F238E27FC236}">
+                <a16:creationId xmlns:a16="http://schemas.microsoft.com/office/drawing/2014/main" id="{1AA7AE5C-C270-4819-9B62-484230D5480E}"/>
+              </a:ext>
+            </a:extLst>
+          </p:cNvPr>
+          <p:cNvPicPr>
+            <a:picLocks noGrp="1" noChangeAspect="1"/>
+          </p:cNvPicPr>
+          <p:nvPr>
+            <p:ph idx="1"/>
+          </p:nvPr>
+        </p:nvPicPr>
+        <p:blipFill rotWithShape="1">
+          <a:blip r:embed="rId2">
+            <a:extLst>
+              <a:ext uri="{28A0092B-C50C-407E-A947-70E740481C1C}">
+                <a14:useLocalDpi xmlns:a14="http://schemas.microsoft.com/office/drawing/2010/main" val="0"/>
+              </a:ext>
+            </a:extLst>
+          </a:blip>
+          <a:srcRect l="23387" r="21066"/>
+          <a:stretch/>
+        </p:blipFill>
+        <p:spPr>
+          <a:xfrm>
+            <a:off x="2294709" y="375327"/>
+            <a:ext cx="6875417" cy="6107345"/>
+          </a:xfrm>
+        </p:spPr>
+      </p:pic>
+    </p:spTree>
+    <p:extLst>
+      <p:ext uri="{BB962C8B-B14F-4D97-AF65-F5344CB8AC3E}">
+        <p14:creationId xmlns:p14="http://schemas.microsoft.com/office/powerpoint/2010/main" val="4256811774"/>
+      </p:ext>
+    </p:extLst>
+  </p:cSld>
+  <p:clrMapOvr>
+    <a:masterClrMapping/>
+  </p:clrMapOvr>
+</p:sld>
+</file>
+
+<file path=ppt/slides/slide26.xml><?xml version="1.0" encoding="utf-8"?>
+<p:sld xmlns:a="http://schemas.openxmlformats.org/drawingml/2006/main" xmlns:r="http://schemas.openxmlformats.org/officeDocument/2006/relationships" xmlns:p="http://schemas.openxmlformats.org/presentationml/2006/main">
+  <p:cSld>
+    <p:spTree>
+      <p:nvGrpSpPr>
+        <p:cNvPr id="1" name=""/>
+        <p:cNvGrpSpPr/>
+        <p:nvPr/>
+      </p:nvGrpSpPr>
+      <p:grpSpPr>
+        <a:xfrm>
+          <a:off x="0" y="0"/>
+          <a:ext cx="0" cy="0"/>
+          <a:chOff x="0" y="0"/>
+          <a:chExt cx="0" cy="0"/>
+        </a:xfrm>
+      </p:grpSpPr>
+      <p:pic>
+        <p:nvPicPr>
+          <p:cNvPr id="5" name="Content Placeholder 4">
+            <a:extLst>
+              <a:ext uri="{FF2B5EF4-FFF2-40B4-BE49-F238E27FC236}">
+                <a16:creationId xmlns:a16="http://schemas.microsoft.com/office/drawing/2014/main" id="{A0EF73C3-B723-4AC4-8C2F-911BCA8554AA}"/>
+              </a:ext>
+            </a:extLst>
+          </p:cNvPr>
+          <p:cNvPicPr>
+            <a:picLocks noGrp="1" noChangeAspect="1"/>
+          </p:cNvPicPr>
+          <p:nvPr>
+            <p:ph idx="1"/>
+          </p:nvPr>
+        </p:nvPicPr>
+        <p:blipFill rotWithShape="1">
+          <a:blip r:embed="rId2">
+            <a:extLst>
+              <a:ext uri="{28A0092B-C50C-407E-A947-70E740481C1C}">
+                <a14:useLocalDpi xmlns:a14="http://schemas.microsoft.com/office/drawing/2010/main" val="0"/>
+              </a:ext>
+            </a:extLst>
+          </a:blip>
+          <a:srcRect l="22032" r="18150"/>
+          <a:stretch/>
+        </p:blipFill>
+        <p:spPr>
+          <a:xfrm>
+            <a:off x="2424332" y="400468"/>
+            <a:ext cx="7343335" cy="6057063"/>
+          </a:xfrm>
+        </p:spPr>
+      </p:pic>
+    </p:spTree>
+    <p:extLst>
+      <p:ext uri="{BB962C8B-B14F-4D97-AF65-F5344CB8AC3E}">
+        <p14:creationId xmlns:p14="http://schemas.microsoft.com/office/powerpoint/2010/main" val="1013575630"/>
+      </p:ext>
+    </p:extLst>
+  </p:cSld>
+  <p:clrMapOvr>
+    <a:masterClrMapping/>
+  </p:clrMapOvr>
+</p:sld>
+</file>
+
+<file path=ppt/slides/slide27.xml><?xml version="1.0" encoding="utf-8"?>
+<p:sld xmlns:a="http://schemas.openxmlformats.org/drawingml/2006/main" xmlns:r="http://schemas.openxmlformats.org/officeDocument/2006/relationships" xmlns:p="http://schemas.openxmlformats.org/presentationml/2006/main">
+  <p:cSld>
+    <p:spTree>
+      <p:nvGrpSpPr>
+        <p:cNvPr id="1" name=""/>
+        <p:cNvGrpSpPr/>
+        <p:nvPr/>
+      </p:nvGrpSpPr>
+      <p:grpSpPr>
+        <a:xfrm>
+          <a:off x="0" y="0"/>
+          <a:ext cx="0" cy="0"/>
+          <a:chOff x="0" y="0"/>
+          <a:chExt cx="0" cy="0"/>
+        </a:xfrm>
+      </p:grpSpPr>
+      <p:sp>
+        <p:nvSpPr>
+          <p:cNvPr id="3" name="Content Placeholder 2">
+            <a:extLst>
+              <a:ext uri="{FF2B5EF4-FFF2-40B4-BE49-F238E27FC236}">
+                <a16:creationId xmlns:a16="http://schemas.microsoft.com/office/drawing/2014/main" id="{836A0048-D6DD-4FA2-AF56-734D21658030}"/>
+              </a:ext>
+            </a:extLst>
+          </p:cNvPr>
+          <p:cNvSpPr>
+            <a:spLocks noGrp="1"/>
+          </p:cNvSpPr>
+          <p:nvPr>
+            <p:ph idx="1"/>
+          </p:nvPr>
+        </p:nvSpPr>
+        <p:spPr/>
+        <p:txBody>
+          <a:bodyPr/>
+          <a:lstStyle/>
+          <a:p>
+            <a:r>
+              <a:rPr lang="en-GB" dirty="0"/>
+              <a:t>As expected, increase in temperature</a:t>
+            </a:r>
+          </a:p>
+          <a:p>
+            <a:r>
+              <a:rPr lang="en-GB" dirty="0"/>
+              <a:t>Not especially helpful for seeing when Spring starts</a:t>
+            </a:r>
+          </a:p>
+          <a:p>
+            <a:r>
+              <a:rPr lang="en-GB" dirty="0"/>
+              <a:t>High standard deviation in each case</a:t>
+            </a:r>
+          </a:p>
+          <a:p>
+            <a:r>
+              <a:rPr lang="en-GB" dirty="0"/>
+              <a:t>Large data sample, not useful for predictions</a:t>
+            </a:r>
+          </a:p>
+        </p:txBody>
+      </p:sp>
+    </p:spTree>
+    <p:extLst>
+      <p:ext uri="{BB962C8B-B14F-4D97-AF65-F5344CB8AC3E}">
+        <p14:creationId xmlns:p14="http://schemas.microsoft.com/office/powerpoint/2010/main" val="4288386310"/>
+      </p:ext>
+    </p:extLst>
+  </p:cSld>
+  <p:clrMapOvr>
+    <a:masterClrMapping/>
+  </p:clrMapOvr>
+</p:sld>
+</file>
+
+<file path=ppt/slides/slide28.xml><?xml version="1.0" encoding="utf-8"?>
+<p:sld xmlns:a="http://schemas.openxmlformats.org/drawingml/2006/main" xmlns:r="http://schemas.openxmlformats.org/officeDocument/2006/relationships" xmlns:p="http://schemas.openxmlformats.org/presentationml/2006/main">
+  <p:cSld>
+    <p:spTree>
+      <p:nvGrpSpPr>
+        <p:cNvPr id="1" name=""/>
+        <p:cNvGrpSpPr/>
+        <p:nvPr/>
+      </p:nvGrpSpPr>
+      <p:grpSpPr>
+        <a:xfrm>
+          <a:off x="0" y="0"/>
+          <a:ext cx="0" cy="0"/>
+          <a:chOff x="0" y="0"/>
+          <a:chExt cx="0" cy="0"/>
+        </a:xfrm>
+      </p:grpSpPr>
+      <p:sp>
+        <p:nvSpPr>
+          <p:cNvPr id="2" name="Title 1">
+            <a:extLst>
+              <a:ext uri="{FF2B5EF4-FFF2-40B4-BE49-F238E27FC236}">
+                <a16:creationId xmlns:a16="http://schemas.microsoft.com/office/drawing/2014/main" id="{D482AFEC-843E-4947-8181-E51450A9588C}"/>
+              </a:ext>
+            </a:extLst>
+          </p:cNvPr>
+          <p:cNvSpPr>
+            <a:spLocks noGrp="1"/>
+          </p:cNvSpPr>
+          <p:nvPr>
+            <p:ph type="title"/>
+          </p:nvPr>
+        </p:nvSpPr>
+        <p:spPr/>
+        <p:txBody>
+          <a:bodyPr/>
+          <a:lstStyle/>
+          <a:p>
+            <a:r>
+              <a:rPr lang="en-GB" dirty="0"/>
+              <a:t>Any changes with time?</a:t>
+            </a:r>
+          </a:p>
+        </p:txBody>
+      </p:sp>
+      <p:sp>
+        <p:nvSpPr>
+          <p:cNvPr id="3" name="Content Placeholder 2">
+            <a:extLst>
+              <a:ext uri="{FF2B5EF4-FFF2-40B4-BE49-F238E27FC236}">
+                <a16:creationId xmlns:a16="http://schemas.microsoft.com/office/drawing/2014/main" id="{7BAB1271-45FD-45C2-9046-BC34BD0E39FB}"/>
+              </a:ext>
+            </a:extLst>
+          </p:cNvPr>
+          <p:cNvSpPr>
+            <a:spLocks noGrp="1"/>
+          </p:cNvSpPr>
+          <p:nvPr>
+            <p:ph idx="1"/>
+          </p:nvPr>
+        </p:nvSpPr>
+        <p:spPr/>
+        <p:txBody>
+          <a:bodyPr/>
+          <a:lstStyle/>
+          <a:p>
+            <a:r>
+              <a:rPr lang="en-GB" dirty="0"/>
+              <a:t>Split the data into three roughly equal time periods (Hard to be precise because of non Uppsala data)</a:t>
+            </a:r>
+          </a:p>
+          <a:p>
+            <a:r>
+              <a:rPr lang="en-GB" dirty="0"/>
+              <a:t>Compare each of these</a:t>
+            </a:r>
+          </a:p>
+        </p:txBody>
+      </p:sp>
+    </p:spTree>
+    <p:extLst>
+      <p:ext uri="{BB962C8B-B14F-4D97-AF65-F5344CB8AC3E}">
+        <p14:creationId xmlns:p14="http://schemas.microsoft.com/office/powerpoint/2010/main" val="2660013883"/>
+      </p:ext>
+    </p:extLst>
+  </p:cSld>
+  <p:clrMapOvr>
+    <a:masterClrMapping/>
+  </p:clrMapOvr>
+</p:sld>
+</file>
+
+<file path=ppt/slides/slide29.xml><?xml version="1.0" encoding="utf-8"?>
+<p:sld xmlns:a="http://schemas.openxmlformats.org/drawingml/2006/main" xmlns:r="http://schemas.openxmlformats.org/officeDocument/2006/relationships" xmlns:p="http://schemas.openxmlformats.org/presentationml/2006/main">
+  <p:cSld>
+    <p:spTree>
+      <p:nvGrpSpPr>
+        <p:cNvPr id="1" name=""/>
+        <p:cNvGrpSpPr/>
+        <p:nvPr/>
+      </p:nvGrpSpPr>
+      <p:grpSpPr>
+        <a:xfrm>
+          <a:off x="0" y="0"/>
+          <a:ext cx="0" cy="0"/>
+          <a:chOff x="0" y="0"/>
+          <a:chExt cx="0" cy="0"/>
+        </a:xfrm>
+      </p:grpSpPr>
+      <p:pic>
+        <p:nvPicPr>
+          <p:cNvPr id="5" name="Content Placeholder 4">
+            <a:extLst>
+              <a:ext uri="{FF2B5EF4-FFF2-40B4-BE49-F238E27FC236}">
+                <a16:creationId xmlns:a16="http://schemas.microsoft.com/office/drawing/2014/main" id="{513DCE69-8FFE-44A5-9C55-4C114A296EE0}"/>
+              </a:ext>
+            </a:extLst>
+          </p:cNvPr>
+          <p:cNvPicPr>
+            <a:picLocks noGrp="1" noChangeAspect="1"/>
+          </p:cNvPicPr>
+          <p:nvPr>
+            <p:ph idx="1"/>
+          </p:nvPr>
+        </p:nvPicPr>
+        <p:blipFill rotWithShape="1">
+          <a:blip r:embed="rId2">
+            <a:extLst>
+              <a:ext uri="{28A0092B-C50C-407E-A947-70E740481C1C}">
+                <a14:useLocalDpi xmlns:a14="http://schemas.microsoft.com/office/drawing/2010/main" val="0"/>
+              </a:ext>
+            </a:extLst>
+          </a:blip>
+          <a:srcRect r="38383"/>
+          <a:stretch/>
+        </p:blipFill>
+        <p:spPr>
+          <a:xfrm>
+            <a:off x="1686558" y="1345474"/>
+            <a:ext cx="6033591" cy="4831489"/>
+          </a:xfrm>
+        </p:spPr>
+      </p:pic>
+    </p:spTree>
+    <p:extLst>
+      <p:ext uri="{BB962C8B-B14F-4D97-AF65-F5344CB8AC3E}">
+        <p14:creationId xmlns:p14="http://schemas.microsoft.com/office/powerpoint/2010/main" val="516000001"/>
+      </p:ext>
+    </p:extLst>
+  </p:cSld>
+  <p:clrMapOvr>
+    <a:masterClrMapping/>
+  </p:clrMapOvr>
+</p:sld>
+</file>
+
+<file path=ppt/slides/slide3.xml><?xml version="1.0" encoding="utf-8"?>
+<p:sld xmlns:a="http://schemas.openxmlformats.org/drawingml/2006/main" xmlns:r="http://schemas.openxmlformats.org/officeDocument/2006/relationships" xmlns:p="http://schemas.openxmlformats.org/presentationml/2006/main">
+  <p:cSld>
+    <p:spTree>
+      <p:nvGrpSpPr>
+        <p:cNvPr id="1" name=""/>
+        <p:cNvGrpSpPr/>
+        <p:nvPr/>
+      </p:nvGrpSpPr>
+      <p:grpSpPr>
+        <a:xfrm>
+          <a:off x="0" y="0"/>
+          <a:ext cx="0" cy="0"/>
+          <a:chOff x="0" y="0"/>
+          <a:chExt cx="0" cy="0"/>
+        </a:xfrm>
+      </p:grpSpPr>
+      <p:sp>
+        <p:nvSpPr>
+          <p:cNvPr id="3" name="Content Placeholder 2"/>
+          <p:cNvSpPr>
+            <a:spLocks noGrp="1"/>
+          </p:cNvSpPr>
+          <p:nvPr>
+            <p:ph idx="1"/>
+          </p:nvPr>
+        </p:nvSpPr>
+        <p:spPr>
+          <a:xfrm>
+            <a:off x="838200" y="714895"/>
+            <a:ext cx="10515600" cy="5462068"/>
+          </a:xfrm>
+        </p:spPr>
+        <p:txBody>
+          <a:bodyPr>
+            <a:normAutofit/>
+          </a:bodyPr>
+          <a:lstStyle/>
+          <a:p>
+            <a:pPr marL="0" indent="0" algn="ctr">
+              <a:buNone/>
+            </a:pPr>
+            <a:endParaRPr lang="sv-SE" sz="4400"/>
+          </a:p>
+          <a:p>
+            <a:pPr marL="0" indent="0" algn="ctr">
+              <a:buNone/>
+            </a:pPr>
+            <a:endParaRPr lang="sv-SE" sz="4400"/>
+          </a:p>
+          <a:p>
+            <a:pPr marL="0" indent="0" algn="ctr">
+              <a:buNone/>
+            </a:pPr>
+            <a:endParaRPr lang="sv-SE" sz="4400"/>
+          </a:p>
+          <a:p>
+            <a:pPr marL="0" indent="0" algn="ctr">
+              <a:buNone/>
+            </a:pPr>
+            <a:r>
+              <a:rPr lang="sv-SE" sz="4400"/>
+              <a:t>Mean </a:t>
+            </a:r>
+            <a:r>
+              <a:rPr lang="sv-SE" sz="4400" dirty="0" err="1"/>
+              <a:t>temperatures</a:t>
+            </a:r>
+            <a:r>
+              <a:rPr lang="sv-SE" sz="4400" dirty="0"/>
+              <a:t> </a:t>
+            </a:r>
+            <a:r>
+              <a:rPr lang="sv-SE" sz="4400" dirty="0" err="1"/>
+              <a:t>of</a:t>
+            </a:r>
+            <a:r>
+              <a:rPr lang="sv-SE" sz="4400" dirty="0"/>
+              <a:t> </a:t>
+            </a:r>
+            <a:r>
+              <a:rPr lang="sv-SE" sz="4400" dirty="0" err="1"/>
+              <a:t>every</a:t>
+            </a:r>
+            <a:r>
+              <a:rPr lang="sv-SE" sz="4400" dirty="0"/>
+              <a:t> </a:t>
+            </a:r>
+            <a:r>
+              <a:rPr lang="sv-SE" sz="4400" dirty="0" err="1"/>
+              <a:t>day</a:t>
+            </a:r>
+            <a:r>
+              <a:rPr lang="sv-SE" sz="4400" dirty="0"/>
+              <a:t> </a:t>
+            </a:r>
+            <a:r>
+              <a:rPr lang="sv-SE" sz="4400" dirty="0" err="1"/>
+              <a:t>of</a:t>
+            </a:r>
+            <a:r>
+              <a:rPr lang="sv-SE" sz="4400" dirty="0"/>
+              <a:t> the </a:t>
+            </a:r>
+            <a:r>
+              <a:rPr lang="sv-SE" sz="4400" dirty="0" err="1"/>
+              <a:t>year</a:t>
+            </a:r>
+            <a:endParaRPr lang="sv-SE" sz="4400" dirty="0"/>
+          </a:p>
+        </p:txBody>
+      </p:sp>
+    </p:spTree>
+    <p:extLst>
+      <p:ext uri="{BB962C8B-B14F-4D97-AF65-F5344CB8AC3E}">
+        <p14:creationId xmlns:p14="http://schemas.microsoft.com/office/powerpoint/2010/main" val="2918517705"/>
+      </p:ext>
+    </p:extLst>
+  </p:cSld>
+  <p:clrMapOvr>
+    <a:masterClrMapping/>
+  </p:clrMapOvr>
+</p:sld>
+</file>
+
+<file path=ppt/slides/slide30.xml><?xml version="1.0" encoding="utf-8"?>
+<p:sld xmlns:a="http://schemas.openxmlformats.org/drawingml/2006/main" xmlns:r="http://schemas.openxmlformats.org/officeDocument/2006/relationships" xmlns:p="http://schemas.openxmlformats.org/presentationml/2006/main">
+  <p:cSld>
+    <p:spTree>
+      <p:nvGrpSpPr>
+        <p:cNvPr id="1" name=""/>
+        <p:cNvGrpSpPr/>
+        <p:nvPr/>
+      </p:nvGrpSpPr>
+      <p:grpSpPr>
+        <a:xfrm>
+          <a:off x="0" y="0"/>
+          <a:ext cx="0" cy="0"/>
+          <a:chOff x="0" y="0"/>
+          <a:chExt cx="0" cy="0"/>
+        </a:xfrm>
+      </p:grpSpPr>
+      <p:pic>
+        <p:nvPicPr>
+          <p:cNvPr id="5" name="Content Placeholder 4">
+            <a:extLst>
+              <a:ext uri="{FF2B5EF4-FFF2-40B4-BE49-F238E27FC236}">
+                <a16:creationId xmlns:a16="http://schemas.microsoft.com/office/drawing/2014/main" id="{E4D60EC9-0B01-49BC-8FB9-B2E99F5B0475}"/>
+              </a:ext>
+            </a:extLst>
+          </p:cNvPr>
+          <p:cNvPicPr>
+            <a:picLocks noGrp="1" noChangeAspect="1"/>
+          </p:cNvPicPr>
+          <p:nvPr>
+            <p:ph idx="1"/>
+          </p:nvPr>
+        </p:nvPicPr>
+        <p:blipFill rotWithShape="1">
+          <a:blip r:embed="rId2">
+            <a:extLst>
+              <a:ext uri="{28A0092B-C50C-407E-A947-70E740481C1C}">
+                <a14:useLocalDpi xmlns:a14="http://schemas.microsoft.com/office/drawing/2010/main" val="0"/>
+              </a:ext>
+            </a:extLst>
+          </a:blip>
+          <a:srcRect r="36767"/>
+          <a:stretch/>
+        </p:blipFill>
+        <p:spPr>
+          <a:xfrm>
+            <a:off x="2654662" y="871626"/>
+            <a:ext cx="6882676" cy="5370651"/>
+          </a:xfrm>
+        </p:spPr>
+      </p:pic>
+    </p:spTree>
+    <p:extLst>
+      <p:ext uri="{BB962C8B-B14F-4D97-AF65-F5344CB8AC3E}">
+        <p14:creationId xmlns:p14="http://schemas.microsoft.com/office/powerpoint/2010/main" val="2059151940"/>
+      </p:ext>
+    </p:extLst>
+  </p:cSld>
+  <p:clrMapOvr>
+    <a:masterClrMapping/>
+  </p:clrMapOvr>
+</p:sld>
+</file>
+
+<file path=ppt/slides/slide31.xml><?xml version="1.0" encoding="utf-8"?>
+<p:sld xmlns:a="http://schemas.openxmlformats.org/drawingml/2006/main" xmlns:r="http://schemas.openxmlformats.org/officeDocument/2006/relationships" xmlns:p="http://schemas.openxmlformats.org/presentationml/2006/main">
+  <p:cSld>
+    <p:spTree>
+      <p:nvGrpSpPr>
+        <p:cNvPr id="1" name=""/>
+        <p:cNvGrpSpPr/>
+        <p:nvPr/>
+      </p:nvGrpSpPr>
+      <p:grpSpPr>
+        <a:xfrm>
+          <a:off x="0" y="0"/>
+          <a:ext cx="0" cy="0"/>
+          <a:chOff x="0" y="0"/>
+          <a:chExt cx="0" cy="0"/>
+        </a:xfrm>
+      </p:grpSpPr>
+      <p:pic>
+        <p:nvPicPr>
           <p:cNvPr id="5" name="Content Placeholder 4">
             <a:extLst>
               <a:ext uri="{FF2B5EF4-FFF2-40B4-BE49-F238E27FC236}">
@@ -6283,7 +7889,7 @@
 </p:sld>
 </file>
 
-<file path=ppt/slides/slide16.xml><?xml version="1.0" encoding="utf-8"?>
+<file path=ppt/slides/slide32.xml><?xml version="1.0" encoding="utf-8"?>
 <p:sld xmlns:a="http://schemas.openxmlformats.org/drawingml/2006/main" xmlns:r="http://schemas.openxmlformats.org/officeDocument/2006/relationships" xmlns:p="http://schemas.openxmlformats.org/presentationml/2006/main">
   <p:cSld>
     <p:spTree>
@@ -6442,7 +8048,7 @@
 </p:sld>
 </file>
 
-<file path=ppt/slides/slide17.xml><?xml version="1.0" encoding="utf-8"?>
+<file path=ppt/slides/slide33.xml><?xml version="1.0" encoding="utf-8"?>
 <p:sld xmlns:a="http://schemas.openxmlformats.org/drawingml/2006/main" xmlns:r="http://schemas.openxmlformats.org/officeDocument/2006/relationships" xmlns:p="http://schemas.openxmlformats.org/presentationml/2006/main">
   <p:cSld>
     <p:spTree>
@@ -6540,7 +8146,7 @@
 </p:sld>
 </file>
 
-<file path=ppt/slides/slide18.xml><?xml version="1.0" encoding="utf-8"?>
+<file path=ppt/slides/slide34.xml><?xml version="1.0" encoding="utf-8"?>
 <p:sld xmlns:a="http://schemas.openxmlformats.org/drawingml/2006/main" xmlns:r="http://schemas.openxmlformats.org/officeDocument/2006/relationships" xmlns:p="http://schemas.openxmlformats.org/presentationml/2006/main">
   <p:cSld>
     <p:spTree>
@@ -6610,7 +8216,7 @@
 </p:sld>
 </file>
 
-<file path=ppt/slides/slide19.xml><?xml version="1.0" encoding="utf-8"?>
+<file path=ppt/slides/slide35.xml><?xml version="1.0" encoding="utf-8"?>
 <p:sld xmlns:a="http://schemas.openxmlformats.org/drawingml/2006/main" xmlns:r="http://schemas.openxmlformats.org/officeDocument/2006/relationships" xmlns:p="http://schemas.openxmlformats.org/presentationml/2006/main">
   <p:cSld>
     <p:spTree>
@@ -6933,120 +8539,7 @@
 </p:sld>
 </file>
 
-<file path=ppt/slides/slide2.xml><?xml version="1.0" encoding="utf-8"?>
-<p:sld xmlns:a="http://schemas.openxmlformats.org/drawingml/2006/main" xmlns:r="http://schemas.openxmlformats.org/officeDocument/2006/relationships" xmlns:p="http://schemas.openxmlformats.org/presentationml/2006/main">
-  <p:cSld>
-    <p:spTree>
-      <p:nvGrpSpPr>
-        <p:cNvPr id="1" name=""/>
-        <p:cNvGrpSpPr/>
-        <p:nvPr/>
-      </p:nvGrpSpPr>
-      <p:grpSpPr>
-        <a:xfrm>
-          <a:off x="0" y="0"/>
-          <a:ext cx="0" cy="0"/>
-          <a:chOff x="0" y="0"/>
-          <a:chExt cx="0" cy="0"/>
-        </a:xfrm>
-      </p:grpSpPr>
-      <p:sp>
-        <p:nvSpPr>
-          <p:cNvPr id="2" name="Title 1">
-            <a:extLst>
-              <a:ext uri="{FF2B5EF4-FFF2-40B4-BE49-F238E27FC236}">
-                <a16:creationId xmlns:a16="http://schemas.microsoft.com/office/drawing/2014/main" id="{831D4EB0-80FA-4FDD-B144-12975633B3B6}"/>
-              </a:ext>
-            </a:extLst>
-          </p:cNvPr>
-          <p:cNvSpPr>
-            <a:spLocks noGrp="1"/>
-          </p:cNvSpPr>
-          <p:nvPr>
-            <p:ph type="title"/>
-          </p:nvPr>
-        </p:nvSpPr>
-        <p:spPr/>
-        <p:txBody>
-          <a:bodyPr/>
-          <a:lstStyle/>
-          <a:p>
-            <a:r>
-              <a:rPr lang="en-GB" dirty="0"/>
-              <a:t>Aims of this section</a:t>
-            </a:r>
-          </a:p>
-        </p:txBody>
-      </p:sp>
-      <p:sp>
-        <p:nvSpPr>
-          <p:cNvPr id="3" name="Content Placeholder 2">
-            <a:extLst>
-              <a:ext uri="{FF2B5EF4-FFF2-40B4-BE49-F238E27FC236}">
-                <a16:creationId xmlns:a16="http://schemas.microsoft.com/office/drawing/2014/main" id="{2637A006-773A-43DB-A178-1B148E434476}"/>
-              </a:ext>
-            </a:extLst>
-          </p:cNvPr>
-          <p:cNvSpPr>
-            <a:spLocks noGrp="1"/>
-          </p:cNvSpPr>
-          <p:nvPr>
-            <p:ph idx="1"/>
-          </p:nvPr>
-        </p:nvSpPr>
-        <p:spPr/>
-        <p:txBody>
-          <a:bodyPr/>
-          <a:lstStyle/>
-          <a:p>
-            <a:r>
-              <a:rPr lang="en-GB" dirty="0"/>
-              <a:t>Plot urban corrected climate data from 1722-2013 in a histogram</a:t>
-            </a:r>
-          </a:p>
-          <a:p>
-            <a:r>
-              <a:rPr lang="en-GB" dirty="0"/>
-              <a:t>Compare mean and standard deviation over two weeks</a:t>
-            </a:r>
-          </a:p>
-          <a:p>
-            <a:r>
-              <a:rPr lang="en-GB" dirty="0"/>
-              <a:t>Determine whether this is a viable way to determine the beginning of Spring</a:t>
-            </a:r>
-          </a:p>
-          <a:p>
-            <a:r>
-              <a:rPr lang="en-GB" dirty="0"/>
-              <a:t>Compare this data at different time periods</a:t>
-            </a:r>
-          </a:p>
-          <a:p>
-            <a:r>
-              <a:rPr lang="en-GB" dirty="0"/>
-              <a:t>Possible improvements</a:t>
-            </a:r>
-          </a:p>
-          <a:p>
-            <a:endParaRPr lang="en-GB" dirty="0"/>
-          </a:p>
-        </p:txBody>
-      </p:sp>
-    </p:spTree>
-    <p:extLst>
-      <p:ext uri="{BB962C8B-B14F-4D97-AF65-F5344CB8AC3E}">
-        <p14:creationId xmlns:p14="http://schemas.microsoft.com/office/powerpoint/2010/main" val="3953635842"/>
-      </p:ext>
-    </p:extLst>
-  </p:cSld>
-  <p:clrMapOvr>
-    <a:masterClrMapping/>
-  </p:clrMapOvr>
-</p:sld>
-</file>
-
-<file path=ppt/slides/slide20.xml><?xml version="1.0" encoding="utf-8"?>
+<file path=ppt/slides/slide36.xml><?xml version="1.0" encoding="utf-8"?>
 <p:sld xmlns:a="http://schemas.openxmlformats.org/drawingml/2006/main" xmlns:r="http://schemas.openxmlformats.org/officeDocument/2006/relationships" xmlns:p="http://schemas.openxmlformats.org/presentationml/2006/main">
   <p:cSld>
     <p:spTree>
@@ -7240,7 +8733,7 @@
 </p:sld>
 </file>
 
-<file path=ppt/slides/slide21.xml><?xml version="1.0" encoding="utf-8"?>
+<file path=ppt/slides/slide37.xml><?xml version="1.0" encoding="utf-8"?>
 <p:sld xmlns:a="http://schemas.openxmlformats.org/drawingml/2006/main" xmlns:r="http://schemas.openxmlformats.org/officeDocument/2006/relationships" xmlns:p="http://schemas.openxmlformats.org/presentationml/2006/main">
   <p:cSld>
     <p:spTree>
@@ -7749,7 +9242,7 @@
 </p:sld>
 </file>
 
-<file path=ppt/slides/slide22.xml><?xml version="1.0" encoding="utf-8"?>
+<file path=ppt/slides/slide38.xml><?xml version="1.0" encoding="utf-8"?>
 <p:sld xmlns:a="http://schemas.openxmlformats.org/drawingml/2006/main" xmlns:r="http://schemas.openxmlformats.org/officeDocument/2006/relationships" xmlns:p="http://schemas.openxmlformats.org/presentationml/2006/main">
   <p:cSld>
     <p:spTree>
@@ -8095,7 +9588,7 @@
 </p:sld>
 </file>
 
-<file path=ppt/slides/slide23.xml><?xml version="1.0" encoding="utf-8"?>
+<file path=ppt/slides/slide39.xml><?xml version="1.0" encoding="utf-8"?>
 <p:sld xmlns:a="http://schemas.openxmlformats.org/drawingml/2006/main" xmlns:r="http://schemas.openxmlformats.org/officeDocument/2006/relationships" xmlns:p="http://schemas.openxmlformats.org/presentationml/2006/main">
   <p:cSld>
     <p:spTree>
@@ -8760,7 +10253,119 @@
 </p:sld>
 </file>
 
-<file path=ppt/slides/slide24.xml><?xml version="1.0" encoding="utf-8"?>
+<file path=ppt/slides/slide4.xml><?xml version="1.0" encoding="utf-8"?>
+<p:sld xmlns:a="http://schemas.openxmlformats.org/drawingml/2006/main" xmlns:r="http://schemas.openxmlformats.org/officeDocument/2006/relationships" xmlns:p="http://schemas.openxmlformats.org/presentationml/2006/main">
+  <p:cSld>
+    <p:spTree>
+      <p:nvGrpSpPr>
+        <p:cNvPr id="1" name=""/>
+        <p:cNvGrpSpPr/>
+        <p:nvPr/>
+      </p:nvGrpSpPr>
+      <p:grpSpPr>
+        <a:xfrm>
+          <a:off x="0" y="0"/>
+          <a:ext cx="0" cy="0"/>
+          <a:chOff x="0" y="0"/>
+          <a:chExt cx="0" cy="0"/>
+        </a:xfrm>
+      </p:grpSpPr>
+      <p:sp>
+        <p:nvSpPr>
+          <p:cNvPr id="2" name="Title 1"/>
+          <p:cNvSpPr>
+            <a:spLocks noGrp="1"/>
+          </p:cNvSpPr>
+          <p:nvPr>
+            <p:ph type="title"/>
+          </p:nvPr>
+        </p:nvSpPr>
+        <p:spPr/>
+        <p:txBody>
+          <a:bodyPr>
+            <a:normAutofit/>
+          </a:bodyPr>
+          <a:lstStyle/>
+          <a:p>
+            <a:pPr algn="l"/>
+            <a:r>
+              <a:rPr lang="sv-SE" dirty="0" err="1"/>
+              <a:t>Mean</a:t>
+            </a:r>
+            <a:r>
+              <a:rPr lang="sv-SE" dirty="0"/>
+              <a:t> </a:t>
+            </a:r>
+            <a:r>
+              <a:rPr lang="sv-SE" dirty="0" err="1"/>
+              <a:t>temperature</a:t>
+            </a:r>
+            <a:r>
+              <a:rPr lang="sv-SE" dirty="0"/>
+              <a:t> for </a:t>
+            </a:r>
+            <a:r>
+              <a:rPr lang="sv-SE" dirty="0" err="1"/>
+              <a:t>each</a:t>
+            </a:r>
+            <a:r>
+              <a:rPr lang="sv-SE" dirty="0"/>
+              <a:t> </a:t>
+            </a:r>
+            <a:r>
+              <a:rPr lang="sv-SE" dirty="0" err="1"/>
+              <a:t>day</a:t>
+            </a:r>
+            <a:r>
+              <a:rPr lang="sv-SE" dirty="0"/>
+              <a:t>:</a:t>
+            </a:r>
+          </a:p>
+        </p:txBody>
+      </p:sp>
+      <p:pic>
+        <p:nvPicPr>
+          <p:cNvPr id="4" name="Content Placeholder 3"/>
+          <p:cNvPicPr>
+            <a:picLocks noGrp="1" noChangeAspect="1"/>
+          </p:cNvPicPr>
+          <p:nvPr>
+            <p:ph idx="1"/>
+          </p:nvPr>
+        </p:nvPicPr>
+        <p:blipFill>
+          <a:blip r:embed="rId2">
+            <a:extLst>
+              <a:ext uri="{28A0092B-C50C-407E-A947-70E740481C1C}">
+                <a14:useLocalDpi xmlns:a14="http://schemas.microsoft.com/office/drawing/2010/main" val="0"/>
+              </a:ext>
+            </a:extLst>
+          </a:blip>
+          <a:stretch>
+            <a:fillRect/>
+          </a:stretch>
+        </p:blipFill>
+        <p:spPr>
+          <a:xfrm>
+            <a:off x="304800" y="2057399"/>
+            <a:ext cx="11668128" cy="1616529"/>
+          </a:xfrm>
+        </p:spPr>
+      </p:pic>
+    </p:spTree>
+    <p:extLst>
+      <p:ext uri="{BB962C8B-B14F-4D97-AF65-F5344CB8AC3E}">
+        <p14:creationId xmlns:p14="http://schemas.microsoft.com/office/powerpoint/2010/main" val="632373496"/>
+      </p:ext>
+    </p:extLst>
+  </p:cSld>
+  <p:clrMapOvr>
+    <a:masterClrMapping/>
+  </p:clrMapOvr>
+</p:sld>
+</file>
+
+<file path=ppt/slides/slide40.xml><?xml version="1.0" encoding="utf-8"?>
 <p:sld xmlns:a="http://schemas.openxmlformats.org/drawingml/2006/main" xmlns:r="http://schemas.openxmlformats.org/officeDocument/2006/relationships" xmlns:p="http://schemas.openxmlformats.org/presentationml/2006/main">
   <p:cSld>
     <p:spTree>
@@ -9058,7 +10663,7 @@
 </p:sld>
 </file>
 
-<file path=ppt/slides/slide25.xml><?xml version="1.0" encoding="utf-8"?>
+<file path=ppt/slides/slide41.xml><?xml version="1.0" encoding="utf-8"?>
 <p:sld xmlns:a="http://schemas.openxmlformats.org/drawingml/2006/main" xmlns:r="http://schemas.openxmlformats.org/officeDocument/2006/relationships" xmlns:p="http://schemas.openxmlformats.org/presentationml/2006/main">
   <p:cSld>
     <p:spTree>
@@ -9264,212 +10869,6 @@
     <p:extLst>
       <p:ext uri="{BB962C8B-B14F-4D97-AF65-F5344CB8AC3E}">
         <p14:creationId xmlns:p14="http://schemas.microsoft.com/office/powerpoint/2010/main" val="4176662756"/>
-      </p:ext>
-    </p:extLst>
-  </p:cSld>
-  <p:clrMapOvr>
-    <a:masterClrMapping/>
-  </p:clrMapOvr>
-</p:sld>
-</file>
-
-<file path=ppt/slides/slide3.xml><?xml version="1.0" encoding="utf-8"?>
-<p:sld xmlns:a="http://schemas.openxmlformats.org/drawingml/2006/main" xmlns:r="http://schemas.openxmlformats.org/officeDocument/2006/relationships" xmlns:p="http://schemas.openxmlformats.org/presentationml/2006/main">
-  <p:cSld>
-    <p:spTree>
-      <p:nvGrpSpPr>
-        <p:cNvPr id="1" name=""/>
-        <p:cNvGrpSpPr/>
-        <p:nvPr/>
-      </p:nvGrpSpPr>
-      <p:grpSpPr>
-        <a:xfrm>
-          <a:off x="0" y="0"/>
-          <a:ext cx="0" cy="0"/>
-          <a:chOff x="0" y="0"/>
-          <a:chExt cx="0" cy="0"/>
-        </a:xfrm>
-      </p:grpSpPr>
-      <p:sp>
-        <p:nvSpPr>
-          <p:cNvPr id="2" name="Title 1">
-            <a:extLst>
-              <a:ext uri="{FF2B5EF4-FFF2-40B4-BE49-F238E27FC236}">
-                <a16:creationId xmlns:a16="http://schemas.microsoft.com/office/drawing/2014/main" id="{5375AE14-1BD1-427B-B3D6-6B2E9DD19808}"/>
-              </a:ext>
-            </a:extLst>
-          </p:cNvPr>
-          <p:cNvSpPr>
-            <a:spLocks noGrp="1"/>
-          </p:cNvSpPr>
-          <p:nvPr>
-            <p:ph type="title"/>
-          </p:nvPr>
-        </p:nvSpPr>
-        <p:spPr/>
-        <p:txBody>
-          <a:bodyPr/>
-          <a:lstStyle/>
-          <a:p>
-            <a:r>
-              <a:rPr lang="en-GB" dirty="0"/>
-              <a:t>Streaming the dataset</a:t>
-            </a:r>
-          </a:p>
-        </p:txBody>
-      </p:sp>
-      <p:sp>
-        <p:nvSpPr>
-          <p:cNvPr id="3" name="Content Placeholder 2">
-            <a:extLst>
-              <a:ext uri="{FF2B5EF4-FFF2-40B4-BE49-F238E27FC236}">
-                <a16:creationId xmlns:a16="http://schemas.microsoft.com/office/drawing/2014/main" id="{17690416-0E0F-4998-AA06-DCE6B2915DBF}"/>
-              </a:ext>
-            </a:extLst>
-          </p:cNvPr>
-          <p:cNvSpPr>
-            <a:spLocks noGrp="1"/>
-          </p:cNvSpPr>
-          <p:nvPr>
-            <p:ph idx="1"/>
-          </p:nvPr>
-        </p:nvSpPr>
-        <p:spPr/>
-        <p:txBody>
-          <a:bodyPr/>
-          <a:lstStyle/>
-          <a:p>
-            <a:r>
-              <a:rPr lang="en-GB" dirty="0"/>
-              <a:t>6 columns, all useful apart from the 4</a:t>
-            </a:r>
-            <a:r>
-              <a:rPr lang="en-GB" baseline="30000" dirty="0"/>
-              <a:t>th</a:t>
-            </a:r>
-            <a:endParaRPr lang="en-GB" dirty="0"/>
-          </a:p>
-          <a:p>
-            <a:r>
-              <a:rPr lang="en-GB" dirty="0"/>
-              <a:t>Program was written for this</a:t>
-            </a:r>
-          </a:p>
-          <a:p>
-            <a:r>
-              <a:rPr lang="en-GB" dirty="0"/>
-              <a:t>Takes a month and day for arguments</a:t>
-            </a:r>
-          </a:p>
-          <a:p>
-            <a:r>
-              <a:rPr lang="en-GB" dirty="0"/>
-              <a:t>Some similarities with previous section</a:t>
-            </a:r>
-          </a:p>
-        </p:txBody>
-      </p:sp>
-    </p:spTree>
-    <p:extLst>
-      <p:ext uri="{BB962C8B-B14F-4D97-AF65-F5344CB8AC3E}">
-        <p14:creationId xmlns:p14="http://schemas.microsoft.com/office/powerpoint/2010/main" val="3644629271"/>
-      </p:ext>
-    </p:extLst>
-  </p:cSld>
-  <p:clrMapOvr>
-    <a:masterClrMapping/>
-  </p:clrMapOvr>
-</p:sld>
-</file>
-
-<file path=ppt/slides/slide4.xml><?xml version="1.0" encoding="utf-8"?>
-<p:sld xmlns:a="http://schemas.openxmlformats.org/drawingml/2006/main" xmlns:r="http://schemas.openxmlformats.org/officeDocument/2006/relationships" xmlns:p="http://schemas.openxmlformats.org/presentationml/2006/main">
-  <p:cSld>
-    <p:spTree>
-      <p:nvGrpSpPr>
-        <p:cNvPr id="1" name=""/>
-        <p:cNvGrpSpPr/>
-        <p:nvPr/>
-      </p:nvGrpSpPr>
-      <p:grpSpPr>
-        <a:xfrm>
-          <a:off x="0" y="0"/>
-          <a:ext cx="0" cy="0"/>
-          <a:chOff x="0" y="0"/>
-          <a:chExt cx="0" cy="0"/>
-        </a:xfrm>
-      </p:grpSpPr>
-      <p:sp>
-        <p:nvSpPr>
-          <p:cNvPr id="2" name="Title 1">
-            <a:extLst>
-              <a:ext uri="{FF2B5EF4-FFF2-40B4-BE49-F238E27FC236}">
-                <a16:creationId xmlns:a16="http://schemas.microsoft.com/office/drawing/2014/main" id="{896E47D9-1C8D-4418-97E6-377DD2504FC4}"/>
-              </a:ext>
-            </a:extLst>
-          </p:cNvPr>
-          <p:cNvSpPr>
-            <a:spLocks noGrp="1"/>
-          </p:cNvSpPr>
-          <p:nvPr>
-            <p:ph type="title"/>
-          </p:nvPr>
-        </p:nvSpPr>
-        <p:spPr>
-          <a:xfrm>
-            <a:off x="697524" y="-141312"/>
-            <a:ext cx="10515600" cy="1325563"/>
-          </a:xfrm>
-        </p:spPr>
-        <p:txBody>
-          <a:bodyPr/>
-          <a:lstStyle/>
-          <a:p>
-            <a:r>
-              <a:rPr lang="en-GB" dirty="0"/>
-              <a:t>Code</a:t>
-            </a:r>
-          </a:p>
-        </p:txBody>
-      </p:sp>
-      <p:pic>
-        <p:nvPicPr>
-          <p:cNvPr id="14" name="Content Placeholder 13">
-            <a:extLst>
-              <a:ext uri="{FF2B5EF4-FFF2-40B4-BE49-F238E27FC236}">
-                <a16:creationId xmlns:a16="http://schemas.microsoft.com/office/drawing/2014/main" id="{4CBF28AC-EA41-4770-B7ED-2D1DCDAA2566}"/>
-              </a:ext>
-            </a:extLst>
-          </p:cNvPr>
-          <p:cNvPicPr>
-            <a:picLocks noGrp="1" noChangeAspect="1"/>
-          </p:cNvPicPr>
-          <p:nvPr>
-            <p:ph idx="1"/>
-          </p:nvPr>
-        </p:nvPicPr>
-        <p:blipFill rotWithShape="1">
-          <a:blip r:embed="rId2">
-            <a:extLst>
-              <a:ext uri="{28A0092B-C50C-407E-A947-70E740481C1C}">
-                <a14:useLocalDpi xmlns:a14="http://schemas.microsoft.com/office/drawing/2010/main" val="0"/>
-              </a:ext>
-            </a:extLst>
-          </a:blip>
-          <a:srcRect r="39355" b="16868"/>
-          <a:stretch/>
-        </p:blipFill>
-        <p:spPr>
-          <a:xfrm>
-            <a:off x="1822938" y="961403"/>
-            <a:ext cx="7296614" cy="4935194"/>
-          </a:xfrm>
-        </p:spPr>
-      </p:pic>
-    </p:spTree>
-    <p:extLst>
-      <p:ext uri="{BB962C8B-B14F-4D97-AF65-F5344CB8AC3E}">
-        <p14:creationId xmlns:p14="http://schemas.microsoft.com/office/powerpoint/2010/main" val="2455390672"/>
       </p:ext>
     </p:extLst>
   </p:cSld>
@@ -9498,13 +10897,7 @@
       </p:grpSpPr>
       <p:pic>
         <p:nvPicPr>
-          <p:cNvPr id="5" name="Content Placeholder 4">
-            <a:extLst>
-              <a:ext uri="{FF2B5EF4-FFF2-40B4-BE49-F238E27FC236}">
-                <a16:creationId xmlns:a16="http://schemas.microsoft.com/office/drawing/2014/main" id="{4109C75B-F1FA-450C-9291-ABFC78295B71}"/>
-              </a:ext>
-            </a:extLst>
-          </p:cNvPr>
+          <p:cNvPr id="4" name="Content Placeholder 3"/>
           <p:cNvPicPr>
             <a:picLocks noGrp="1" noChangeAspect="1"/>
           </p:cNvPicPr>
@@ -9512,7 +10905,7 @@
             <p:ph idx="1"/>
           </p:nvPr>
         </p:nvPicPr>
-        <p:blipFill rotWithShape="1">
+        <p:blipFill>
           <a:blip r:embed="rId2">
             <a:extLst>
               <a:ext uri="{28A0092B-C50C-407E-A947-70E740481C1C}">
@@ -9520,20 +10913,21 @@
               </a:ext>
             </a:extLst>
           </a:blip>
-          <a:srcRect r="37580" b="8586"/>
-          <a:stretch/>
+          <a:stretch>
+            <a:fillRect/>
+          </a:stretch>
         </p:blipFill>
         <p:spPr>
           <a:xfrm>
-            <a:off x="2328902" y="706902"/>
-            <a:ext cx="7534196" cy="5444196"/>
+            <a:off x="609603" y="359229"/>
+            <a:ext cx="10871199" cy="6206243"/>
           </a:xfrm>
         </p:spPr>
       </p:pic>
     </p:spTree>
     <p:extLst>
       <p:ext uri="{BB962C8B-B14F-4D97-AF65-F5344CB8AC3E}">
-        <p14:creationId xmlns:p14="http://schemas.microsoft.com/office/powerpoint/2010/main" val="3455175587"/>
+        <p14:creationId xmlns:p14="http://schemas.microsoft.com/office/powerpoint/2010/main" val="4118607582"/>
       </p:ext>
     </p:extLst>
   </p:cSld>
@@ -9560,44 +10954,223 @@
           <a:chExt cx="0" cy="0"/>
         </a:xfrm>
       </p:grpSpPr>
-      <p:pic>
-        <p:nvPicPr>
-          <p:cNvPr id="5" name="Content Placeholder 4">
-            <a:extLst>
-              <a:ext uri="{FF2B5EF4-FFF2-40B4-BE49-F238E27FC236}">
-                <a16:creationId xmlns:a16="http://schemas.microsoft.com/office/drawing/2014/main" id="{23880FE1-1CB2-4B4D-9AF9-FA11A6C451B8}"/>
-              </a:ext>
-            </a:extLst>
-          </p:cNvPr>
-          <p:cNvPicPr>
-            <a:picLocks noGrp="1" noChangeAspect="1"/>
-          </p:cNvPicPr>
+      <p:sp>
+        <p:nvSpPr>
+          <p:cNvPr id="2" name="Title 1"/>
+          <p:cNvSpPr>
+            <a:spLocks noGrp="1"/>
+          </p:cNvSpPr>
+          <p:nvPr>
+            <p:ph type="title"/>
+          </p:nvPr>
+        </p:nvSpPr>
+        <p:spPr/>
+        <p:txBody>
+          <a:bodyPr/>
+          <a:lstStyle/>
+          <a:p>
+            <a:pPr algn="l"/>
+            <a:r>
+              <a:rPr lang="sv-SE" dirty="0"/>
+              <a:t>Reading </a:t>
+            </a:r>
+            <a:r>
+              <a:rPr lang="sv-SE" dirty="0" err="1"/>
+              <a:t>file</a:t>
+            </a:r>
+            <a:r>
+              <a:rPr lang="sv-SE" dirty="0"/>
+              <a:t>  --&gt; </a:t>
+            </a:r>
+            <a:r>
+              <a:rPr lang="sv-SE" dirty="0" err="1"/>
+              <a:t>vectors</a:t>
+            </a:r>
+            <a:endParaRPr lang="sv-SE" dirty="0"/>
+          </a:p>
+        </p:txBody>
+      </p:sp>
+      <p:sp>
+        <p:nvSpPr>
+          <p:cNvPr id="3" name="Content Placeholder 2"/>
+          <p:cNvSpPr>
+            <a:spLocks noGrp="1"/>
+          </p:cNvSpPr>
           <p:nvPr>
             <p:ph idx="1"/>
           </p:nvPr>
-        </p:nvPicPr>
-        <p:blipFill rotWithShape="1">
-          <a:blip r:embed="rId2">
-            <a:extLst>
-              <a:ext uri="{28A0092B-C50C-407E-A947-70E740481C1C}">
-                <a14:useLocalDpi xmlns:a14="http://schemas.microsoft.com/office/drawing/2010/main" val="0"/>
-              </a:ext>
-            </a:extLst>
-          </a:blip>
-          <a:srcRect r="38887"/>
-          <a:stretch/>
-        </p:blipFill>
-        <p:spPr>
-          <a:xfrm>
-            <a:off x="2740073" y="869021"/>
-            <a:ext cx="6711854" cy="5418980"/>
-          </a:xfrm>
-        </p:spPr>
-      </p:pic>
+        </p:nvSpPr>
+        <p:spPr/>
+        <p:txBody>
+          <a:bodyPr>
+            <a:normAutofit/>
+          </a:bodyPr>
+          <a:lstStyle/>
+          <a:p>
+            <a:pPr marL="0" marR="0" indent="0">
+              <a:lnSpc>
+                <a:spcPct val="150000"/>
+              </a:lnSpc>
+              <a:spcBef>
+                <a:spcPts val="0"/>
+              </a:spcBef>
+              <a:spcAft>
+                <a:spcPts val="0"/>
+              </a:spcAft>
+              <a:buNone/>
+            </a:pPr>
+            <a:r>
+              <a:rPr lang="en-US" dirty="0">
+                <a:effectLst/>
+                <a:latin typeface="Times New Roman"/>
+                <a:ea typeface="Calibri"/>
+                <a:cs typeface="Times New Roman"/>
+              </a:rPr>
+              <a:t>       k: {   0,        1,    …,   364,    365,   …, 106214}</a:t>
+            </a:r>
+            <a:endParaRPr lang="sv-SE" sz="2800" dirty="0">
+              <a:ea typeface="Calibri"/>
+              <a:cs typeface="Times New Roman"/>
+            </a:endParaRPr>
+          </a:p>
+          <a:p>
+            <a:pPr marL="0" marR="0" indent="0">
+              <a:lnSpc>
+                <a:spcPct val="150000"/>
+              </a:lnSpc>
+              <a:spcBef>
+                <a:spcPts val="0"/>
+              </a:spcBef>
+              <a:spcAft>
+                <a:spcPts val="0"/>
+              </a:spcAft>
+              <a:buNone/>
+            </a:pPr>
+            <a:r>
+              <a:rPr lang="en-US" dirty="0">
+                <a:effectLst/>
+                <a:latin typeface="Times New Roman"/>
+                <a:ea typeface="Calibri"/>
+                <a:cs typeface="Times New Roman"/>
+              </a:rPr>
+              <a:t>   year: { 1723,  1723,  ...,  1723,  1724,  …,  2013}</a:t>
+            </a:r>
+            <a:endParaRPr lang="sv-SE" sz="2800" dirty="0">
+              <a:ea typeface="Calibri"/>
+              <a:cs typeface="Times New Roman"/>
+            </a:endParaRPr>
+          </a:p>
+          <a:p>
+            <a:pPr marL="0" marR="0" indent="0">
+              <a:lnSpc>
+                <a:spcPct val="150000"/>
+              </a:lnSpc>
+              <a:spcBef>
+                <a:spcPts val="0"/>
+              </a:spcBef>
+              <a:spcAft>
+                <a:spcPts val="0"/>
+              </a:spcAft>
+              <a:buNone/>
+            </a:pPr>
+            <a:r>
+              <a:rPr lang="en-US" dirty="0">
+                <a:effectLst/>
+                <a:latin typeface="Times New Roman"/>
+                <a:ea typeface="Calibri"/>
+                <a:cs typeface="Times New Roman"/>
+              </a:rPr>
+              <a:t>month: { 01,       01,   …,   12,      01,     …,    12}</a:t>
+            </a:r>
+            <a:endParaRPr lang="sv-SE" sz="2800" dirty="0">
+              <a:ea typeface="Calibri"/>
+              <a:cs typeface="Times New Roman"/>
+            </a:endParaRPr>
+          </a:p>
+          <a:p>
+            <a:pPr marL="0" marR="0" indent="0">
+              <a:lnSpc>
+                <a:spcPct val="150000"/>
+              </a:lnSpc>
+              <a:spcBef>
+                <a:spcPts val="0"/>
+              </a:spcBef>
+              <a:spcAft>
+                <a:spcPts val="0"/>
+              </a:spcAft>
+              <a:buNone/>
+            </a:pPr>
+            <a:r>
+              <a:rPr lang="en-US" dirty="0">
+                <a:effectLst/>
+                <a:latin typeface="Times New Roman"/>
+                <a:ea typeface="Calibri"/>
+                <a:cs typeface="Times New Roman"/>
+              </a:rPr>
+              <a:t>    day: { 01,       02,    …,   31,      01,      …,   31}</a:t>
+            </a:r>
+            <a:endParaRPr lang="sv-SE" sz="2800" dirty="0">
+              <a:ea typeface="Calibri"/>
+              <a:cs typeface="Times New Roman"/>
+            </a:endParaRPr>
+          </a:p>
+          <a:p>
+            <a:pPr marL="0" marR="0" indent="0">
+              <a:lnSpc>
+                <a:spcPct val="150000"/>
+              </a:lnSpc>
+              <a:spcBef>
+                <a:spcPts val="0"/>
+              </a:spcBef>
+              <a:spcAft>
+                <a:spcPts val="0"/>
+              </a:spcAft>
+              <a:buNone/>
+            </a:pPr>
+            <a:r>
+              <a:rPr lang="en-US" dirty="0">
+                <a:effectLst/>
+                <a:latin typeface="Times New Roman"/>
+                <a:ea typeface="Calibri"/>
+                <a:cs typeface="Times New Roman"/>
+              </a:rPr>
+              <a:t> </a:t>
+            </a:r>
+            <a:endParaRPr lang="sv-SE" sz="2800" dirty="0">
+              <a:ea typeface="Calibri"/>
+              <a:cs typeface="Times New Roman"/>
+            </a:endParaRPr>
+          </a:p>
+          <a:p>
+            <a:pPr marL="0" marR="0" indent="0">
+              <a:lnSpc>
+                <a:spcPct val="150000"/>
+              </a:lnSpc>
+              <a:spcBef>
+                <a:spcPts val="0"/>
+              </a:spcBef>
+              <a:spcAft>
+                <a:spcPts val="0"/>
+              </a:spcAft>
+              <a:buNone/>
+            </a:pPr>
+            <a:r>
+              <a:rPr lang="en-US" dirty="0">
+                <a:effectLst/>
+                <a:latin typeface="Times New Roman"/>
+                <a:ea typeface="Calibri"/>
+                <a:cs typeface="Times New Roman"/>
+              </a:rPr>
+              <a:t>Temperature at day k = T[k]</a:t>
+            </a:r>
+            <a:endParaRPr lang="sv-SE" dirty="0"/>
+          </a:p>
+        </p:txBody>
+      </p:sp>
     </p:spTree>
     <p:extLst>
       <p:ext uri="{BB962C8B-B14F-4D97-AF65-F5344CB8AC3E}">
-        <p14:creationId xmlns:p14="http://schemas.microsoft.com/office/powerpoint/2010/main" val="2857493629"/>
+        <p14:creationId xmlns:p14="http://schemas.microsoft.com/office/powerpoint/2010/main" val="4116164080"/>
       </p:ext>
     </p:extLst>
   </p:cSld>
@@ -9626,13 +11199,7 @@
       </p:grpSpPr>
       <p:pic>
         <p:nvPicPr>
-          <p:cNvPr id="5" name="Content Placeholder 4">
-            <a:extLst>
-              <a:ext uri="{FF2B5EF4-FFF2-40B4-BE49-F238E27FC236}">
-                <a16:creationId xmlns:a16="http://schemas.microsoft.com/office/drawing/2014/main" id="{7D62696C-5721-4918-AF21-70D9F20BB528}"/>
-              </a:ext>
-            </a:extLst>
-          </p:cNvPr>
+          <p:cNvPr id="4" name="Content Placeholder 3"/>
           <p:cNvPicPr>
             <a:picLocks noGrp="1" noChangeAspect="1"/>
           </p:cNvPicPr>
@@ -9640,7 +11207,7 @@
             <p:ph idx="1"/>
           </p:nvPr>
         </p:nvPicPr>
-        <p:blipFill rotWithShape="1">
+        <p:blipFill>
           <a:blip r:embed="rId2">
             <a:extLst>
               <a:ext uri="{28A0092B-C50C-407E-A947-70E740481C1C}">
@@ -9648,20 +11215,21 @@
               </a:ext>
             </a:extLst>
           </a:blip>
-          <a:srcRect r="25966" b="8757"/>
-          <a:stretch/>
+          <a:stretch>
+            <a:fillRect/>
+          </a:stretch>
         </p:blipFill>
         <p:spPr>
           <a:xfrm>
-            <a:off x="2080453" y="874990"/>
-            <a:ext cx="8399977" cy="5108019"/>
+            <a:off x="508000" y="141744"/>
+            <a:ext cx="10160000" cy="6716256"/>
           </a:xfrm>
         </p:spPr>
       </p:pic>
     </p:spTree>
     <p:extLst>
       <p:ext uri="{BB962C8B-B14F-4D97-AF65-F5344CB8AC3E}">
-        <p14:creationId xmlns:p14="http://schemas.microsoft.com/office/powerpoint/2010/main" val="2480027440"/>
+        <p14:creationId xmlns:p14="http://schemas.microsoft.com/office/powerpoint/2010/main" val="8610003"/>
       </p:ext>
     </p:extLst>
   </p:cSld>
@@ -9688,44 +11256,228 @@
           <a:chExt cx="0" cy="0"/>
         </a:xfrm>
       </p:grpSpPr>
-      <p:pic>
-        <p:nvPicPr>
-          <p:cNvPr id="5" name="Content Placeholder 4">
-            <a:extLst>
-              <a:ext uri="{FF2B5EF4-FFF2-40B4-BE49-F238E27FC236}">
-                <a16:creationId xmlns:a16="http://schemas.microsoft.com/office/drawing/2014/main" id="{3A16BE9E-AE95-420C-AB80-E44D8151ECEE}"/>
-              </a:ext>
-            </a:extLst>
-          </p:cNvPr>
-          <p:cNvPicPr>
-            <a:picLocks noGrp="1" noChangeAspect="1"/>
-          </p:cNvPicPr>
+      <p:sp>
+        <p:nvSpPr>
+          <p:cNvPr id="2" name="Title 1"/>
+          <p:cNvSpPr>
+            <a:spLocks noGrp="1"/>
+          </p:cNvSpPr>
+          <p:nvPr>
+            <p:ph type="title"/>
+          </p:nvPr>
+        </p:nvSpPr>
+        <p:spPr/>
+        <p:txBody>
+          <a:bodyPr>
+            <a:normAutofit/>
+          </a:bodyPr>
+          <a:lstStyle/>
+          <a:p>
+            <a:pPr algn="l"/>
+            <a:r>
+              <a:rPr lang="sv-SE" dirty="0"/>
+              <a:t>Loop: </a:t>
+            </a:r>
+            <a:r>
+              <a:rPr lang="sv-SE" dirty="0" err="1"/>
+              <a:t>sum</a:t>
+            </a:r>
+            <a:r>
+              <a:rPr lang="sv-SE" dirty="0"/>
+              <a:t> </a:t>
+            </a:r>
+            <a:r>
+              <a:rPr lang="sv-SE" dirty="0" err="1"/>
+              <a:t>of</a:t>
+            </a:r>
+            <a:r>
+              <a:rPr lang="sv-SE" dirty="0"/>
+              <a:t> </a:t>
+            </a:r>
+            <a:r>
+              <a:rPr lang="sv-SE" dirty="0" err="1"/>
+              <a:t>temperatures</a:t>
+            </a:r>
+            <a:endParaRPr lang="sv-SE" dirty="0"/>
+          </a:p>
+        </p:txBody>
+      </p:sp>
+      <p:sp>
+        <p:nvSpPr>
+          <p:cNvPr id="3" name="Content Placeholder 2"/>
+          <p:cNvSpPr>
+            <a:spLocks noGrp="1"/>
+          </p:cNvSpPr>
           <p:nvPr>
             <p:ph idx="1"/>
           </p:nvPr>
-        </p:nvPicPr>
-        <p:blipFill rotWithShape="1">
-          <a:blip r:embed="rId2">
-            <a:extLst>
-              <a:ext uri="{28A0092B-C50C-407E-A947-70E740481C1C}">
-                <a14:useLocalDpi xmlns:a14="http://schemas.microsoft.com/office/drawing/2010/main" val="0"/>
-              </a:ext>
-            </a:extLst>
-          </a:blip>
-          <a:srcRect l="17626" r="19354"/>
-          <a:stretch/>
-        </p:blipFill>
-        <p:spPr>
-          <a:xfrm>
-            <a:off x="2262051" y="427253"/>
-            <a:ext cx="7667898" cy="6003493"/>
-          </a:xfrm>
-        </p:spPr>
-      </p:pic>
+        </p:nvSpPr>
+        <p:spPr/>
+        <p:txBody>
+          <a:bodyPr>
+            <a:normAutofit/>
+          </a:bodyPr>
+          <a:lstStyle/>
+          <a:p>
+            <a:pPr marL="0" marR="0" indent="0">
+              <a:lnSpc>
+                <a:spcPct val="150000"/>
+              </a:lnSpc>
+              <a:spcBef>
+                <a:spcPts val="0"/>
+              </a:spcBef>
+              <a:spcAft>
+                <a:spcPts val="0"/>
+              </a:spcAft>
+              <a:buNone/>
+            </a:pPr>
+            <a:r>
+              <a:rPr lang="sv-SE" dirty="0">
+                <a:effectLst/>
+                <a:latin typeface="Times New Roman"/>
+                <a:ea typeface="Calibri"/>
+                <a:cs typeface="Times New Roman"/>
+              </a:rPr>
+              <a:t> </a:t>
+            </a:r>
+            <a:r>
+              <a:rPr lang="en-US" dirty="0">
+                <a:effectLst/>
+                <a:latin typeface="Times New Roman"/>
+                <a:ea typeface="Calibri"/>
+                <a:cs typeface="Times New Roman"/>
+              </a:rPr>
+              <a:t>Sum of temperatures </a:t>
+            </a:r>
+          </a:p>
+          <a:p>
+            <a:pPr marL="0" marR="0" indent="0">
+              <a:lnSpc>
+                <a:spcPct val="150000"/>
+              </a:lnSpc>
+              <a:spcBef>
+                <a:spcPts val="0"/>
+              </a:spcBef>
+              <a:spcAft>
+                <a:spcPts val="0"/>
+              </a:spcAft>
+              <a:buNone/>
+            </a:pPr>
+            <a:r>
+              <a:rPr lang="en-US" dirty="0">
+                <a:effectLst/>
+                <a:latin typeface="Times New Roman"/>
+                <a:ea typeface="Calibri"/>
+                <a:cs typeface="Times New Roman"/>
+              </a:rPr>
+              <a:t>=    {   T[0],     T[1],    …, T[364] }	year 1</a:t>
+            </a:r>
+            <a:endParaRPr lang="sv-SE" sz="2800" dirty="0">
+              <a:ea typeface="Calibri"/>
+              <a:cs typeface="Times New Roman"/>
+            </a:endParaRPr>
+          </a:p>
+          <a:p>
+            <a:pPr marL="0" marR="0" indent="0">
+              <a:lnSpc>
+                <a:spcPct val="150000"/>
+              </a:lnSpc>
+              <a:spcBef>
+                <a:spcPts val="0"/>
+              </a:spcBef>
+              <a:spcAft>
+                <a:spcPts val="0"/>
+              </a:spcAft>
+              <a:buNone/>
+            </a:pPr>
+            <a:r>
+              <a:rPr lang="en-US" dirty="0">
+                <a:latin typeface="Times New Roman"/>
+                <a:ea typeface="Calibri"/>
+                <a:cs typeface="Times New Roman"/>
+              </a:rPr>
+              <a:t>   </a:t>
+            </a:r>
+            <a:r>
+              <a:rPr lang="en-US" dirty="0">
+                <a:effectLst/>
+                <a:latin typeface="Times New Roman"/>
+                <a:ea typeface="Calibri"/>
+                <a:cs typeface="Times New Roman"/>
+              </a:rPr>
+              <a:t>+ { T[365], T[366], …,  T[729] }	year 2</a:t>
+            </a:r>
+            <a:endParaRPr lang="sv-SE" sz="2800" dirty="0">
+              <a:ea typeface="Calibri"/>
+              <a:cs typeface="Times New Roman"/>
+            </a:endParaRPr>
+          </a:p>
+          <a:p>
+            <a:pPr marL="0" marR="0" indent="0">
+              <a:lnSpc>
+                <a:spcPct val="150000"/>
+              </a:lnSpc>
+              <a:spcBef>
+                <a:spcPts val="0"/>
+              </a:spcBef>
+              <a:spcAft>
+                <a:spcPts val="0"/>
+              </a:spcAft>
+              <a:buNone/>
+            </a:pPr>
+            <a:r>
+              <a:rPr lang="en-US" dirty="0">
+                <a:effectLst/>
+                <a:latin typeface="Times New Roman"/>
+                <a:ea typeface="Calibri"/>
+                <a:cs typeface="Times New Roman"/>
+              </a:rPr>
+              <a:t>               . . . . . .</a:t>
+            </a:r>
+            <a:endParaRPr lang="sv-SE" sz="2800" dirty="0">
+              <a:ea typeface="Calibri"/>
+              <a:cs typeface="Times New Roman"/>
+            </a:endParaRPr>
+          </a:p>
+          <a:p>
+            <a:pPr marL="0" marR="0" indent="0">
+              <a:lnSpc>
+                <a:spcPct val="150000"/>
+              </a:lnSpc>
+              <a:spcBef>
+                <a:spcPts val="0"/>
+              </a:spcBef>
+              <a:spcAft>
+                <a:spcPts val="0"/>
+              </a:spcAft>
+              <a:buNone/>
+            </a:pPr>
+            <a:r>
+              <a:rPr lang="en-US" dirty="0">
+                <a:effectLst/>
+                <a:latin typeface="Times New Roman"/>
+                <a:ea typeface="Calibri"/>
+                <a:cs typeface="Times New Roman"/>
+              </a:rPr>
+              <a:t>   + {     . . . . . . . .       , T[106214] }	year 291</a:t>
+            </a:r>
+            <a:endParaRPr lang="sv-SE" sz="2800" dirty="0">
+              <a:ea typeface="Calibri"/>
+              <a:cs typeface="Times New Roman"/>
+            </a:endParaRPr>
+          </a:p>
+          <a:p>
+            <a:pPr marL="0" indent="0">
+              <a:buNone/>
+            </a:pPr>
+            <a:endParaRPr lang="sv-SE" dirty="0"/>
+          </a:p>
+        </p:txBody>
+      </p:sp>
     </p:spTree>
     <p:extLst>
       <p:ext uri="{BB962C8B-B14F-4D97-AF65-F5344CB8AC3E}">
-        <p14:creationId xmlns:p14="http://schemas.microsoft.com/office/powerpoint/2010/main" val="3337960931"/>
+        <p14:creationId xmlns:p14="http://schemas.microsoft.com/office/powerpoint/2010/main" val="3978743640"/>
       </p:ext>
     </p:extLst>
   </p:cSld>
@@ -9752,23 +11504,202 @@
           <a:chExt cx="0" cy="0"/>
         </a:xfrm>
       </p:grpSpPr>
+      <p:sp>
+        <p:nvSpPr>
+          <p:cNvPr id="2" name="Title 1"/>
+          <p:cNvSpPr>
+            <a:spLocks noGrp="1"/>
+          </p:cNvSpPr>
+          <p:nvPr>
+            <p:ph type="title"/>
+          </p:nvPr>
+        </p:nvSpPr>
+        <p:spPr/>
+        <p:txBody>
+          <a:bodyPr/>
+          <a:lstStyle/>
+          <a:p>
+            <a:pPr algn="l"/>
+            <a:r>
+              <a:rPr lang="sv-SE" dirty="0" err="1"/>
+              <a:t>Calculating</a:t>
+            </a:r>
+            <a:r>
+              <a:rPr lang="sv-SE" dirty="0"/>
+              <a:t> </a:t>
+            </a:r>
+            <a:r>
+              <a:rPr lang="sv-SE" dirty="0" err="1"/>
+              <a:t>mean</a:t>
+            </a:r>
+            <a:r>
+              <a:rPr lang="sv-SE" dirty="0"/>
+              <a:t> </a:t>
+            </a:r>
+            <a:r>
+              <a:rPr lang="sv-SE" dirty="0" err="1"/>
+              <a:t>temperatures</a:t>
+            </a:r>
+            <a:r>
+              <a:rPr lang="sv-SE" dirty="0"/>
+              <a:t>:</a:t>
+            </a:r>
+          </a:p>
+        </p:txBody>
+      </p:sp>
+      <p:sp>
+        <p:nvSpPr>
+          <p:cNvPr id="3" name="Content Placeholder 2"/>
+          <p:cNvSpPr>
+            <a:spLocks noGrp="1"/>
+          </p:cNvSpPr>
+          <p:nvPr>
+            <p:ph idx="1"/>
+          </p:nvPr>
+        </p:nvSpPr>
+        <p:spPr/>
+        <p:txBody>
+          <a:bodyPr>
+            <a:normAutofit/>
+          </a:bodyPr>
+          <a:lstStyle/>
+          <a:p>
+            <a:pPr marL="0" marR="0" indent="0">
+              <a:lnSpc>
+                <a:spcPct val="150000"/>
+              </a:lnSpc>
+              <a:spcBef>
+                <a:spcPts val="0"/>
+              </a:spcBef>
+              <a:spcAft>
+                <a:spcPts val="0"/>
+              </a:spcAft>
+              <a:buNone/>
+            </a:pPr>
+            <a:r>
+              <a:rPr lang="en-US" sz="2800" dirty="0">
+                <a:effectLst/>
+                <a:latin typeface="Times New Roman"/>
+                <a:ea typeface="Calibri"/>
+                <a:cs typeface="Times New Roman"/>
+              </a:rPr>
+              <a:t>Mean temperature of each day =</a:t>
+            </a:r>
+            <a:endParaRPr lang="sv-SE" sz="2400" dirty="0">
+              <a:ea typeface="Calibri"/>
+              <a:cs typeface="Times New Roman"/>
+            </a:endParaRPr>
+          </a:p>
+          <a:p>
+            <a:pPr marL="0" marR="0" indent="0">
+              <a:lnSpc>
+                <a:spcPct val="150000"/>
+              </a:lnSpc>
+              <a:spcBef>
+                <a:spcPts val="0"/>
+              </a:spcBef>
+              <a:spcAft>
+                <a:spcPts val="0"/>
+              </a:spcAft>
+              <a:buNone/>
+            </a:pPr>
+            <a:r>
+              <a:rPr lang="en-US" sz="2800" dirty="0">
+                <a:effectLst/>
+                <a:latin typeface="Times New Roman"/>
+                <a:ea typeface="Calibri"/>
+                <a:cs typeface="Times New Roman"/>
+              </a:rPr>
+              <a:t>{ </a:t>
+            </a:r>
+            <a:r>
+              <a:rPr lang="en-US" sz="2800" dirty="0" err="1">
+                <a:effectLst/>
+                <a:latin typeface="Times New Roman"/>
+                <a:ea typeface="Calibri"/>
+                <a:cs typeface="Times New Roman"/>
+              </a:rPr>
+              <a:t>SumT</a:t>
+            </a:r>
+            <a:r>
+              <a:rPr lang="en-US" sz="2800" dirty="0">
+                <a:effectLst/>
+                <a:latin typeface="Times New Roman"/>
+                <a:ea typeface="Calibri"/>
+                <a:cs typeface="Times New Roman"/>
+              </a:rPr>
+              <a:t>[day1], </a:t>
+            </a:r>
+            <a:r>
+              <a:rPr lang="en-US" sz="2800" dirty="0" err="1">
+                <a:effectLst/>
+                <a:latin typeface="Times New Roman"/>
+                <a:ea typeface="Calibri"/>
+                <a:cs typeface="Times New Roman"/>
+              </a:rPr>
+              <a:t>SumT</a:t>
+            </a:r>
+            <a:r>
+              <a:rPr lang="en-US" sz="2800" dirty="0">
+                <a:effectLst/>
+                <a:latin typeface="Times New Roman"/>
+                <a:ea typeface="Calibri"/>
+                <a:cs typeface="Times New Roman"/>
+              </a:rPr>
+              <a:t>[day2], …,</a:t>
+            </a:r>
+            <a:r>
+              <a:rPr lang="en-US" sz="2800" dirty="0" err="1">
+                <a:effectLst/>
+                <a:latin typeface="Times New Roman"/>
+                <a:ea typeface="Calibri"/>
+                <a:cs typeface="Times New Roman"/>
+              </a:rPr>
+              <a:t>SumT</a:t>
+            </a:r>
+            <a:r>
+              <a:rPr lang="en-US" sz="2800" dirty="0">
+                <a:effectLst/>
+                <a:latin typeface="Times New Roman"/>
+                <a:ea typeface="Calibri"/>
+                <a:cs typeface="Times New Roman"/>
+              </a:rPr>
+              <a:t>[day365]} / 291</a:t>
+            </a:r>
+            <a:endParaRPr lang="sv-SE" sz="2400" dirty="0">
+              <a:ea typeface="Calibri"/>
+              <a:cs typeface="Times New Roman"/>
+            </a:endParaRPr>
+          </a:p>
+          <a:p>
+            <a:pPr marL="0" indent="0">
+              <a:buNone/>
+            </a:pPr>
+            <a:endParaRPr lang="sv-SE" dirty="0"/>
+          </a:p>
+          <a:p>
+            <a:pPr marL="0" indent="0">
+              <a:buNone/>
+            </a:pPr>
+            <a:endParaRPr lang="sv-SE" dirty="0"/>
+          </a:p>
+          <a:p>
+            <a:pPr marL="0" indent="0">
+              <a:buNone/>
+            </a:pPr>
+            <a:endParaRPr lang="sv-SE" dirty="0"/>
+          </a:p>
+        </p:txBody>
+      </p:sp>
       <p:pic>
         <p:nvPicPr>
-          <p:cNvPr id="5" name="Content Placeholder 4">
-            <a:extLst>
-              <a:ext uri="{FF2B5EF4-FFF2-40B4-BE49-F238E27FC236}">
-                <a16:creationId xmlns:a16="http://schemas.microsoft.com/office/drawing/2014/main" id="{1AA7AE5C-C270-4819-9B62-484230D5480E}"/>
-              </a:ext>
-            </a:extLst>
-          </p:cNvPr>
+          <p:cNvPr id="4" name="Picture 3"/>
           <p:cNvPicPr>
-            <a:picLocks noGrp="1" noChangeAspect="1"/>
+            <a:picLocks noChangeAspect="1"/>
           </p:cNvPicPr>
-          <p:nvPr>
-            <p:ph idx="1"/>
-          </p:nvPr>
+          <p:nvPr/>
         </p:nvPicPr>
-        <p:blipFill rotWithShape="1">
+        <p:blipFill>
           <a:blip r:embed="rId2">
             <a:extLst>
               <a:ext uri="{28A0092B-C50C-407E-A947-70E740481C1C}">
@@ -9776,20 +11707,24 @@
               </a:ext>
             </a:extLst>
           </a:blip>
-          <a:srcRect l="23387" r="21066"/>
-          <a:stretch/>
+          <a:stretch>
+            <a:fillRect/>
+          </a:stretch>
         </p:blipFill>
         <p:spPr>
           <a:xfrm>
-            <a:off x="2294709" y="375327"/>
-            <a:ext cx="6875417" cy="6107345"/>
+            <a:off x="1117603" y="3733805"/>
+            <a:ext cx="8315295" cy="2030181"/>
           </a:xfrm>
+          <a:prstGeom prst="rect">
+            <a:avLst/>
+          </a:prstGeom>
         </p:spPr>
       </p:pic>
     </p:spTree>
     <p:extLst>
       <p:ext uri="{BB962C8B-B14F-4D97-AF65-F5344CB8AC3E}">
-        <p14:creationId xmlns:p14="http://schemas.microsoft.com/office/powerpoint/2010/main" val="4256811774"/>
+        <p14:creationId xmlns:p14="http://schemas.microsoft.com/office/powerpoint/2010/main" val="242574104"/>
       </p:ext>
     </p:extLst>
   </p:cSld>
